--- a/PPT/DESIGN3.1 overview.pptx
+++ b/PPT/DESIGN3.1 overview.pptx
@@ -1,16 +1,16 @@
 
 <file path=ppt/presentation.xml><?xml version="1.0" encoding="utf-8"?>
-<p:presentation xmlns:a="http://schemas.openxmlformats.org/drawingml/2006/main" xmlns:r="http://schemas.openxmlformats.org/officeDocument/2006/relationships" xmlns:p="http://schemas.openxmlformats.org/presentationml/2006/main" saveSubsetFonts="1">
+<p:presentation xmlns:a="http://schemas.openxmlformats.org/drawingml/2006/main" xmlns:r="http://schemas.openxmlformats.org/officeDocument/2006/relationships" xmlns:p="http://schemas.openxmlformats.org/presentationml/2006/main">
   <p:sldMasterIdLst>
     <p:sldMasterId id="2147483648" r:id="rId1"/>
   </p:sldMasterIdLst>
   <p:sldIdLst>
-    <p:sldId id="256" r:id="rId2"/>
+    <p:sldId id="256" r:id="rId3"/>
   </p:sldIdLst>
-  <p:sldSz cx="7199313" cy="4859338"/>
+  <p:sldSz cx="7199630" cy="4679950"/>
   <p:notesSz cx="6858000" cy="9144000"/>
   <p:custDataLst>
-    <p:tags r:id="rId3"/>
+    <p:tags r:id="rId7"/>
   </p:custDataLst>
   <p:defaultTextStyle>
     <a:defPPr>
@@ -140,12 +140,12 @@
   <p:extLst>
     <p:ext uri="{EFAFB233-063F-42B5-8137-9DF3F51BA10A}">
       <p15:sldGuideLst xmlns:p15="http://schemas.microsoft.com/office/powerpoint/2012/main">
-        <p15:guide id="1" orient="horz" pos="1510">
+        <p15:guide id="1" orient="horz" pos="1482" userDrawn="1">
           <p15:clr>
             <a:srgbClr val="A4A3A4"/>
           </p15:clr>
         </p15:guide>
-        <p15:guide id="2" pos="2272">
+        <p15:guide id="2" pos="2299" userDrawn="1">
           <p15:clr>
             <a:srgbClr val="A4A3A4"/>
           </p15:clr>
@@ -185,15 +185,15 @@
         </p:nvSpPr>
         <p:spPr>
           <a:xfrm>
-            <a:off x="900046" y="795463"/>
-            <a:ext cx="5400278" cy="1692186"/>
+            <a:off x="900172" y="766156"/>
+            <a:ext cx="5401032" cy="1629841"/>
           </a:xfrm>
         </p:spPr>
         <p:txBody>
           <a:bodyPr anchor="b"/>
           <a:lstStyle>
             <a:lvl1pPr algn="ctr">
-              <a:defRPr sz="3190"/>
+              <a:defRPr sz="3070"/>
             </a:lvl1pPr>
           </a:lstStyle>
           <a:p>
@@ -201,6 +201,7 @@
               <a:rPr lang="zh-CN" altLang="en-US" noProof="1"/>
               <a:t>单击此处编辑母版标题样式</a:t>
             </a:r>
+            <a:endParaRPr lang="zh-CN" altLang="en-US" noProof="1"/>
           </a:p>
         </p:txBody>
       </p:sp>
@@ -216,8 +217,8 @@
         </p:nvSpPr>
         <p:spPr>
           <a:xfrm>
-            <a:off x="900046" y="2552906"/>
-            <a:ext cx="5400278" cy="1173504"/>
+            <a:off x="900172" y="2458850"/>
+            <a:ext cx="5401032" cy="1130269"/>
           </a:xfrm>
         </p:spPr>
         <p:txBody>
@@ -225,39 +226,39 @@
           <a:lstStyle>
             <a:lvl1pPr marL="0" indent="0" algn="ctr">
               <a:buNone/>
-              <a:defRPr sz="1275"/>
+              <a:defRPr sz="1230"/>
             </a:lvl1pPr>
-            <a:lvl2pPr marL="243205" indent="0" algn="ctr">
-              <a:buNone/>
-              <a:defRPr sz="1060"/>
+            <a:lvl2pPr marL="234315" indent="0" algn="ctr">
+              <a:buNone/>
+              <a:defRPr sz="1020"/>
             </a:lvl2pPr>
-            <a:lvl3pPr marL="485775" indent="0" algn="ctr">
-              <a:buNone/>
-              <a:defRPr sz="960"/>
+            <a:lvl3pPr marL="467995" indent="0" algn="ctr">
+              <a:buNone/>
+              <a:defRPr sz="925"/>
             </a:lvl3pPr>
-            <a:lvl4pPr marL="729615" indent="0" algn="ctr">
-              <a:buNone/>
-              <a:defRPr sz="850"/>
+            <a:lvl4pPr marL="702945" indent="0" algn="ctr">
+              <a:buNone/>
+              <a:defRPr sz="820"/>
             </a:lvl4pPr>
-            <a:lvl5pPr marL="972185" indent="0" algn="ctr">
-              <a:buNone/>
-              <a:defRPr sz="850"/>
+            <a:lvl5pPr marL="936625" indent="0" algn="ctr">
+              <a:buNone/>
+              <a:defRPr sz="820"/>
             </a:lvl5pPr>
-            <a:lvl6pPr marL="1215390" indent="0" algn="ctr">
-              <a:buNone/>
-              <a:defRPr sz="850"/>
+            <a:lvl6pPr marL="1170305" indent="0" algn="ctr">
+              <a:buNone/>
+              <a:defRPr sz="820"/>
             </a:lvl6pPr>
-            <a:lvl7pPr marL="1457960" indent="0" algn="ctr">
-              <a:buNone/>
-              <a:defRPr sz="850"/>
+            <a:lvl7pPr marL="1403985" indent="0" algn="ctr">
+              <a:buNone/>
+              <a:defRPr sz="820"/>
             </a:lvl7pPr>
-            <a:lvl8pPr marL="1701165" indent="0" algn="ctr">
-              <a:buNone/>
-              <a:defRPr sz="850"/>
+            <a:lvl8pPr marL="1638300" indent="0" algn="ctr">
+              <a:buNone/>
+              <a:defRPr sz="820"/>
             </a:lvl8pPr>
-            <a:lvl9pPr marL="1944370" indent="0" algn="ctr">
-              <a:buNone/>
-              <a:defRPr sz="850"/>
+            <a:lvl9pPr marL="1872615" indent="0" algn="ctr">
+              <a:buNone/>
+              <a:defRPr sz="820"/>
             </a:lvl9pPr>
           </a:lstStyle>
           <a:p>
@@ -265,18 +266,13 @@
               <a:rPr lang="zh-CN" altLang="en-US" noProof="1"/>
               <a:t>单击此处编辑母版副标题样式</a:t>
             </a:r>
-          </a:p>
-        </p:txBody>
-      </p:sp>
-      <p:sp>
-        <p:nvSpPr>
-          <p:cNvPr id="4" name="日期占位符 1027">
-            <a:extLst>
-              <a:ext uri="{FF2B5EF4-FFF2-40B4-BE49-F238E27FC236}">
-                <a16:creationId xmlns:a16="http://schemas.microsoft.com/office/drawing/2014/main" id="{F686E7B0-56C6-1DA4-FB4C-28010C5EEF12}"/>
-              </a:ext>
-            </a:extLst>
-          </p:cNvPr>
+            <a:endParaRPr lang="zh-CN" altLang="en-US" noProof="1"/>
+          </a:p>
+        </p:txBody>
+      </p:sp>
+      <p:sp>
+        <p:nvSpPr>
+          <p:cNvPr id="4" name="日期占位符 1027"/>
           <p:cNvSpPr>
             <a:spLocks noGrp="1"/>
           </p:cNvSpPr>
@@ -284,9 +280,7 @@
             <p:ph type="dt" sz="half" idx="10"/>
           </p:nvPr>
         </p:nvSpPr>
-        <p:spPr>
-          <a:ln/>
-        </p:spPr>
+        <p:spPr/>
         <p:txBody>
           <a:bodyPr/>
           <a:lstStyle>
@@ -301,13 +295,7 @@
       </p:sp>
       <p:sp>
         <p:nvSpPr>
-          <p:cNvPr id="5" name="页脚占位符 1028">
-            <a:extLst>
-              <a:ext uri="{FF2B5EF4-FFF2-40B4-BE49-F238E27FC236}">
-                <a16:creationId xmlns:a16="http://schemas.microsoft.com/office/drawing/2014/main" id="{9E1651C5-A791-E767-A200-FADC21DE0603}"/>
-              </a:ext>
-            </a:extLst>
-          </p:cNvPr>
+          <p:cNvPr id="5" name="页脚占位符 1028"/>
           <p:cNvSpPr>
             <a:spLocks noGrp="1"/>
           </p:cNvSpPr>
@@ -315,9 +303,7 @@
             <p:ph type="ftr" sz="quarter" idx="11"/>
           </p:nvPr>
         </p:nvSpPr>
-        <p:spPr>
-          <a:ln/>
-        </p:spPr>
+        <p:spPr/>
         <p:txBody>
           <a:bodyPr/>
           <a:lstStyle>
@@ -332,13 +318,7 @@
       </p:sp>
       <p:sp>
         <p:nvSpPr>
-          <p:cNvPr id="6" name="灯片编号占位符 1029">
-            <a:extLst>
-              <a:ext uri="{FF2B5EF4-FFF2-40B4-BE49-F238E27FC236}">
-                <a16:creationId xmlns:a16="http://schemas.microsoft.com/office/drawing/2014/main" id="{7350EF85-1322-3621-D463-F6652BEE217D}"/>
-              </a:ext>
-            </a:extLst>
-          </p:cNvPr>
+          <p:cNvPr id="6" name="灯片编号占位符 1029"/>
           <p:cNvSpPr>
             <a:spLocks noGrp="1"/>
           </p:cNvSpPr>
@@ -346,9 +326,7 @@
             <p:ph type="sldNum" sz="quarter" idx="12"/>
           </p:nvPr>
         </p:nvSpPr>
-        <p:spPr>
-          <a:ln/>
-        </p:spPr>
+        <p:spPr/>
         <p:txBody>
           <a:bodyPr/>
           <a:lstStyle>
@@ -359,19 +337,12 @@
           <a:p>
             <a:fld id="{5AEDE62F-DBF3-4610-A174-55122FE24BB4}" type="slidenum">
               <a:rPr lang="zh-CN" altLang="en-US"/>
-              <a:pPr/>
-              <a:t>‹#›</a:t>
             </a:fld>
             <a:endParaRPr lang="zh-CN" altLang="en-US"/>
           </a:p>
         </p:txBody>
       </p:sp>
     </p:spTree>
-    <p:extLst>
-      <p:ext uri="{BB962C8B-B14F-4D97-AF65-F5344CB8AC3E}">
-        <p14:creationId xmlns:p14="http://schemas.microsoft.com/office/powerpoint/2010/main" val="202710988"/>
-      </p:ext>
-    </p:extLst>
   </p:cSld>
   <p:clrMapOvr>
     <a:masterClrMapping/>
@@ -415,6 +386,7 @@
               <a:rPr lang="zh-CN" altLang="en-US" noProof="1"/>
               <a:t>单击此处编辑母版标题样式</a:t>
             </a:r>
+            <a:endParaRPr lang="zh-CN" altLang="en-US" noProof="1"/>
           </a:p>
         </p:txBody>
       </p:sp>
@@ -438,6 +410,7 @@
               <a:rPr lang="zh-CN" altLang="en-US" noProof="1"/>
               <a:t>单击此处编辑母版文本样式</a:t>
             </a:r>
+            <a:endParaRPr lang="zh-CN" altLang="en-US" noProof="1"/>
           </a:p>
           <a:p>
             <a:pPr lvl="1"/>
@@ -445,6 +418,7 @@
               <a:rPr lang="zh-CN" altLang="en-US" noProof="1"/>
               <a:t>第二级</a:t>
             </a:r>
+            <a:endParaRPr lang="zh-CN" altLang="en-US" noProof="1"/>
           </a:p>
           <a:p>
             <a:pPr lvl="2"/>
@@ -452,6 +426,7 @@
               <a:rPr lang="zh-CN" altLang="en-US" noProof="1"/>
               <a:t>第三级</a:t>
             </a:r>
+            <a:endParaRPr lang="zh-CN" altLang="en-US" noProof="1"/>
           </a:p>
           <a:p>
             <a:pPr lvl="3"/>
@@ -459,6 +434,7 @@
               <a:rPr lang="zh-CN" altLang="en-US" noProof="1"/>
               <a:t>第四级</a:t>
             </a:r>
+            <a:endParaRPr lang="zh-CN" altLang="en-US" noProof="1"/>
           </a:p>
           <a:p>
             <a:pPr lvl="4"/>
@@ -466,18 +442,13 @@
               <a:rPr lang="zh-CN" altLang="en-US" noProof="1"/>
               <a:t>第五级</a:t>
             </a:r>
-          </a:p>
-        </p:txBody>
-      </p:sp>
-      <p:sp>
-        <p:nvSpPr>
-          <p:cNvPr id="4" name="日期占位符 1027">
-            <a:extLst>
-              <a:ext uri="{FF2B5EF4-FFF2-40B4-BE49-F238E27FC236}">
-                <a16:creationId xmlns:a16="http://schemas.microsoft.com/office/drawing/2014/main" id="{19C88E07-A9C9-963B-43E0-69FD7FCDE8DC}"/>
-              </a:ext>
-            </a:extLst>
-          </p:cNvPr>
+            <a:endParaRPr lang="zh-CN" altLang="en-US" noProof="1"/>
+          </a:p>
+        </p:txBody>
+      </p:sp>
+      <p:sp>
+        <p:nvSpPr>
+          <p:cNvPr id="4" name="日期占位符 1027"/>
           <p:cNvSpPr>
             <a:spLocks noGrp="1"/>
           </p:cNvSpPr>
@@ -485,9 +456,7 @@
             <p:ph type="dt" sz="half" idx="10"/>
           </p:nvPr>
         </p:nvSpPr>
-        <p:spPr>
-          <a:ln/>
-        </p:spPr>
+        <p:spPr/>
         <p:txBody>
           <a:bodyPr/>
           <a:lstStyle>
@@ -502,13 +471,7 @@
       </p:sp>
       <p:sp>
         <p:nvSpPr>
-          <p:cNvPr id="5" name="页脚占位符 1028">
-            <a:extLst>
-              <a:ext uri="{FF2B5EF4-FFF2-40B4-BE49-F238E27FC236}">
-                <a16:creationId xmlns:a16="http://schemas.microsoft.com/office/drawing/2014/main" id="{F81844B2-31B4-DE60-64AC-928FE9DCF105}"/>
-              </a:ext>
-            </a:extLst>
-          </p:cNvPr>
+          <p:cNvPr id="5" name="页脚占位符 1028"/>
           <p:cNvSpPr>
             <a:spLocks noGrp="1"/>
           </p:cNvSpPr>
@@ -516,9 +479,7 @@
             <p:ph type="ftr" sz="quarter" idx="11"/>
           </p:nvPr>
         </p:nvSpPr>
-        <p:spPr>
-          <a:ln/>
-        </p:spPr>
+        <p:spPr/>
         <p:txBody>
           <a:bodyPr/>
           <a:lstStyle>
@@ -533,13 +494,7 @@
       </p:sp>
       <p:sp>
         <p:nvSpPr>
-          <p:cNvPr id="6" name="灯片编号占位符 1029">
-            <a:extLst>
-              <a:ext uri="{FF2B5EF4-FFF2-40B4-BE49-F238E27FC236}">
-                <a16:creationId xmlns:a16="http://schemas.microsoft.com/office/drawing/2014/main" id="{F2608000-4F72-18DD-F840-84C5BE6112DA}"/>
-              </a:ext>
-            </a:extLst>
-          </p:cNvPr>
+          <p:cNvPr id="6" name="灯片编号占位符 1029"/>
           <p:cNvSpPr>
             <a:spLocks noGrp="1"/>
           </p:cNvSpPr>
@@ -547,9 +502,7 @@
             <p:ph type="sldNum" sz="quarter" idx="12"/>
           </p:nvPr>
         </p:nvSpPr>
-        <p:spPr>
-          <a:ln/>
-        </p:spPr>
+        <p:spPr/>
         <p:txBody>
           <a:bodyPr/>
           <a:lstStyle>
@@ -560,19 +513,12 @@
           <a:p>
             <a:fld id="{19E5D6B6-D386-4923-AC10-C52152BE8E37}" type="slidenum">
               <a:rPr lang="zh-CN" altLang="en-US"/>
-              <a:pPr/>
-              <a:t>‹#›</a:t>
             </a:fld>
             <a:endParaRPr lang="zh-CN" altLang="en-US"/>
           </a:p>
         </p:txBody>
       </p:sp>
     </p:spTree>
-    <p:extLst>
-      <p:ext uri="{BB962C8B-B14F-4D97-AF65-F5344CB8AC3E}">
-        <p14:creationId xmlns:p14="http://schemas.microsoft.com/office/powerpoint/2010/main" val="1449702291"/>
-      </p:ext>
-    </p:extLst>
   </p:cSld>
   <p:clrMapOvr>
     <a:masterClrMapping/>
@@ -609,8 +555,8 @@
         </p:nvSpPr>
         <p:spPr>
           <a:xfrm>
-            <a:off x="5220268" y="194646"/>
-            <a:ext cx="1620083" cy="4147207"/>
+            <a:off x="5220997" y="187475"/>
+            <a:ext cx="1620309" cy="3994412"/>
           </a:xfrm>
         </p:spPr>
         <p:txBody>
@@ -621,6 +567,7 @@
               <a:rPr lang="zh-CN" altLang="en-US" noProof="1"/>
               <a:t>单击此处编辑母版标题样式</a:t>
             </a:r>
+            <a:endParaRPr lang="zh-CN" altLang="en-US" noProof="1"/>
           </a:p>
         </p:txBody>
       </p:sp>
@@ -636,8 +583,8 @@
         </p:nvSpPr>
         <p:spPr>
           <a:xfrm>
-            <a:off x="360019" y="194646"/>
-            <a:ext cx="4766332" cy="4147207"/>
+            <a:off x="360069" y="187475"/>
+            <a:ext cx="4766998" cy="3994412"/>
           </a:xfrm>
         </p:spPr>
         <p:txBody>
@@ -649,6 +596,7 @@
               <a:rPr lang="zh-CN" altLang="en-US" noProof="1"/>
               <a:t>单击此处编辑母版文本样式</a:t>
             </a:r>
+            <a:endParaRPr lang="zh-CN" altLang="en-US" noProof="1"/>
           </a:p>
           <a:p>
             <a:pPr lvl="1"/>
@@ -656,6 +604,7 @@
               <a:rPr lang="zh-CN" altLang="en-US" noProof="1"/>
               <a:t>第二级</a:t>
             </a:r>
+            <a:endParaRPr lang="zh-CN" altLang="en-US" noProof="1"/>
           </a:p>
           <a:p>
             <a:pPr lvl="2"/>
@@ -663,6 +612,7 @@
               <a:rPr lang="zh-CN" altLang="en-US" noProof="1"/>
               <a:t>第三级</a:t>
             </a:r>
+            <a:endParaRPr lang="zh-CN" altLang="en-US" noProof="1"/>
           </a:p>
           <a:p>
             <a:pPr lvl="3"/>
@@ -670,6 +620,7 @@
               <a:rPr lang="zh-CN" altLang="en-US" noProof="1"/>
               <a:t>第四级</a:t>
             </a:r>
+            <a:endParaRPr lang="zh-CN" altLang="en-US" noProof="1"/>
           </a:p>
           <a:p>
             <a:pPr lvl="4"/>
@@ -677,18 +628,13 @@
               <a:rPr lang="zh-CN" altLang="en-US" noProof="1"/>
               <a:t>第五级</a:t>
             </a:r>
-          </a:p>
-        </p:txBody>
-      </p:sp>
-      <p:sp>
-        <p:nvSpPr>
-          <p:cNvPr id="4" name="日期占位符 1027">
-            <a:extLst>
-              <a:ext uri="{FF2B5EF4-FFF2-40B4-BE49-F238E27FC236}">
-                <a16:creationId xmlns:a16="http://schemas.microsoft.com/office/drawing/2014/main" id="{38B5AF8E-C78C-4364-C0EE-9633D8B39DE5}"/>
-              </a:ext>
-            </a:extLst>
-          </p:cNvPr>
+            <a:endParaRPr lang="zh-CN" altLang="en-US" noProof="1"/>
+          </a:p>
+        </p:txBody>
+      </p:sp>
+      <p:sp>
+        <p:nvSpPr>
+          <p:cNvPr id="4" name="日期占位符 1027"/>
           <p:cNvSpPr>
             <a:spLocks noGrp="1"/>
           </p:cNvSpPr>
@@ -696,9 +642,7 @@
             <p:ph type="dt" sz="half" idx="10"/>
           </p:nvPr>
         </p:nvSpPr>
-        <p:spPr>
-          <a:ln/>
-        </p:spPr>
+        <p:spPr/>
         <p:txBody>
           <a:bodyPr/>
           <a:lstStyle>
@@ -713,13 +657,7 @@
       </p:sp>
       <p:sp>
         <p:nvSpPr>
-          <p:cNvPr id="5" name="页脚占位符 1028">
-            <a:extLst>
-              <a:ext uri="{FF2B5EF4-FFF2-40B4-BE49-F238E27FC236}">
-                <a16:creationId xmlns:a16="http://schemas.microsoft.com/office/drawing/2014/main" id="{9D35F678-5643-DE1A-3AAB-8125983678D9}"/>
-              </a:ext>
-            </a:extLst>
-          </p:cNvPr>
+          <p:cNvPr id="5" name="页脚占位符 1028"/>
           <p:cNvSpPr>
             <a:spLocks noGrp="1"/>
           </p:cNvSpPr>
@@ -727,9 +665,7 @@
             <p:ph type="ftr" sz="quarter" idx="11"/>
           </p:nvPr>
         </p:nvSpPr>
-        <p:spPr>
-          <a:ln/>
-        </p:spPr>
+        <p:spPr/>
         <p:txBody>
           <a:bodyPr/>
           <a:lstStyle>
@@ -744,13 +680,7 @@
       </p:sp>
       <p:sp>
         <p:nvSpPr>
-          <p:cNvPr id="6" name="灯片编号占位符 1029">
-            <a:extLst>
-              <a:ext uri="{FF2B5EF4-FFF2-40B4-BE49-F238E27FC236}">
-                <a16:creationId xmlns:a16="http://schemas.microsoft.com/office/drawing/2014/main" id="{29C3B033-D250-A60D-C724-E645B9EA5E6E}"/>
-              </a:ext>
-            </a:extLst>
-          </p:cNvPr>
+          <p:cNvPr id="6" name="灯片编号占位符 1029"/>
           <p:cNvSpPr>
             <a:spLocks noGrp="1"/>
           </p:cNvSpPr>
@@ -758,9 +688,7 @@
             <p:ph type="sldNum" sz="quarter" idx="12"/>
           </p:nvPr>
         </p:nvSpPr>
-        <p:spPr>
-          <a:ln/>
-        </p:spPr>
+        <p:spPr/>
         <p:txBody>
           <a:bodyPr/>
           <a:lstStyle>
@@ -771,19 +699,12 @@
           <a:p>
             <a:fld id="{2B096F8B-81F2-4101-BDB6-6B3630C47861}" type="slidenum">
               <a:rPr lang="zh-CN" altLang="en-US"/>
-              <a:pPr/>
-              <a:t>‹#›</a:t>
             </a:fld>
             <a:endParaRPr lang="zh-CN" altLang="en-US"/>
           </a:p>
         </p:txBody>
       </p:sp>
     </p:spTree>
-    <p:extLst>
-      <p:ext uri="{BB962C8B-B14F-4D97-AF65-F5344CB8AC3E}">
-        <p14:creationId xmlns:p14="http://schemas.microsoft.com/office/powerpoint/2010/main" val="1312984899"/>
-      </p:ext>
-    </p:extLst>
   </p:cSld>
   <p:clrMapOvr>
     <a:masterClrMapping/>
@@ -827,6 +748,7 @@
               <a:rPr lang="zh-CN" altLang="en-US" noProof="1"/>
               <a:t>单击此处编辑母版标题样式</a:t>
             </a:r>
+            <a:endParaRPr lang="zh-CN" altLang="en-US" noProof="1"/>
           </a:p>
         </p:txBody>
       </p:sp>
@@ -850,6 +772,7 @@
               <a:rPr lang="zh-CN" altLang="en-US" noProof="1"/>
               <a:t>单击此处编辑母版文本样式</a:t>
             </a:r>
+            <a:endParaRPr lang="zh-CN" altLang="en-US" noProof="1"/>
           </a:p>
           <a:p>
             <a:pPr lvl="1"/>
@@ -857,6 +780,7 @@
               <a:rPr lang="zh-CN" altLang="en-US" noProof="1"/>
               <a:t>第二级</a:t>
             </a:r>
+            <a:endParaRPr lang="zh-CN" altLang="en-US" noProof="1"/>
           </a:p>
           <a:p>
             <a:pPr lvl="2"/>
@@ -864,6 +788,7 @@
               <a:rPr lang="zh-CN" altLang="en-US" noProof="1"/>
               <a:t>第三级</a:t>
             </a:r>
+            <a:endParaRPr lang="zh-CN" altLang="en-US" noProof="1"/>
           </a:p>
           <a:p>
             <a:pPr lvl="3"/>
@@ -871,6 +796,7 @@
               <a:rPr lang="zh-CN" altLang="en-US" noProof="1"/>
               <a:t>第四级</a:t>
             </a:r>
+            <a:endParaRPr lang="zh-CN" altLang="en-US" noProof="1"/>
           </a:p>
           <a:p>
             <a:pPr lvl="4"/>
@@ -878,18 +804,13 @@
               <a:rPr lang="zh-CN" altLang="en-US" noProof="1"/>
               <a:t>第五级</a:t>
             </a:r>
-          </a:p>
-        </p:txBody>
-      </p:sp>
-      <p:sp>
-        <p:nvSpPr>
-          <p:cNvPr id="4" name="日期占位符 1027">
-            <a:extLst>
-              <a:ext uri="{FF2B5EF4-FFF2-40B4-BE49-F238E27FC236}">
-                <a16:creationId xmlns:a16="http://schemas.microsoft.com/office/drawing/2014/main" id="{5AB770CB-D0E3-FDE1-A763-FAD88929D3B8}"/>
-              </a:ext>
-            </a:extLst>
-          </p:cNvPr>
+            <a:endParaRPr lang="zh-CN" altLang="en-US" noProof="1"/>
+          </a:p>
+        </p:txBody>
+      </p:sp>
+      <p:sp>
+        <p:nvSpPr>
+          <p:cNvPr id="4" name="日期占位符 1027"/>
           <p:cNvSpPr>
             <a:spLocks noGrp="1"/>
           </p:cNvSpPr>
@@ -897,9 +818,7 @@
             <p:ph type="dt" sz="half" idx="10"/>
           </p:nvPr>
         </p:nvSpPr>
-        <p:spPr>
-          <a:ln/>
-        </p:spPr>
+        <p:spPr/>
         <p:txBody>
           <a:bodyPr/>
           <a:lstStyle>
@@ -914,13 +833,7 @@
       </p:sp>
       <p:sp>
         <p:nvSpPr>
-          <p:cNvPr id="5" name="页脚占位符 1028">
-            <a:extLst>
-              <a:ext uri="{FF2B5EF4-FFF2-40B4-BE49-F238E27FC236}">
-                <a16:creationId xmlns:a16="http://schemas.microsoft.com/office/drawing/2014/main" id="{9D6BB498-96D3-24B7-393C-B7C7CC2C8715}"/>
-              </a:ext>
-            </a:extLst>
-          </p:cNvPr>
+          <p:cNvPr id="5" name="页脚占位符 1028"/>
           <p:cNvSpPr>
             <a:spLocks noGrp="1"/>
           </p:cNvSpPr>
@@ -928,9 +841,7 @@
             <p:ph type="ftr" sz="quarter" idx="11"/>
           </p:nvPr>
         </p:nvSpPr>
-        <p:spPr>
-          <a:ln/>
-        </p:spPr>
+        <p:spPr/>
         <p:txBody>
           <a:bodyPr/>
           <a:lstStyle>
@@ -945,13 +856,7 @@
       </p:sp>
       <p:sp>
         <p:nvSpPr>
-          <p:cNvPr id="6" name="灯片编号占位符 1029">
-            <a:extLst>
-              <a:ext uri="{FF2B5EF4-FFF2-40B4-BE49-F238E27FC236}">
-                <a16:creationId xmlns:a16="http://schemas.microsoft.com/office/drawing/2014/main" id="{732D54D4-FFB1-D9CB-21CB-0C64F530D41C}"/>
-              </a:ext>
-            </a:extLst>
-          </p:cNvPr>
+          <p:cNvPr id="6" name="灯片编号占位符 1029"/>
           <p:cNvSpPr>
             <a:spLocks noGrp="1"/>
           </p:cNvSpPr>
@@ -959,9 +864,7 @@
             <p:ph type="sldNum" sz="quarter" idx="12"/>
           </p:nvPr>
         </p:nvSpPr>
-        <p:spPr>
-          <a:ln/>
-        </p:spPr>
+        <p:spPr/>
         <p:txBody>
           <a:bodyPr/>
           <a:lstStyle>
@@ -972,19 +875,12 @@
           <a:p>
             <a:fld id="{28C10F11-17C7-44F2-A8B0-6841297A30E9}" type="slidenum">
               <a:rPr lang="zh-CN" altLang="en-US"/>
-              <a:pPr/>
-              <a:t>‹#›</a:t>
             </a:fld>
             <a:endParaRPr lang="zh-CN" altLang="en-US"/>
           </a:p>
         </p:txBody>
       </p:sp>
     </p:spTree>
-    <p:extLst>
-      <p:ext uri="{BB962C8B-B14F-4D97-AF65-F5344CB8AC3E}">
-        <p14:creationId xmlns:p14="http://schemas.microsoft.com/office/powerpoint/2010/main" val="80798047"/>
-      </p:ext>
-    </p:extLst>
   </p:cSld>
   <p:clrMapOvr>
     <a:masterClrMapping/>
@@ -1021,15 +917,15 @@
         </p:nvSpPr>
         <p:spPr>
           <a:xfrm>
-            <a:off x="491275" y="1211758"/>
-            <a:ext cx="6210319" cy="2021847"/>
+            <a:off x="491344" y="1167113"/>
+            <a:ext cx="6211186" cy="1947356"/>
           </a:xfrm>
         </p:spPr>
         <p:txBody>
           <a:bodyPr anchor="b"/>
           <a:lstStyle>
             <a:lvl1pPr>
-              <a:defRPr sz="3190"/>
+              <a:defRPr sz="3070"/>
             </a:lvl1pPr>
           </a:lstStyle>
           <a:p>
@@ -1037,6 +933,7 @@
               <a:rPr lang="zh-CN" altLang="en-US" noProof="1"/>
               <a:t>单击此处编辑母版标题样式</a:t>
             </a:r>
+            <a:endParaRPr lang="zh-CN" altLang="en-US" noProof="1"/>
           </a:p>
         </p:txBody>
       </p:sp>
@@ -1052,8 +949,8 @@
         </p:nvSpPr>
         <p:spPr>
           <a:xfrm>
-            <a:off x="491275" y="3252733"/>
-            <a:ext cx="6210319" cy="1063242"/>
+            <a:off x="491344" y="3132893"/>
+            <a:ext cx="6211186" cy="1024069"/>
           </a:xfrm>
         </p:spPr>
         <p:txBody>
@@ -1061,7 +958,7 @@
           <a:lstStyle>
             <a:lvl1pPr marL="0" indent="0">
               <a:buNone/>
-              <a:defRPr sz="1275">
+              <a:defRPr sz="1230">
                 <a:solidFill>
                   <a:schemeClr val="tx1">
                     <a:tint val="75000"/>
@@ -1069,9 +966,9 @@
                 </a:solidFill>
               </a:defRPr>
             </a:lvl1pPr>
-            <a:lvl2pPr marL="243205" indent="0">
-              <a:buNone/>
-              <a:defRPr sz="1060">
+            <a:lvl2pPr marL="234315" indent="0">
+              <a:buNone/>
+              <a:defRPr sz="1020">
                 <a:solidFill>
                   <a:schemeClr val="tx1">
                     <a:tint val="75000"/>
@@ -1079,9 +976,9 @@
                 </a:solidFill>
               </a:defRPr>
             </a:lvl2pPr>
-            <a:lvl3pPr marL="485775" indent="0">
-              <a:buNone/>
-              <a:defRPr sz="960">
+            <a:lvl3pPr marL="467995" indent="0">
+              <a:buNone/>
+              <a:defRPr sz="925">
                 <a:solidFill>
                   <a:schemeClr val="tx1">
                     <a:tint val="75000"/>
@@ -1089,9 +986,9 @@
                 </a:solidFill>
               </a:defRPr>
             </a:lvl3pPr>
-            <a:lvl4pPr marL="729615" indent="0">
-              <a:buNone/>
-              <a:defRPr sz="850">
+            <a:lvl4pPr marL="702945" indent="0">
+              <a:buNone/>
+              <a:defRPr sz="820">
                 <a:solidFill>
                   <a:schemeClr val="tx1">
                     <a:tint val="75000"/>
@@ -1099,9 +996,9 @@
                 </a:solidFill>
               </a:defRPr>
             </a:lvl4pPr>
-            <a:lvl5pPr marL="972185" indent="0">
-              <a:buNone/>
-              <a:defRPr sz="850">
+            <a:lvl5pPr marL="936625" indent="0">
+              <a:buNone/>
+              <a:defRPr sz="820">
                 <a:solidFill>
                   <a:schemeClr val="tx1">
                     <a:tint val="75000"/>
@@ -1109,9 +1006,9 @@
                 </a:solidFill>
               </a:defRPr>
             </a:lvl5pPr>
-            <a:lvl6pPr marL="1215390" indent="0">
-              <a:buNone/>
-              <a:defRPr sz="850">
+            <a:lvl6pPr marL="1170305" indent="0">
+              <a:buNone/>
+              <a:defRPr sz="820">
                 <a:solidFill>
                   <a:schemeClr val="tx1">
                     <a:tint val="75000"/>
@@ -1119,9 +1016,9 @@
                 </a:solidFill>
               </a:defRPr>
             </a:lvl6pPr>
-            <a:lvl7pPr marL="1457960" indent="0">
-              <a:buNone/>
-              <a:defRPr sz="850">
+            <a:lvl7pPr marL="1403985" indent="0">
+              <a:buNone/>
+              <a:defRPr sz="820">
                 <a:solidFill>
                   <a:schemeClr val="tx1">
                     <a:tint val="75000"/>
@@ -1129,9 +1026,9 @@
                 </a:solidFill>
               </a:defRPr>
             </a:lvl7pPr>
-            <a:lvl8pPr marL="1701165" indent="0">
-              <a:buNone/>
-              <a:defRPr sz="850">
+            <a:lvl8pPr marL="1638300" indent="0">
+              <a:buNone/>
+              <a:defRPr sz="820">
                 <a:solidFill>
                   <a:schemeClr val="tx1">
                     <a:tint val="75000"/>
@@ -1139,9 +1036,9 @@
                 </a:solidFill>
               </a:defRPr>
             </a:lvl8pPr>
-            <a:lvl9pPr marL="1944370" indent="0">
-              <a:buNone/>
-              <a:defRPr sz="850">
+            <a:lvl9pPr marL="1872615" indent="0">
+              <a:buNone/>
+              <a:defRPr sz="820">
                 <a:solidFill>
                   <a:schemeClr val="tx1">
                     <a:tint val="75000"/>
@@ -1156,18 +1053,13 @@
               <a:rPr lang="zh-CN" altLang="en-US" noProof="1"/>
               <a:t>单击此处编辑母版文本样式</a:t>
             </a:r>
-          </a:p>
-        </p:txBody>
-      </p:sp>
-      <p:sp>
-        <p:nvSpPr>
-          <p:cNvPr id="4" name="日期占位符 1027">
-            <a:extLst>
-              <a:ext uri="{FF2B5EF4-FFF2-40B4-BE49-F238E27FC236}">
-                <a16:creationId xmlns:a16="http://schemas.microsoft.com/office/drawing/2014/main" id="{AC00D1B5-C54C-C83D-815A-55B46225A020}"/>
-              </a:ext>
-            </a:extLst>
-          </p:cNvPr>
+            <a:endParaRPr lang="zh-CN" altLang="en-US" noProof="1"/>
+          </a:p>
+        </p:txBody>
+      </p:sp>
+      <p:sp>
+        <p:nvSpPr>
+          <p:cNvPr id="4" name="日期占位符 1027"/>
           <p:cNvSpPr>
             <a:spLocks noGrp="1"/>
           </p:cNvSpPr>
@@ -1175,9 +1067,7 @@
             <p:ph type="dt" sz="half" idx="10"/>
           </p:nvPr>
         </p:nvSpPr>
-        <p:spPr>
-          <a:ln/>
-        </p:spPr>
+        <p:spPr/>
         <p:txBody>
           <a:bodyPr/>
           <a:lstStyle>
@@ -1192,13 +1082,7 @@
       </p:sp>
       <p:sp>
         <p:nvSpPr>
-          <p:cNvPr id="5" name="页脚占位符 1028">
-            <a:extLst>
-              <a:ext uri="{FF2B5EF4-FFF2-40B4-BE49-F238E27FC236}">
-                <a16:creationId xmlns:a16="http://schemas.microsoft.com/office/drawing/2014/main" id="{928F2979-B0A8-FC1E-47E9-FAC3CBDDB055}"/>
-              </a:ext>
-            </a:extLst>
-          </p:cNvPr>
+          <p:cNvPr id="5" name="页脚占位符 1028"/>
           <p:cNvSpPr>
             <a:spLocks noGrp="1"/>
           </p:cNvSpPr>
@@ -1206,9 +1090,7 @@
             <p:ph type="ftr" sz="quarter" idx="11"/>
           </p:nvPr>
         </p:nvSpPr>
-        <p:spPr>
-          <a:ln/>
-        </p:spPr>
+        <p:spPr/>
         <p:txBody>
           <a:bodyPr/>
           <a:lstStyle>
@@ -1223,13 +1105,7 @@
       </p:sp>
       <p:sp>
         <p:nvSpPr>
-          <p:cNvPr id="6" name="灯片编号占位符 1029">
-            <a:extLst>
-              <a:ext uri="{FF2B5EF4-FFF2-40B4-BE49-F238E27FC236}">
-                <a16:creationId xmlns:a16="http://schemas.microsoft.com/office/drawing/2014/main" id="{7CD65A54-0168-3A6D-9796-14BF7BC88F89}"/>
-              </a:ext>
-            </a:extLst>
-          </p:cNvPr>
+          <p:cNvPr id="6" name="灯片编号占位符 1029"/>
           <p:cNvSpPr>
             <a:spLocks noGrp="1"/>
           </p:cNvSpPr>
@@ -1237,9 +1113,7 @@
             <p:ph type="sldNum" sz="quarter" idx="12"/>
           </p:nvPr>
         </p:nvSpPr>
-        <p:spPr>
-          <a:ln/>
-        </p:spPr>
+        <p:spPr/>
         <p:txBody>
           <a:bodyPr/>
           <a:lstStyle>
@@ -1250,19 +1124,12 @@
           <a:p>
             <a:fld id="{32DAB170-B5D6-4E2D-865E-1ED12E3B61B1}" type="slidenum">
               <a:rPr lang="zh-CN" altLang="en-US"/>
-              <a:pPr/>
-              <a:t>‹#›</a:t>
             </a:fld>
             <a:endParaRPr lang="zh-CN" altLang="en-US"/>
           </a:p>
         </p:txBody>
       </p:sp>
     </p:spTree>
-    <p:extLst>
-      <p:ext uri="{BB962C8B-B14F-4D97-AF65-F5344CB8AC3E}">
-        <p14:creationId xmlns:p14="http://schemas.microsoft.com/office/powerpoint/2010/main" val="90269729"/>
-      </p:ext>
-    </p:extLst>
   </p:cSld>
   <p:clrMapOvr>
     <a:masterClrMapping/>
@@ -1306,6 +1173,7 @@
               <a:rPr lang="zh-CN" altLang="en-US" noProof="1"/>
               <a:t>单击此处编辑母版标题样式</a:t>
             </a:r>
+            <a:endParaRPr lang="zh-CN" altLang="en-US" noProof="1"/>
           </a:p>
         </p:txBody>
       </p:sp>
@@ -1321,8 +1189,8 @@
         </p:nvSpPr>
         <p:spPr>
           <a:xfrm>
-            <a:off x="360019" y="1134125"/>
-            <a:ext cx="3175363" cy="3207728"/>
+            <a:off x="360069" y="1092341"/>
+            <a:ext cx="3175806" cy="3089546"/>
           </a:xfrm>
         </p:spPr>
         <p:txBody>
@@ -1334,6 +1202,7 @@
               <a:rPr lang="zh-CN" altLang="en-US" noProof="1"/>
               <a:t>单击此处编辑母版文本样式</a:t>
             </a:r>
+            <a:endParaRPr lang="zh-CN" altLang="en-US" noProof="1"/>
           </a:p>
           <a:p>
             <a:pPr lvl="1"/>
@@ -1341,6 +1210,7 @@
               <a:rPr lang="zh-CN" altLang="en-US" noProof="1"/>
               <a:t>第二级</a:t>
             </a:r>
+            <a:endParaRPr lang="zh-CN" altLang="en-US" noProof="1"/>
           </a:p>
           <a:p>
             <a:pPr lvl="2"/>
@@ -1348,6 +1218,7 @@
               <a:rPr lang="zh-CN" altLang="en-US" noProof="1"/>
               <a:t>第三级</a:t>
             </a:r>
+            <a:endParaRPr lang="zh-CN" altLang="en-US" noProof="1"/>
           </a:p>
           <a:p>
             <a:pPr lvl="3"/>
@@ -1355,6 +1226,7 @@
               <a:rPr lang="zh-CN" altLang="en-US" noProof="1"/>
               <a:t>第四级</a:t>
             </a:r>
+            <a:endParaRPr lang="zh-CN" altLang="en-US" noProof="1"/>
           </a:p>
           <a:p>
             <a:pPr lvl="4"/>
@@ -1362,6 +1234,7 @@
               <a:rPr lang="zh-CN" altLang="en-US" noProof="1"/>
               <a:t>第五级</a:t>
             </a:r>
+            <a:endParaRPr lang="zh-CN" altLang="en-US" noProof="1"/>
           </a:p>
         </p:txBody>
       </p:sp>
@@ -1377,8 +1250,8 @@
         </p:nvSpPr>
         <p:spPr>
           <a:xfrm>
-            <a:off x="3664988" y="1134125"/>
-            <a:ext cx="3175363" cy="3207728"/>
+            <a:off x="3665500" y="1092341"/>
+            <a:ext cx="3175806" cy="3089546"/>
           </a:xfrm>
         </p:spPr>
         <p:txBody>
@@ -1390,6 +1263,7 @@
               <a:rPr lang="zh-CN" altLang="en-US" noProof="1"/>
               <a:t>单击此处编辑母版文本样式</a:t>
             </a:r>
+            <a:endParaRPr lang="zh-CN" altLang="en-US" noProof="1"/>
           </a:p>
           <a:p>
             <a:pPr lvl="1"/>
@@ -1397,6 +1271,7 @@
               <a:rPr lang="zh-CN" altLang="en-US" noProof="1"/>
               <a:t>第二级</a:t>
             </a:r>
+            <a:endParaRPr lang="zh-CN" altLang="en-US" noProof="1"/>
           </a:p>
           <a:p>
             <a:pPr lvl="2"/>
@@ -1404,6 +1279,7 @@
               <a:rPr lang="zh-CN" altLang="en-US" noProof="1"/>
               <a:t>第三级</a:t>
             </a:r>
+            <a:endParaRPr lang="zh-CN" altLang="en-US" noProof="1"/>
           </a:p>
           <a:p>
             <a:pPr lvl="3"/>
@@ -1411,6 +1287,7 @@
               <a:rPr lang="zh-CN" altLang="en-US" noProof="1"/>
               <a:t>第四级</a:t>
             </a:r>
+            <a:endParaRPr lang="zh-CN" altLang="en-US" noProof="1"/>
           </a:p>
           <a:p>
             <a:pPr lvl="4"/>
@@ -1418,18 +1295,13 @@
               <a:rPr lang="zh-CN" altLang="en-US" noProof="1"/>
               <a:t>第五级</a:t>
             </a:r>
-          </a:p>
-        </p:txBody>
-      </p:sp>
-      <p:sp>
-        <p:nvSpPr>
-          <p:cNvPr id="5" name="日期占位符 1027">
-            <a:extLst>
-              <a:ext uri="{FF2B5EF4-FFF2-40B4-BE49-F238E27FC236}">
-                <a16:creationId xmlns:a16="http://schemas.microsoft.com/office/drawing/2014/main" id="{48DFBFCA-A8D1-20F6-EF5B-2F7002307B1D}"/>
-              </a:ext>
-            </a:extLst>
-          </p:cNvPr>
+            <a:endParaRPr lang="zh-CN" altLang="en-US" noProof="1"/>
+          </a:p>
+        </p:txBody>
+      </p:sp>
+      <p:sp>
+        <p:nvSpPr>
+          <p:cNvPr id="5" name="日期占位符 1027"/>
           <p:cNvSpPr>
             <a:spLocks noGrp="1"/>
           </p:cNvSpPr>
@@ -1437,9 +1309,7 @@
             <p:ph type="dt" sz="half" idx="10"/>
           </p:nvPr>
         </p:nvSpPr>
-        <p:spPr>
-          <a:ln/>
-        </p:spPr>
+        <p:spPr/>
         <p:txBody>
           <a:bodyPr/>
           <a:lstStyle>
@@ -1454,13 +1324,7 @@
       </p:sp>
       <p:sp>
         <p:nvSpPr>
-          <p:cNvPr id="6" name="页脚占位符 1028">
-            <a:extLst>
-              <a:ext uri="{FF2B5EF4-FFF2-40B4-BE49-F238E27FC236}">
-                <a16:creationId xmlns:a16="http://schemas.microsoft.com/office/drawing/2014/main" id="{63FFABE2-3A86-14CE-5816-8C08425422E2}"/>
-              </a:ext>
-            </a:extLst>
-          </p:cNvPr>
+          <p:cNvPr id="6" name="页脚占位符 1028"/>
           <p:cNvSpPr>
             <a:spLocks noGrp="1"/>
           </p:cNvSpPr>
@@ -1468,9 +1332,7 @@
             <p:ph type="ftr" sz="quarter" idx="11"/>
           </p:nvPr>
         </p:nvSpPr>
-        <p:spPr>
-          <a:ln/>
-        </p:spPr>
+        <p:spPr/>
         <p:txBody>
           <a:bodyPr/>
           <a:lstStyle>
@@ -1485,13 +1347,7 @@
       </p:sp>
       <p:sp>
         <p:nvSpPr>
-          <p:cNvPr id="7" name="灯片编号占位符 1029">
-            <a:extLst>
-              <a:ext uri="{FF2B5EF4-FFF2-40B4-BE49-F238E27FC236}">
-                <a16:creationId xmlns:a16="http://schemas.microsoft.com/office/drawing/2014/main" id="{53A36C89-CB75-CB65-A36A-A4398EB8D3D6}"/>
-              </a:ext>
-            </a:extLst>
-          </p:cNvPr>
+          <p:cNvPr id="7" name="灯片编号占位符 1029"/>
           <p:cNvSpPr>
             <a:spLocks noGrp="1"/>
           </p:cNvSpPr>
@@ -1499,9 +1355,7 @@
             <p:ph type="sldNum" sz="quarter" idx="12"/>
           </p:nvPr>
         </p:nvSpPr>
-        <p:spPr>
-          <a:ln/>
-        </p:spPr>
+        <p:spPr/>
         <p:txBody>
           <a:bodyPr/>
           <a:lstStyle>
@@ -1512,19 +1366,12 @@
           <a:p>
             <a:fld id="{4DB30543-82A4-428B-915E-6896CC2A5CB2}" type="slidenum">
               <a:rPr lang="zh-CN" altLang="en-US"/>
-              <a:pPr/>
-              <a:t>‹#›</a:t>
             </a:fld>
             <a:endParaRPr lang="zh-CN" altLang="en-US"/>
           </a:p>
         </p:txBody>
       </p:sp>
     </p:spTree>
-    <p:extLst>
-      <p:ext uri="{BB962C8B-B14F-4D97-AF65-F5344CB8AC3E}">
-        <p14:creationId xmlns:p14="http://schemas.microsoft.com/office/powerpoint/2010/main" val="3456296465"/>
-      </p:ext>
-    </p:extLst>
   </p:cSld>
   <p:clrMapOvr>
     <a:masterClrMapping/>
@@ -1561,8 +1408,8 @@
         </p:nvSpPr>
         <p:spPr>
           <a:xfrm>
-            <a:off x="495964" y="258779"/>
-            <a:ext cx="6210319" cy="939478"/>
+            <a:off x="496033" y="249245"/>
+            <a:ext cx="6211186" cy="904865"/>
           </a:xfrm>
         </p:spPr>
         <p:txBody>
@@ -1573,6 +1420,7 @@
               <a:rPr lang="zh-CN" altLang="en-US" noProof="1"/>
               <a:t>单击此处编辑母版标题样式</a:t>
             </a:r>
+            <a:endParaRPr lang="zh-CN" altLang="en-US" noProof="1"/>
           </a:p>
         </p:txBody>
       </p:sp>
@@ -1588,8 +1436,8 @@
         </p:nvSpPr>
         <p:spPr>
           <a:xfrm>
-            <a:off x="700887" y="1260449"/>
-            <a:ext cx="2878243" cy="583939"/>
+            <a:off x="700985" y="1214010"/>
+            <a:ext cx="2878645" cy="562425"/>
           </a:xfrm>
         </p:spPr>
         <p:txBody>
@@ -1597,39 +1445,39 @@
           <a:lstStyle>
             <a:lvl1pPr marL="0" indent="0">
               <a:buNone/>
-              <a:defRPr sz="1490"/>
+              <a:defRPr sz="1435"/>
             </a:lvl1pPr>
-            <a:lvl2pPr marL="243205" indent="0">
-              <a:buNone/>
-              <a:defRPr sz="1275"/>
+            <a:lvl2pPr marL="234315" indent="0">
+              <a:buNone/>
+              <a:defRPr sz="1230"/>
             </a:lvl2pPr>
-            <a:lvl3pPr marL="485775" indent="0">
-              <a:buNone/>
-              <a:defRPr sz="1060"/>
+            <a:lvl3pPr marL="467995" indent="0">
+              <a:buNone/>
+              <a:defRPr sz="1020"/>
             </a:lvl3pPr>
-            <a:lvl4pPr marL="729615" indent="0">
-              <a:buNone/>
-              <a:defRPr sz="960"/>
+            <a:lvl4pPr marL="702945" indent="0">
+              <a:buNone/>
+              <a:defRPr sz="925"/>
             </a:lvl4pPr>
-            <a:lvl5pPr marL="972185" indent="0">
-              <a:buNone/>
-              <a:defRPr sz="960"/>
+            <a:lvl5pPr marL="936625" indent="0">
+              <a:buNone/>
+              <a:defRPr sz="925"/>
             </a:lvl5pPr>
-            <a:lvl6pPr marL="1215390" indent="0">
-              <a:buNone/>
-              <a:defRPr sz="960"/>
+            <a:lvl6pPr marL="1170305" indent="0">
+              <a:buNone/>
+              <a:defRPr sz="925"/>
             </a:lvl6pPr>
-            <a:lvl7pPr marL="1457960" indent="0">
-              <a:buNone/>
-              <a:defRPr sz="960"/>
+            <a:lvl7pPr marL="1403985" indent="0">
+              <a:buNone/>
+              <a:defRPr sz="925"/>
             </a:lvl7pPr>
-            <a:lvl8pPr marL="1701165" indent="0">
-              <a:buNone/>
-              <a:defRPr sz="960"/>
+            <a:lvl8pPr marL="1638300" indent="0">
+              <a:buNone/>
+              <a:defRPr sz="925"/>
             </a:lvl8pPr>
-            <a:lvl9pPr marL="1944370" indent="0">
-              <a:buNone/>
-              <a:defRPr sz="960"/>
+            <a:lvl9pPr marL="1872615" indent="0">
+              <a:buNone/>
+              <a:defRPr sz="925"/>
             </a:lvl9pPr>
           </a:lstStyle>
           <a:p>
@@ -1638,6 +1486,7 @@
               <a:rPr lang="zh-CN" altLang="en-US" noProof="1"/>
               <a:t>单击此处编辑母版文本样式</a:t>
             </a:r>
+            <a:endParaRPr lang="zh-CN" altLang="en-US" noProof="1"/>
           </a:p>
         </p:txBody>
       </p:sp>
@@ -1653,8 +1502,8 @@
         </p:nvSpPr>
         <p:spPr>
           <a:xfrm>
-            <a:off x="700887" y="1889060"/>
-            <a:ext cx="2878243" cy="2497799"/>
+            <a:off x="700985" y="1819462"/>
+            <a:ext cx="2878645" cy="2405773"/>
           </a:xfrm>
         </p:spPr>
         <p:txBody>
@@ -1666,6 +1515,7 @@
               <a:rPr lang="zh-CN" altLang="en-US" noProof="1"/>
               <a:t>单击此处编辑母版文本样式</a:t>
             </a:r>
+            <a:endParaRPr lang="zh-CN" altLang="en-US" noProof="1"/>
           </a:p>
           <a:p>
             <a:pPr lvl="1"/>
@@ -1673,6 +1523,7 @@
               <a:rPr lang="zh-CN" altLang="en-US" noProof="1"/>
               <a:t>第二级</a:t>
             </a:r>
+            <a:endParaRPr lang="zh-CN" altLang="en-US" noProof="1"/>
           </a:p>
           <a:p>
             <a:pPr lvl="2"/>
@@ -1680,6 +1531,7 @@
               <a:rPr lang="zh-CN" altLang="en-US" noProof="1"/>
               <a:t>第三级</a:t>
             </a:r>
+            <a:endParaRPr lang="zh-CN" altLang="en-US" noProof="1"/>
           </a:p>
           <a:p>
             <a:pPr lvl="3"/>
@@ -1687,6 +1539,7 @@
               <a:rPr lang="zh-CN" altLang="en-US" noProof="1"/>
               <a:t>第四级</a:t>
             </a:r>
+            <a:endParaRPr lang="zh-CN" altLang="en-US" noProof="1"/>
           </a:p>
           <a:p>
             <a:pPr lvl="4"/>
@@ -1694,6 +1547,7 @@
               <a:rPr lang="zh-CN" altLang="en-US" noProof="1"/>
               <a:t>第五级</a:t>
             </a:r>
+            <a:endParaRPr lang="zh-CN" altLang="en-US" noProof="1"/>
           </a:p>
         </p:txBody>
       </p:sp>
@@ -1709,8 +1563,8 @@
         </p:nvSpPr>
         <p:spPr>
           <a:xfrm>
-            <a:off x="3695233" y="1260449"/>
-            <a:ext cx="2892418" cy="583939"/>
+            <a:off x="3695749" y="1214010"/>
+            <a:ext cx="2892822" cy="562425"/>
           </a:xfrm>
         </p:spPr>
         <p:txBody>
@@ -1718,39 +1572,39 @@
           <a:lstStyle>
             <a:lvl1pPr marL="0" indent="0">
               <a:buNone/>
-              <a:defRPr sz="1490"/>
+              <a:defRPr sz="1435"/>
             </a:lvl1pPr>
-            <a:lvl2pPr marL="243205" indent="0">
-              <a:buNone/>
-              <a:defRPr sz="1275"/>
+            <a:lvl2pPr marL="234315" indent="0">
+              <a:buNone/>
+              <a:defRPr sz="1230"/>
             </a:lvl2pPr>
-            <a:lvl3pPr marL="485775" indent="0">
-              <a:buNone/>
-              <a:defRPr sz="1060"/>
+            <a:lvl3pPr marL="467995" indent="0">
+              <a:buNone/>
+              <a:defRPr sz="1020"/>
             </a:lvl3pPr>
-            <a:lvl4pPr marL="729615" indent="0">
-              <a:buNone/>
-              <a:defRPr sz="960"/>
+            <a:lvl4pPr marL="702945" indent="0">
+              <a:buNone/>
+              <a:defRPr sz="925"/>
             </a:lvl4pPr>
-            <a:lvl5pPr marL="972185" indent="0">
-              <a:buNone/>
-              <a:defRPr sz="960"/>
+            <a:lvl5pPr marL="936625" indent="0">
+              <a:buNone/>
+              <a:defRPr sz="925"/>
             </a:lvl5pPr>
-            <a:lvl6pPr marL="1215390" indent="0">
-              <a:buNone/>
-              <a:defRPr sz="960"/>
+            <a:lvl6pPr marL="1170305" indent="0">
+              <a:buNone/>
+              <a:defRPr sz="925"/>
             </a:lvl6pPr>
-            <a:lvl7pPr marL="1457960" indent="0">
-              <a:buNone/>
-              <a:defRPr sz="960"/>
+            <a:lvl7pPr marL="1403985" indent="0">
+              <a:buNone/>
+              <a:defRPr sz="925"/>
             </a:lvl7pPr>
-            <a:lvl8pPr marL="1701165" indent="0">
-              <a:buNone/>
-              <a:defRPr sz="960"/>
+            <a:lvl8pPr marL="1638300" indent="0">
+              <a:buNone/>
+              <a:defRPr sz="925"/>
             </a:lvl8pPr>
-            <a:lvl9pPr marL="1944370" indent="0">
-              <a:buNone/>
-              <a:defRPr sz="960"/>
+            <a:lvl9pPr marL="1872615" indent="0">
+              <a:buNone/>
+              <a:defRPr sz="925"/>
             </a:lvl9pPr>
           </a:lstStyle>
           <a:p>
@@ -1759,6 +1613,7 @@
               <a:rPr lang="zh-CN" altLang="en-US" noProof="1"/>
               <a:t>单击此处编辑母版文本样式</a:t>
             </a:r>
+            <a:endParaRPr lang="zh-CN" altLang="en-US" noProof="1"/>
           </a:p>
         </p:txBody>
       </p:sp>
@@ -1774,8 +1629,8 @@
         </p:nvSpPr>
         <p:spPr>
           <a:xfrm>
-            <a:off x="3695233" y="1889060"/>
-            <a:ext cx="2892418" cy="2497799"/>
+            <a:off x="3695749" y="1819462"/>
+            <a:ext cx="2892822" cy="2405773"/>
           </a:xfrm>
         </p:spPr>
         <p:txBody>
@@ -1787,6 +1642,7 @@
               <a:rPr lang="zh-CN" altLang="en-US" noProof="1"/>
               <a:t>单击此处编辑母版文本样式</a:t>
             </a:r>
+            <a:endParaRPr lang="zh-CN" altLang="en-US" noProof="1"/>
           </a:p>
           <a:p>
             <a:pPr lvl="1"/>
@@ -1794,6 +1650,7 @@
               <a:rPr lang="zh-CN" altLang="en-US" noProof="1"/>
               <a:t>第二级</a:t>
             </a:r>
+            <a:endParaRPr lang="zh-CN" altLang="en-US" noProof="1"/>
           </a:p>
           <a:p>
             <a:pPr lvl="2"/>
@@ -1801,6 +1658,7 @@
               <a:rPr lang="zh-CN" altLang="en-US" noProof="1"/>
               <a:t>第三级</a:t>
             </a:r>
+            <a:endParaRPr lang="zh-CN" altLang="en-US" noProof="1"/>
           </a:p>
           <a:p>
             <a:pPr lvl="3"/>
@@ -1808,6 +1666,7 @@
               <a:rPr lang="zh-CN" altLang="en-US" noProof="1"/>
               <a:t>第四级</a:t>
             </a:r>
+            <a:endParaRPr lang="zh-CN" altLang="en-US" noProof="1"/>
           </a:p>
           <a:p>
             <a:pPr lvl="4"/>
@@ -1815,18 +1674,13 @@
               <a:rPr lang="zh-CN" altLang="en-US" noProof="1"/>
               <a:t>第五级</a:t>
             </a:r>
-          </a:p>
-        </p:txBody>
-      </p:sp>
-      <p:sp>
-        <p:nvSpPr>
-          <p:cNvPr id="7" name="日期占位符 1027">
-            <a:extLst>
-              <a:ext uri="{FF2B5EF4-FFF2-40B4-BE49-F238E27FC236}">
-                <a16:creationId xmlns:a16="http://schemas.microsoft.com/office/drawing/2014/main" id="{78131C1F-F337-FBDD-D4ED-72FFA11408A9}"/>
-              </a:ext>
-            </a:extLst>
-          </p:cNvPr>
+            <a:endParaRPr lang="zh-CN" altLang="en-US" noProof="1"/>
+          </a:p>
+        </p:txBody>
+      </p:sp>
+      <p:sp>
+        <p:nvSpPr>
+          <p:cNvPr id="7" name="日期占位符 1027"/>
           <p:cNvSpPr>
             <a:spLocks noGrp="1"/>
           </p:cNvSpPr>
@@ -1834,9 +1688,7 @@
             <p:ph type="dt" sz="half" idx="10"/>
           </p:nvPr>
         </p:nvSpPr>
-        <p:spPr>
-          <a:ln/>
-        </p:spPr>
+        <p:spPr/>
         <p:txBody>
           <a:bodyPr/>
           <a:lstStyle>
@@ -1851,13 +1703,7 @@
       </p:sp>
       <p:sp>
         <p:nvSpPr>
-          <p:cNvPr id="8" name="页脚占位符 1028">
-            <a:extLst>
-              <a:ext uri="{FF2B5EF4-FFF2-40B4-BE49-F238E27FC236}">
-                <a16:creationId xmlns:a16="http://schemas.microsoft.com/office/drawing/2014/main" id="{574B7058-B1DA-A22B-4CED-9934064F1DD3}"/>
-              </a:ext>
-            </a:extLst>
-          </p:cNvPr>
+          <p:cNvPr id="8" name="页脚占位符 1028"/>
           <p:cNvSpPr>
             <a:spLocks noGrp="1"/>
           </p:cNvSpPr>
@@ -1865,9 +1711,7 @@
             <p:ph type="ftr" sz="quarter" idx="11"/>
           </p:nvPr>
         </p:nvSpPr>
-        <p:spPr>
-          <a:ln/>
-        </p:spPr>
+        <p:spPr/>
         <p:txBody>
           <a:bodyPr/>
           <a:lstStyle>
@@ -1882,13 +1726,7 @@
       </p:sp>
       <p:sp>
         <p:nvSpPr>
-          <p:cNvPr id="9" name="灯片编号占位符 1029">
-            <a:extLst>
-              <a:ext uri="{FF2B5EF4-FFF2-40B4-BE49-F238E27FC236}">
-                <a16:creationId xmlns:a16="http://schemas.microsoft.com/office/drawing/2014/main" id="{A7D92AFA-7789-3487-A379-21FB5E71EB54}"/>
-              </a:ext>
-            </a:extLst>
-          </p:cNvPr>
+          <p:cNvPr id="9" name="灯片编号占位符 1029"/>
           <p:cNvSpPr>
             <a:spLocks noGrp="1"/>
           </p:cNvSpPr>
@@ -1896,9 +1734,7 @@
             <p:ph type="sldNum" sz="quarter" idx="12"/>
           </p:nvPr>
         </p:nvSpPr>
-        <p:spPr>
-          <a:ln/>
-        </p:spPr>
+        <p:spPr/>
         <p:txBody>
           <a:bodyPr/>
           <a:lstStyle>
@@ -1909,19 +1745,12 @@
           <a:p>
             <a:fld id="{6A6C0F8A-7BB8-456F-BBDB-53FFB32B4074}" type="slidenum">
               <a:rPr lang="zh-CN" altLang="en-US"/>
-              <a:pPr/>
-              <a:t>‹#›</a:t>
             </a:fld>
             <a:endParaRPr lang="zh-CN" altLang="en-US"/>
           </a:p>
         </p:txBody>
       </p:sp>
     </p:spTree>
-    <p:extLst>
-      <p:ext uri="{BB962C8B-B14F-4D97-AF65-F5344CB8AC3E}">
-        <p14:creationId xmlns:p14="http://schemas.microsoft.com/office/powerpoint/2010/main" val="3759998915"/>
-      </p:ext>
-    </p:extLst>
   </p:cSld>
   <p:clrMapOvr>
     <a:masterClrMapping/>
@@ -1965,18 +1794,13 @@
               <a:rPr lang="zh-CN" altLang="en-US" noProof="1"/>
               <a:t>单击此处编辑母版标题样式</a:t>
             </a:r>
-          </a:p>
-        </p:txBody>
-      </p:sp>
-      <p:sp>
-        <p:nvSpPr>
-          <p:cNvPr id="3" name="日期占位符 1027">
-            <a:extLst>
-              <a:ext uri="{FF2B5EF4-FFF2-40B4-BE49-F238E27FC236}">
-                <a16:creationId xmlns:a16="http://schemas.microsoft.com/office/drawing/2014/main" id="{6244CD89-92B7-6BA7-D0C9-FA1AE8A9403E}"/>
-              </a:ext>
-            </a:extLst>
-          </p:cNvPr>
+            <a:endParaRPr lang="zh-CN" altLang="en-US" noProof="1"/>
+          </a:p>
+        </p:txBody>
+      </p:sp>
+      <p:sp>
+        <p:nvSpPr>
+          <p:cNvPr id="3" name="日期占位符 1027"/>
           <p:cNvSpPr>
             <a:spLocks noGrp="1"/>
           </p:cNvSpPr>
@@ -1984,9 +1808,7 @@
             <p:ph type="dt" sz="half" idx="10"/>
           </p:nvPr>
         </p:nvSpPr>
-        <p:spPr>
-          <a:ln/>
-        </p:spPr>
+        <p:spPr/>
         <p:txBody>
           <a:bodyPr/>
           <a:lstStyle>
@@ -2001,13 +1823,7 @@
       </p:sp>
       <p:sp>
         <p:nvSpPr>
-          <p:cNvPr id="4" name="页脚占位符 1028">
-            <a:extLst>
-              <a:ext uri="{FF2B5EF4-FFF2-40B4-BE49-F238E27FC236}">
-                <a16:creationId xmlns:a16="http://schemas.microsoft.com/office/drawing/2014/main" id="{6142343F-7064-8018-AAB0-C13B93AE2A7E}"/>
-              </a:ext>
-            </a:extLst>
-          </p:cNvPr>
+          <p:cNvPr id="4" name="页脚占位符 1028"/>
           <p:cNvSpPr>
             <a:spLocks noGrp="1"/>
           </p:cNvSpPr>
@@ -2015,9 +1831,7 @@
             <p:ph type="ftr" sz="quarter" idx="11"/>
           </p:nvPr>
         </p:nvSpPr>
-        <p:spPr>
-          <a:ln/>
-        </p:spPr>
+        <p:spPr/>
         <p:txBody>
           <a:bodyPr/>
           <a:lstStyle>
@@ -2032,13 +1846,7 @@
       </p:sp>
       <p:sp>
         <p:nvSpPr>
-          <p:cNvPr id="5" name="灯片编号占位符 1029">
-            <a:extLst>
-              <a:ext uri="{FF2B5EF4-FFF2-40B4-BE49-F238E27FC236}">
-                <a16:creationId xmlns:a16="http://schemas.microsoft.com/office/drawing/2014/main" id="{CAD8D820-CD89-89DF-8F91-345185EED0D5}"/>
-              </a:ext>
-            </a:extLst>
-          </p:cNvPr>
+          <p:cNvPr id="5" name="灯片编号占位符 1029"/>
           <p:cNvSpPr>
             <a:spLocks noGrp="1"/>
           </p:cNvSpPr>
@@ -2046,9 +1854,7 @@
             <p:ph type="sldNum" sz="quarter" idx="12"/>
           </p:nvPr>
         </p:nvSpPr>
-        <p:spPr>
-          <a:ln/>
-        </p:spPr>
+        <p:spPr/>
         <p:txBody>
           <a:bodyPr/>
           <a:lstStyle>
@@ -2059,19 +1865,12 @@
           <a:p>
             <a:fld id="{75BB2AB0-EB5B-4FDC-9789-E56BCD2A0DB3}" type="slidenum">
               <a:rPr lang="zh-CN" altLang="en-US"/>
-              <a:pPr/>
-              <a:t>‹#›</a:t>
             </a:fld>
             <a:endParaRPr lang="zh-CN" altLang="en-US"/>
           </a:p>
         </p:txBody>
       </p:sp>
     </p:spTree>
-    <p:extLst>
-      <p:ext uri="{BB962C8B-B14F-4D97-AF65-F5344CB8AC3E}">
-        <p14:creationId xmlns:p14="http://schemas.microsoft.com/office/powerpoint/2010/main" val="1177629126"/>
-      </p:ext>
-    </p:extLst>
   </p:cSld>
   <p:clrMapOvr>
     <a:masterClrMapping/>
@@ -2098,13 +1897,7 @@
       </p:grpSpPr>
       <p:sp>
         <p:nvSpPr>
-          <p:cNvPr id="2" name="日期占位符 1027">
-            <a:extLst>
-              <a:ext uri="{FF2B5EF4-FFF2-40B4-BE49-F238E27FC236}">
-                <a16:creationId xmlns:a16="http://schemas.microsoft.com/office/drawing/2014/main" id="{BA18C8B9-7B99-CF40-EE32-FC56D4F99CAE}"/>
-              </a:ext>
-            </a:extLst>
-          </p:cNvPr>
+          <p:cNvPr id="2" name="日期占位符 1027"/>
           <p:cNvSpPr>
             <a:spLocks noGrp="1"/>
           </p:cNvSpPr>
@@ -2112,9 +1905,7 @@
             <p:ph type="dt" sz="half" idx="10"/>
           </p:nvPr>
         </p:nvSpPr>
-        <p:spPr>
-          <a:ln/>
-        </p:spPr>
+        <p:spPr/>
         <p:txBody>
           <a:bodyPr/>
           <a:lstStyle>
@@ -2129,13 +1920,7 @@
       </p:sp>
       <p:sp>
         <p:nvSpPr>
-          <p:cNvPr id="3" name="页脚占位符 1028">
-            <a:extLst>
-              <a:ext uri="{FF2B5EF4-FFF2-40B4-BE49-F238E27FC236}">
-                <a16:creationId xmlns:a16="http://schemas.microsoft.com/office/drawing/2014/main" id="{09E8A645-6965-01EB-455D-EFD3A498811A}"/>
-              </a:ext>
-            </a:extLst>
-          </p:cNvPr>
+          <p:cNvPr id="3" name="页脚占位符 1028"/>
           <p:cNvSpPr>
             <a:spLocks noGrp="1"/>
           </p:cNvSpPr>
@@ -2143,9 +1928,7 @@
             <p:ph type="ftr" sz="quarter" idx="11"/>
           </p:nvPr>
         </p:nvSpPr>
-        <p:spPr>
-          <a:ln/>
-        </p:spPr>
+        <p:spPr/>
         <p:txBody>
           <a:bodyPr/>
           <a:lstStyle>
@@ -2160,13 +1943,7 @@
       </p:sp>
       <p:sp>
         <p:nvSpPr>
-          <p:cNvPr id="4" name="灯片编号占位符 1029">
-            <a:extLst>
-              <a:ext uri="{FF2B5EF4-FFF2-40B4-BE49-F238E27FC236}">
-                <a16:creationId xmlns:a16="http://schemas.microsoft.com/office/drawing/2014/main" id="{583BF0C3-ACC7-5466-E344-C9FB88788462}"/>
-              </a:ext>
-            </a:extLst>
-          </p:cNvPr>
+          <p:cNvPr id="4" name="灯片编号占位符 1029"/>
           <p:cNvSpPr>
             <a:spLocks noGrp="1"/>
           </p:cNvSpPr>
@@ -2174,9 +1951,7 @@
             <p:ph type="sldNum" sz="quarter" idx="12"/>
           </p:nvPr>
         </p:nvSpPr>
-        <p:spPr>
-          <a:ln/>
-        </p:spPr>
+        <p:spPr/>
         <p:txBody>
           <a:bodyPr/>
           <a:lstStyle>
@@ -2187,19 +1962,12 @@
           <a:p>
             <a:fld id="{C9F1D168-6B63-46AB-B8AC-581CF39808A9}" type="slidenum">
               <a:rPr lang="zh-CN" altLang="en-US"/>
-              <a:pPr/>
-              <a:t>‹#›</a:t>
             </a:fld>
             <a:endParaRPr lang="zh-CN" altLang="en-US"/>
           </a:p>
         </p:txBody>
       </p:sp>
     </p:spTree>
-    <p:extLst>
-      <p:ext uri="{BB962C8B-B14F-4D97-AF65-F5344CB8AC3E}">
-        <p14:creationId xmlns:p14="http://schemas.microsoft.com/office/powerpoint/2010/main" val="2881485710"/>
-      </p:ext>
-    </p:extLst>
   </p:cSld>
   <p:clrMapOvr>
     <a:masterClrMapping/>
@@ -2236,15 +2004,15 @@
         </p:nvSpPr>
         <p:spPr>
           <a:xfrm>
-            <a:off x="495964" y="324036"/>
-            <a:ext cx="2322306" cy="1134125"/>
+            <a:off x="496033" y="312098"/>
+            <a:ext cx="2322630" cy="1092341"/>
           </a:xfrm>
         </p:spPr>
         <p:txBody>
           <a:bodyPr anchor="b"/>
           <a:lstStyle>
             <a:lvl1pPr>
-              <a:defRPr sz="1700"/>
+              <a:defRPr sz="1635"/>
             </a:lvl1pPr>
           </a:lstStyle>
           <a:p>
@@ -2252,6 +2020,7 @@
               <a:rPr lang="zh-CN" altLang="en-US" noProof="1"/>
               <a:t>单击此处编辑母版标题样式</a:t>
             </a:r>
+            <a:endParaRPr lang="zh-CN" altLang="en-US" noProof="1"/>
           </a:p>
         </p:txBody>
       </p:sp>
@@ -2267,39 +2036,39 @@
         </p:nvSpPr>
         <p:spPr>
           <a:xfrm>
-            <a:off x="3061095" y="699827"/>
-            <a:ext cx="3645187" cy="3454130"/>
+            <a:off x="3061522" y="674043"/>
+            <a:ext cx="3645696" cy="3326870"/>
           </a:xfrm>
         </p:spPr>
         <p:txBody>
           <a:bodyPr/>
           <a:lstStyle>
             <a:lvl1pPr>
-              <a:defRPr sz="1700"/>
+              <a:defRPr sz="1635"/>
             </a:lvl1pPr>
             <a:lvl2pPr>
-              <a:defRPr sz="1490"/>
+              <a:defRPr sz="1435"/>
             </a:lvl2pPr>
             <a:lvl3pPr>
-              <a:defRPr sz="1275"/>
+              <a:defRPr sz="1230"/>
             </a:lvl3pPr>
             <a:lvl4pPr>
-              <a:defRPr sz="1060"/>
+              <a:defRPr sz="1020"/>
             </a:lvl4pPr>
             <a:lvl5pPr>
-              <a:defRPr sz="1060"/>
+              <a:defRPr sz="1020"/>
             </a:lvl5pPr>
             <a:lvl6pPr>
-              <a:defRPr sz="1060"/>
+              <a:defRPr sz="1020"/>
             </a:lvl6pPr>
             <a:lvl7pPr>
-              <a:defRPr sz="1060"/>
+              <a:defRPr sz="1020"/>
             </a:lvl7pPr>
             <a:lvl8pPr>
-              <a:defRPr sz="1060"/>
+              <a:defRPr sz="1020"/>
             </a:lvl8pPr>
             <a:lvl9pPr>
-              <a:defRPr sz="1060"/>
+              <a:defRPr sz="1020"/>
             </a:lvl9pPr>
           </a:lstStyle>
           <a:p>
@@ -2308,6 +2077,7 @@
               <a:rPr lang="zh-CN" altLang="en-US" noProof="1"/>
               <a:t>单击此处编辑母版文本样式</a:t>
             </a:r>
+            <a:endParaRPr lang="zh-CN" altLang="en-US" noProof="1"/>
           </a:p>
           <a:p>
             <a:pPr lvl="1"/>
@@ -2315,6 +2085,7 @@
               <a:rPr lang="zh-CN" altLang="en-US" noProof="1"/>
               <a:t>第二级</a:t>
             </a:r>
+            <a:endParaRPr lang="zh-CN" altLang="en-US" noProof="1"/>
           </a:p>
           <a:p>
             <a:pPr lvl="2"/>
@@ -2322,6 +2093,7 @@
               <a:rPr lang="zh-CN" altLang="en-US" noProof="1"/>
               <a:t>第三级</a:t>
             </a:r>
+            <a:endParaRPr lang="zh-CN" altLang="en-US" noProof="1"/>
           </a:p>
           <a:p>
             <a:pPr lvl="3"/>
@@ -2329,6 +2101,7 @@
               <a:rPr lang="zh-CN" altLang="en-US" noProof="1"/>
               <a:t>第四级</a:t>
             </a:r>
+            <a:endParaRPr lang="zh-CN" altLang="en-US" noProof="1"/>
           </a:p>
           <a:p>
             <a:pPr lvl="4"/>
@@ -2336,6 +2109,7 @@
               <a:rPr lang="zh-CN" altLang="en-US" noProof="1"/>
               <a:t>第五级</a:t>
             </a:r>
+            <a:endParaRPr lang="zh-CN" altLang="en-US" noProof="1"/>
           </a:p>
         </p:txBody>
       </p:sp>
@@ -2351,8 +2125,8 @@
         </p:nvSpPr>
         <p:spPr>
           <a:xfrm>
-            <a:off x="495964" y="1458161"/>
-            <a:ext cx="2322306" cy="2701423"/>
+            <a:off x="496033" y="1404438"/>
+            <a:ext cx="2322630" cy="2601895"/>
           </a:xfrm>
         </p:spPr>
         <p:txBody>
@@ -2360,39 +2134,39 @@
           <a:lstStyle>
             <a:lvl1pPr marL="0" indent="0">
               <a:buNone/>
-              <a:defRPr sz="850"/>
+              <a:defRPr sz="820"/>
             </a:lvl1pPr>
-            <a:lvl2pPr marL="243205" indent="0">
-              <a:buNone/>
-              <a:defRPr sz="745"/>
+            <a:lvl2pPr marL="234315" indent="0">
+              <a:buNone/>
+              <a:defRPr sz="720"/>
             </a:lvl2pPr>
-            <a:lvl3pPr marL="485775" indent="0">
-              <a:buNone/>
-              <a:defRPr sz="640"/>
+            <a:lvl3pPr marL="467995" indent="0">
+              <a:buNone/>
+              <a:defRPr sz="615"/>
             </a:lvl3pPr>
-            <a:lvl4pPr marL="729615" indent="0">
-              <a:buNone/>
-              <a:defRPr sz="530"/>
+            <a:lvl4pPr marL="702945" indent="0">
+              <a:buNone/>
+              <a:defRPr sz="510"/>
             </a:lvl4pPr>
-            <a:lvl5pPr marL="972185" indent="0">
-              <a:buNone/>
-              <a:defRPr sz="530"/>
+            <a:lvl5pPr marL="936625" indent="0">
+              <a:buNone/>
+              <a:defRPr sz="510"/>
             </a:lvl5pPr>
-            <a:lvl6pPr marL="1215390" indent="0">
-              <a:buNone/>
-              <a:defRPr sz="530"/>
+            <a:lvl6pPr marL="1170305" indent="0">
+              <a:buNone/>
+              <a:defRPr sz="510"/>
             </a:lvl6pPr>
-            <a:lvl7pPr marL="1457960" indent="0">
-              <a:buNone/>
-              <a:defRPr sz="530"/>
+            <a:lvl7pPr marL="1403985" indent="0">
+              <a:buNone/>
+              <a:defRPr sz="510"/>
             </a:lvl7pPr>
-            <a:lvl8pPr marL="1701165" indent="0">
-              <a:buNone/>
-              <a:defRPr sz="530"/>
+            <a:lvl8pPr marL="1638300" indent="0">
+              <a:buNone/>
+              <a:defRPr sz="510"/>
             </a:lvl8pPr>
-            <a:lvl9pPr marL="1944370" indent="0">
-              <a:buNone/>
-              <a:defRPr sz="530"/>
+            <a:lvl9pPr marL="1872615" indent="0">
+              <a:buNone/>
+              <a:defRPr sz="510"/>
             </a:lvl9pPr>
           </a:lstStyle>
           <a:p>
@@ -2401,18 +2175,13 @@
               <a:rPr lang="zh-CN" altLang="en-US" noProof="1"/>
               <a:t>单击此处编辑母版文本样式</a:t>
             </a:r>
-          </a:p>
-        </p:txBody>
-      </p:sp>
-      <p:sp>
-        <p:nvSpPr>
-          <p:cNvPr id="5" name="日期占位符 1027">
-            <a:extLst>
-              <a:ext uri="{FF2B5EF4-FFF2-40B4-BE49-F238E27FC236}">
-                <a16:creationId xmlns:a16="http://schemas.microsoft.com/office/drawing/2014/main" id="{A51C8F0F-B33D-7EC8-E587-CB1C10450535}"/>
-              </a:ext>
-            </a:extLst>
-          </p:cNvPr>
+            <a:endParaRPr lang="zh-CN" altLang="en-US" noProof="1"/>
+          </a:p>
+        </p:txBody>
+      </p:sp>
+      <p:sp>
+        <p:nvSpPr>
+          <p:cNvPr id="5" name="日期占位符 1027"/>
           <p:cNvSpPr>
             <a:spLocks noGrp="1"/>
           </p:cNvSpPr>
@@ -2420,9 +2189,7 @@
             <p:ph type="dt" sz="half" idx="10"/>
           </p:nvPr>
         </p:nvSpPr>
-        <p:spPr>
-          <a:ln/>
-        </p:spPr>
+        <p:spPr/>
         <p:txBody>
           <a:bodyPr/>
           <a:lstStyle>
@@ -2437,13 +2204,7 @@
       </p:sp>
       <p:sp>
         <p:nvSpPr>
-          <p:cNvPr id="6" name="页脚占位符 1028">
-            <a:extLst>
-              <a:ext uri="{FF2B5EF4-FFF2-40B4-BE49-F238E27FC236}">
-                <a16:creationId xmlns:a16="http://schemas.microsoft.com/office/drawing/2014/main" id="{2A650689-D66E-08D2-3052-19541A8BA487}"/>
-              </a:ext>
-            </a:extLst>
-          </p:cNvPr>
+          <p:cNvPr id="6" name="页脚占位符 1028"/>
           <p:cNvSpPr>
             <a:spLocks noGrp="1"/>
           </p:cNvSpPr>
@@ -2451,9 +2212,7 @@
             <p:ph type="ftr" sz="quarter" idx="11"/>
           </p:nvPr>
         </p:nvSpPr>
-        <p:spPr>
-          <a:ln/>
-        </p:spPr>
+        <p:spPr/>
         <p:txBody>
           <a:bodyPr/>
           <a:lstStyle>
@@ -2468,13 +2227,7 @@
       </p:sp>
       <p:sp>
         <p:nvSpPr>
-          <p:cNvPr id="7" name="灯片编号占位符 1029">
-            <a:extLst>
-              <a:ext uri="{FF2B5EF4-FFF2-40B4-BE49-F238E27FC236}">
-                <a16:creationId xmlns:a16="http://schemas.microsoft.com/office/drawing/2014/main" id="{8E7532C6-9AA5-C412-6268-41535438AB47}"/>
-              </a:ext>
-            </a:extLst>
-          </p:cNvPr>
+          <p:cNvPr id="7" name="灯片编号占位符 1029"/>
           <p:cNvSpPr>
             <a:spLocks noGrp="1"/>
           </p:cNvSpPr>
@@ -2482,9 +2235,7 @@
             <p:ph type="sldNum" sz="quarter" idx="12"/>
           </p:nvPr>
         </p:nvSpPr>
-        <p:spPr>
-          <a:ln/>
-        </p:spPr>
+        <p:spPr/>
         <p:txBody>
           <a:bodyPr/>
           <a:lstStyle>
@@ -2495,19 +2246,12 @@
           <a:p>
             <a:fld id="{A16736A6-CE1C-4489-B1E7-9A106FDEAAF0}" type="slidenum">
               <a:rPr lang="zh-CN" altLang="en-US"/>
-              <a:pPr/>
-              <a:t>‹#›</a:t>
             </a:fld>
             <a:endParaRPr lang="zh-CN" altLang="en-US"/>
           </a:p>
         </p:txBody>
       </p:sp>
     </p:spTree>
-    <p:extLst>
-      <p:ext uri="{BB962C8B-B14F-4D97-AF65-F5344CB8AC3E}">
-        <p14:creationId xmlns:p14="http://schemas.microsoft.com/office/powerpoint/2010/main" val="124443360"/>
-      </p:ext>
-    </p:extLst>
   </p:cSld>
   <p:clrMapOvr>
     <a:masterClrMapping/>
@@ -2544,15 +2288,15 @@
         </p:nvSpPr>
         <p:spPr>
           <a:xfrm>
-            <a:off x="495964" y="324036"/>
-            <a:ext cx="2459978" cy="1134125"/>
+            <a:off x="496033" y="312098"/>
+            <a:ext cx="2460321" cy="1092341"/>
           </a:xfrm>
         </p:spPr>
         <p:txBody>
           <a:bodyPr anchor="b"/>
           <a:lstStyle>
             <a:lvl1pPr>
-              <a:defRPr sz="1700"/>
+              <a:defRPr sz="1635"/>
             </a:lvl1pPr>
           </a:lstStyle>
           <a:p>
@@ -2560,6 +2304,7 @@
               <a:rPr lang="zh-CN" altLang="en-US" noProof="1"/>
               <a:t>单击此处编辑母版标题样式</a:t>
             </a:r>
+            <a:endParaRPr lang="zh-CN" altLang="en-US" noProof="1"/>
           </a:p>
         </p:txBody>
       </p:sp>
@@ -2575,8 +2320,8 @@
         </p:nvSpPr>
         <p:spPr>
           <a:xfrm>
-            <a:off x="3061095" y="324037"/>
-            <a:ext cx="3645187" cy="3829922"/>
+            <a:off x="3061522" y="312099"/>
+            <a:ext cx="3645696" cy="3688817"/>
           </a:xfrm>
         </p:spPr>
         <p:txBody>
@@ -2584,39 +2329,39 @@
           <a:lstStyle>
             <a:lvl1pPr marL="0" indent="0">
               <a:buNone/>
-              <a:defRPr sz="1700"/>
+              <a:defRPr sz="1635"/>
             </a:lvl1pPr>
-            <a:lvl2pPr marL="243205" indent="0">
-              <a:buNone/>
-              <a:defRPr sz="1490"/>
+            <a:lvl2pPr marL="234315" indent="0">
+              <a:buNone/>
+              <a:defRPr sz="1435"/>
             </a:lvl2pPr>
-            <a:lvl3pPr marL="485775" indent="0">
-              <a:buNone/>
-              <a:defRPr sz="1275"/>
+            <a:lvl3pPr marL="467995" indent="0">
+              <a:buNone/>
+              <a:defRPr sz="1230"/>
             </a:lvl3pPr>
-            <a:lvl4pPr marL="729615" indent="0">
-              <a:buNone/>
-              <a:defRPr sz="1060"/>
+            <a:lvl4pPr marL="702945" indent="0">
+              <a:buNone/>
+              <a:defRPr sz="1020"/>
             </a:lvl4pPr>
-            <a:lvl5pPr marL="972185" indent="0">
-              <a:buNone/>
-              <a:defRPr sz="1060"/>
+            <a:lvl5pPr marL="936625" indent="0">
+              <a:buNone/>
+              <a:defRPr sz="1020"/>
             </a:lvl5pPr>
-            <a:lvl6pPr marL="1215390" indent="0">
-              <a:buNone/>
-              <a:defRPr sz="1060"/>
+            <a:lvl6pPr marL="1170305" indent="0">
+              <a:buNone/>
+              <a:defRPr sz="1020"/>
             </a:lvl6pPr>
-            <a:lvl7pPr marL="1457960" indent="0">
-              <a:buNone/>
-              <a:defRPr sz="1060"/>
+            <a:lvl7pPr marL="1403985" indent="0">
+              <a:buNone/>
+              <a:defRPr sz="1020"/>
             </a:lvl7pPr>
-            <a:lvl8pPr marL="1701165" indent="0">
-              <a:buNone/>
-              <a:defRPr sz="1060"/>
+            <a:lvl8pPr marL="1638300" indent="0">
+              <a:buNone/>
+              <a:defRPr sz="1020"/>
             </a:lvl8pPr>
-            <a:lvl9pPr marL="1944370" indent="0">
-              <a:buNone/>
-              <a:defRPr sz="1060"/>
+            <a:lvl9pPr marL="1872615" indent="0">
+              <a:buNone/>
+              <a:defRPr sz="1020"/>
             </a:lvl9pPr>
           </a:lstStyle>
           <a:p>
@@ -2636,8 +2381,8 @@
         </p:nvSpPr>
         <p:spPr>
           <a:xfrm>
-            <a:off x="495964" y="1458161"/>
-            <a:ext cx="2459978" cy="2701423"/>
+            <a:off x="496033" y="1404438"/>
+            <a:ext cx="2460321" cy="2601895"/>
           </a:xfrm>
         </p:spPr>
         <p:txBody>
@@ -2645,39 +2390,39 @@
           <a:lstStyle>
             <a:lvl1pPr marL="0" indent="0">
               <a:buNone/>
-              <a:defRPr sz="1060"/>
+              <a:defRPr sz="1020"/>
             </a:lvl1pPr>
-            <a:lvl2pPr marL="243205" indent="0">
-              <a:buNone/>
-              <a:defRPr sz="960"/>
+            <a:lvl2pPr marL="234315" indent="0">
+              <a:buNone/>
+              <a:defRPr sz="925"/>
             </a:lvl2pPr>
-            <a:lvl3pPr marL="485775" indent="0">
-              <a:buNone/>
-              <a:defRPr sz="850"/>
+            <a:lvl3pPr marL="467995" indent="0">
+              <a:buNone/>
+              <a:defRPr sz="820"/>
             </a:lvl3pPr>
-            <a:lvl4pPr marL="729615" indent="0">
-              <a:buNone/>
-              <a:defRPr sz="745"/>
+            <a:lvl4pPr marL="702945" indent="0">
+              <a:buNone/>
+              <a:defRPr sz="720"/>
             </a:lvl4pPr>
-            <a:lvl5pPr marL="972185" indent="0">
-              <a:buNone/>
-              <a:defRPr sz="745"/>
+            <a:lvl5pPr marL="936625" indent="0">
+              <a:buNone/>
+              <a:defRPr sz="720"/>
             </a:lvl5pPr>
-            <a:lvl6pPr marL="1215390" indent="0">
-              <a:buNone/>
-              <a:defRPr sz="745"/>
+            <a:lvl6pPr marL="1170305" indent="0">
+              <a:buNone/>
+              <a:defRPr sz="720"/>
             </a:lvl6pPr>
-            <a:lvl7pPr marL="1457960" indent="0">
-              <a:buNone/>
-              <a:defRPr sz="745"/>
+            <a:lvl7pPr marL="1403985" indent="0">
+              <a:buNone/>
+              <a:defRPr sz="720"/>
             </a:lvl7pPr>
-            <a:lvl8pPr marL="1701165" indent="0">
-              <a:buNone/>
-              <a:defRPr sz="745"/>
+            <a:lvl8pPr marL="1638300" indent="0">
+              <a:buNone/>
+              <a:defRPr sz="720"/>
             </a:lvl8pPr>
-            <a:lvl9pPr marL="1944370" indent="0">
-              <a:buNone/>
-              <a:defRPr sz="745"/>
+            <a:lvl9pPr marL="1872615" indent="0">
+              <a:buNone/>
+              <a:defRPr sz="720"/>
             </a:lvl9pPr>
           </a:lstStyle>
           <a:p>
@@ -2686,18 +2431,13 @@
               <a:rPr lang="zh-CN" altLang="en-US" noProof="1"/>
               <a:t>单击此处编辑母版文本样式</a:t>
             </a:r>
-          </a:p>
-        </p:txBody>
-      </p:sp>
-      <p:sp>
-        <p:nvSpPr>
-          <p:cNvPr id="5" name="日期占位符 1027">
-            <a:extLst>
-              <a:ext uri="{FF2B5EF4-FFF2-40B4-BE49-F238E27FC236}">
-                <a16:creationId xmlns:a16="http://schemas.microsoft.com/office/drawing/2014/main" id="{15DBF371-018A-4CBB-2595-B0FDFD791329}"/>
-              </a:ext>
-            </a:extLst>
-          </p:cNvPr>
+            <a:endParaRPr lang="zh-CN" altLang="en-US" noProof="1"/>
+          </a:p>
+        </p:txBody>
+      </p:sp>
+      <p:sp>
+        <p:nvSpPr>
+          <p:cNvPr id="5" name="日期占位符 1027"/>
           <p:cNvSpPr>
             <a:spLocks noGrp="1"/>
           </p:cNvSpPr>
@@ -2705,9 +2445,7 @@
             <p:ph type="dt" sz="half" idx="10"/>
           </p:nvPr>
         </p:nvSpPr>
-        <p:spPr>
-          <a:ln/>
-        </p:spPr>
+        <p:spPr/>
         <p:txBody>
           <a:bodyPr/>
           <a:lstStyle>
@@ -2722,13 +2460,7 @@
       </p:sp>
       <p:sp>
         <p:nvSpPr>
-          <p:cNvPr id="6" name="页脚占位符 1028">
-            <a:extLst>
-              <a:ext uri="{FF2B5EF4-FFF2-40B4-BE49-F238E27FC236}">
-                <a16:creationId xmlns:a16="http://schemas.microsoft.com/office/drawing/2014/main" id="{1B815D21-D72E-8B1D-341A-C34D104150BA}"/>
-              </a:ext>
-            </a:extLst>
-          </p:cNvPr>
+          <p:cNvPr id="6" name="页脚占位符 1028"/>
           <p:cNvSpPr>
             <a:spLocks noGrp="1"/>
           </p:cNvSpPr>
@@ -2736,9 +2468,7 @@
             <p:ph type="ftr" sz="quarter" idx="11"/>
           </p:nvPr>
         </p:nvSpPr>
-        <p:spPr>
-          <a:ln/>
-        </p:spPr>
+        <p:spPr/>
         <p:txBody>
           <a:bodyPr/>
           <a:lstStyle>
@@ -2753,13 +2483,7 @@
       </p:sp>
       <p:sp>
         <p:nvSpPr>
-          <p:cNvPr id="7" name="灯片编号占位符 1029">
-            <a:extLst>
-              <a:ext uri="{FF2B5EF4-FFF2-40B4-BE49-F238E27FC236}">
-                <a16:creationId xmlns:a16="http://schemas.microsoft.com/office/drawing/2014/main" id="{116E695D-A7FE-4D02-CF7A-31F9B16F3CCC}"/>
-              </a:ext>
-            </a:extLst>
-          </p:cNvPr>
+          <p:cNvPr id="7" name="灯片编号占位符 1029"/>
           <p:cNvSpPr>
             <a:spLocks noGrp="1"/>
           </p:cNvSpPr>
@@ -2767,9 +2491,7 @@
             <p:ph type="sldNum" sz="quarter" idx="12"/>
           </p:nvPr>
         </p:nvSpPr>
-        <p:spPr>
-          <a:ln/>
-        </p:spPr>
+        <p:spPr/>
         <p:txBody>
           <a:bodyPr/>
           <a:lstStyle>
@@ -2780,19 +2502,12 @@
           <a:p>
             <a:fld id="{A5B36176-60CD-4797-9FBC-16380A0F0653}" type="slidenum">
               <a:rPr lang="zh-CN" altLang="en-US"/>
-              <a:pPr/>
-              <a:t>‹#›</a:t>
             </a:fld>
             <a:endParaRPr lang="zh-CN" altLang="en-US"/>
           </a:p>
         </p:txBody>
       </p:sp>
     </p:spTree>
-    <p:extLst>
-      <p:ext uri="{BB962C8B-B14F-4D97-AF65-F5344CB8AC3E}">
-        <p14:creationId xmlns:p14="http://schemas.microsoft.com/office/powerpoint/2010/main" val="4030843410"/>
-      </p:ext>
-    </p:extLst>
   </p:cSld>
   <p:clrMapOvr>
     <a:masterClrMapping/>
@@ -2827,13 +2542,7 @@
       </p:grpSpPr>
       <p:sp>
         <p:nvSpPr>
-          <p:cNvPr id="1026" name="标题 1025">
-            <a:extLst>
-              <a:ext uri="{FF2B5EF4-FFF2-40B4-BE49-F238E27FC236}">
-                <a16:creationId xmlns:a16="http://schemas.microsoft.com/office/drawing/2014/main" id="{32A2FD11-0EE1-3808-3630-2969F1187C15}"/>
-              </a:ext>
-            </a:extLst>
-          </p:cNvPr>
+          <p:cNvPr id="1026" name="标题 1025"/>
           <p:cNvSpPr>
             <a:spLocks noGrp="1"/>
           </p:cNvSpPr>
@@ -2843,8 +2552,8 @@
         </p:nvSpPr>
         <p:spPr>
           <a:xfrm>
-            <a:off x="360363" y="193675"/>
-            <a:ext cx="6480175" cy="811213"/>
+            <a:off x="360413" y="186539"/>
+            <a:ext cx="6481080" cy="781326"/>
           </a:xfrm>
           <a:prstGeom prst="rect">
             <a:avLst/>
@@ -2863,18 +2572,13 @@
               <a:rPr lang="zh-CN" altLang="en-US" noProof="1"/>
               <a:t>单击此处编辑母版标题样式</a:t>
             </a:r>
-          </a:p>
-        </p:txBody>
-      </p:sp>
-      <p:sp>
-        <p:nvSpPr>
-          <p:cNvPr id="1027" name="文本占位符 1026">
-            <a:extLst>
-              <a:ext uri="{FF2B5EF4-FFF2-40B4-BE49-F238E27FC236}">
-                <a16:creationId xmlns:a16="http://schemas.microsoft.com/office/drawing/2014/main" id="{195539B0-CF5A-8B62-0DF3-5F2B7BD7A773}"/>
-              </a:ext>
-            </a:extLst>
-          </p:cNvPr>
+            <a:endParaRPr lang="zh-CN" altLang="en-US" noProof="1"/>
+          </a:p>
+        </p:txBody>
+      </p:sp>
+      <p:sp>
+        <p:nvSpPr>
+          <p:cNvPr id="1027" name="文本占位符 1026"/>
           <p:cNvSpPr>
             <a:spLocks noGrp="1"/>
           </p:cNvSpPr>
@@ -2884,8 +2588,8 @@
         </p:nvSpPr>
         <p:spPr>
           <a:xfrm>
-            <a:off x="360363" y="1135063"/>
-            <a:ext cx="6480175" cy="3206750"/>
+            <a:off x="360413" y="1093244"/>
+            <a:ext cx="6481080" cy="3088604"/>
           </a:xfrm>
           <a:prstGeom prst="rect">
             <a:avLst/>
@@ -2904,6 +2608,7 @@
               <a:rPr lang="zh-CN" altLang="en-US" noProof="1"/>
               <a:t>单击此处编辑母版文本样式</a:t>
             </a:r>
+            <a:endParaRPr lang="zh-CN" altLang="en-US" noProof="1"/>
           </a:p>
           <a:p>
             <a:pPr lvl="1"/>
@@ -2911,6 +2616,7 @@
               <a:rPr lang="zh-CN" altLang="en-US" noProof="1"/>
               <a:t>第二级</a:t>
             </a:r>
+            <a:endParaRPr lang="zh-CN" altLang="en-US" noProof="1"/>
           </a:p>
           <a:p>
             <a:pPr lvl="2"/>
@@ -2918,6 +2624,7 @@
               <a:rPr lang="zh-CN" altLang="en-US" noProof="1"/>
               <a:t>第三级</a:t>
             </a:r>
+            <a:endParaRPr lang="zh-CN" altLang="en-US" noProof="1"/>
           </a:p>
           <a:p>
             <a:pPr lvl="3"/>
@@ -2925,6 +2632,7 @@
               <a:rPr lang="zh-CN" altLang="en-US" noProof="1"/>
               <a:t>第四级</a:t>
             </a:r>
+            <a:endParaRPr lang="zh-CN" altLang="en-US" noProof="1"/>
           </a:p>
           <a:p>
             <a:pPr lvl="4"/>
@@ -2932,18 +2640,13 @@
               <a:rPr lang="zh-CN" altLang="en-US" noProof="1"/>
               <a:t>第五级</a:t>
             </a:r>
-          </a:p>
-        </p:txBody>
-      </p:sp>
-      <p:sp>
-        <p:nvSpPr>
-          <p:cNvPr id="1028" name="日期占位符 1027">
-            <a:extLst>
-              <a:ext uri="{FF2B5EF4-FFF2-40B4-BE49-F238E27FC236}">
-                <a16:creationId xmlns:a16="http://schemas.microsoft.com/office/drawing/2014/main" id="{6C66FC77-8E66-B325-3850-2960480CE618}"/>
-              </a:ext>
-            </a:extLst>
-          </p:cNvPr>
+            <a:endParaRPr lang="zh-CN" altLang="en-US" noProof="1"/>
+          </a:p>
+        </p:txBody>
+      </p:sp>
+      <p:sp>
+        <p:nvSpPr>
+          <p:cNvPr id="1028" name="日期占位符 1027"/>
           <p:cNvSpPr>
             <a:spLocks noGrp="1"/>
           </p:cNvSpPr>
@@ -2953,8 +2656,8 @@
         </p:nvSpPr>
         <p:spPr>
           <a:xfrm>
-            <a:off x="360363" y="4427538"/>
-            <a:ext cx="1679575" cy="336550"/>
+            <a:off x="360413" y="4264415"/>
+            <a:ext cx="1679810" cy="324151"/>
           </a:xfrm>
           <a:prstGeom prst="rect">
             <a:avLst/>
@@ -2968,7 +2671,7 @@
           <a:bodyPr/>
           <a:lstStyle>
             <a:lvl1pPr>
-              <a:defRPr sz="990" noProof="1"/>
+              <a:defRPr sz="955" noProof="1"/>
             </a:lvl1pPr>
           </a:lstStyle>
           <a:p>
@@ -2978,13 +2681,7 @@
       </p:sp>
       <p:sp>
         <p:nvSpPr>
-          <p:cNvPr id="1029" name="页脚占位符 1028">
-            <a:extLst>
-              <a:ext uri="{FF2B5EF4-FFF2-40B4-BE49-F238E27FC236}">
-                <a16:creationId xmlns:a16="http://schemas.microsoft.com/office/drawing/2014/main" id="{CCB9096B-ED0E-4EB2-48FF-D37A3F9E70F7}"/>
-              </a:ext>
-            </a:extLst>
-          </p:cNvPr>
+          <p:cNvPr id="1029" name="页脚占位符 1028"/>
           <p:cNvSpPr>
             <a:spLocks noGrp="1"/>
           </p:cNvSpPr>
@@ -2994,8 +2691,8 @@
         </p:nvSpPr>
         <p:spPr>
           <a:xfrm>
-            <a:off x="2460625" y="4427538"/>
-            <a:ext cx="2279650" cy="336550"/>
+            <a:off x="2460969" y="4264415"/>
+            <a:ext cx="2279968" cy="324151"/>
           </a:xfrm>
           <a:prstGeom prst="rect">
             <a:avLst/>
@@ -3009,7 +2706,7 @@
           <a:bodyPr/>
           <a:lstStyle>
             <a:lvl1pPr algn="ctr">
-              <a:defRPr sz="990" noProof="1"/>
+              <a:defRPr sz="955" noProof="1"/>
             </a:lvl1pPr>
           </a:lstStyle>
           <a:p>
@@ -3019,13 +2716,7 @@
       </p:sp>
       <p:sp>
         <p:nvSpPr>
-          <p:cNvPr id="1030" name="灯片编号占位符 1029">
-            <a:extLst>
-              <a:ext uri="{FF2B5EF4-FFF2-40B4-BE49-F238E27FC236}">
-                <a16:creationId xmlns:a16="http://schemas.microsoft.com/office/drawing/2014/main" id="{B3E2E2F8-D0CB-6356-7FF5-C79EE246F626}"/>
-              </a:ext>
-            </a:extLst>
-          </p:cNvPr>
+          <p:cNvPr id="1030" name="灯片编号占位符 1029"/>
           <p:cNvSpPr>
             <a:spLocks noGrp="1"/>
           </p:cNvSpPr>
@@ -3035,8 +2726,8 @@
         </p:nvSpPr>
         <p:spPr>
           <a:xfrm>
-            <a:off x="5159375" y="4427538"/>
-            <a:ext cx="1681163" cy="336550"/>
+            <a:off x="5160095" y="4264415"/>
+            <a:ext cx="1681398" cy="324151"/>
           </a:xfrm>
           <a:prstGeom prst="rect">
             <a:avLst/>
@@ -3047,21 +2738,15 @@
           </a:ln>
         </p:spPr>
         <p:txBody>
-          <a:bodyPr vert="horz" wrap="square" lIns="91440" tIns="45720" rIns="91440" bIns="45720" numCol="1" anchor="t" anchorCtr="0" compatLnSpc="1">
-            <a:prstTxWarp prst="textNoShape">
-              <a:avLst/>
-            </a:prstTxWarp>
-          </a:bodyPr>
+          <a:bodyPr vert="horz" wrap="square" lIns="91440" tIns="45720" rIns="91440" bIns="45720" numCol="1" anchor="t" anchorCtr="0" compatLnSpc="1"/>
           <a:lstStyle>
             <a:lvl1pPr algn="r">
-              <a:defRPr sz="900"/>
+              <a:defRPr sz="865"/>
             </a:lvl1pPr>
           </a:lstStyle>
           <a:p>
             <a:fld id="{A9510276-27A0-48EF-A4BF-04DD8F98E8B9}" type="slidenum">
               <a:rPr lang="zh-CN" altLang="en-US"/>
-              <a:pPr/>
-              <a:t>‹#›</a:t>
             </a:fld>
             <a:endParaRPr lang="zh-CN" altLang="en-US"/>
           </a:p>
@@ -3071,28 +2756,28 @@
   </p:cSld>
   <p:clrMap bg1="lt1" tx1="dk1" bg2="lt2" tx2="dk2" accent1="accent1" accent2="accent2" accent3="accent3" accent4="accent4" accent5="accent5" accent6="accent6" hlink="hlink" folHlink="folHlink"/>
   <p:sldLayoutIdLst>
-    <p:sldLayoutId id="2147483659" r:id="rId1"/>
-    <p:sldLayoutId id="2147483658" r:id="rId2"/>
-    <p:sldLayoutId id="2147483657" r:id="rId3"/>
-    <p:sldLayoutId id="2147483656" r:id="rId4"/>
-    <p:sldLayoutId id="2147483655" r:id="rId5"/>
+    <p:sldLayoutId id="2147483649" r:id="rId1"/>
+    <p:sldLayoutId id="2147483650" r:id="rId2"/>
+    <p:sldLayoutId id="2147483651" r:id="rId3"/>
+    <p:sldLayoutId id="2147483652" r:id="rId4"/>
+    <p:sldLayoutId id="2147483653" r:id="rId5"/>
     <p:sldLayoutId id="2147483654" r:id="rId6"/>
-    <p:sldLayoutId id="2147483653" r:id="rId7"/>
-    <p:sldLayoutId id="2147483652" r:id="rId8"/>
-    <p:sldLayoutId id="2147483651" r:id="rId9"/>
-    <p:sldLayoutId id="2147483650" r:id="rId10"/>
-    <p:sldLayoutId id="2147483649" r:id="rId11"/>
+    <p:sldLayoutId id="2147483655" r:id="rId7"/>
+    <p:sldLayoutId id="2147483656" r:id="rId8"/>
+    <p:sldLayoutId id="2147483657" r:id="rId9"/>
+    <p:sldLayoutId id="2147483658" r:id="rId10"/>
+    <p:sldLayoutId id="2147483659" r:id="rId11"/>
   </p:sldLayoutIdLst>
   <p:txStyles>
     <p:titleStyle>
-      <a:lvl1pPr algn="ctr" defTabSz="647700" rtl="0" fontAlgn="base">
+      <a:lvl1pPr algn="ctr" defTabSz="623570" rtl="0" fontAlgn="base">
         <a:spcBef>
           <a:spcPct val="0"/>
         </a:spcBef>
         <a:spcAft>
           <a:spcPct val="0"/>
         </a:spcAft>
-        <a:defRPr sz="3100" kern="1200">
+        <a:defRPr sz="2985" kern="1200">
           <a:solidFill>
             <a:schemeClr val="tx2"/>
           </a:solidFill>
@@ -3223,15 +2908,15 @@
       </a:lvl9pPr>
     </p:titleStyle>
     <p:bodyStyle>
-      <a:lvl1pPr marL="242888" indent="-242888" algn="l" defTabSz="647700" rtl="0" fontAlgn="base">
+      <a:lvl1pPr marL="234315" indent="-234315" algn="l" defTabSz="623570" rtl="0" fontAlgn="base">
         <a:spcBef>
-          <a:spcPct val="14000"/>
+          <a:spcPts val="65"/>
         </a:spcBef>
         <a:spcAft>
           <a:spcPct val="0"/>
         </a:spcAft>
         <a:buChar char="•"/>
-        <a:defRPr sz="2200" kern="1200">
+        <a:defRPr sz="2120" kern="1200">
           <a:solidFill>
             <a:schemeClr val="tx1"/>
           </a:solidFill>
@@ -3240,15 +2925,15 @@
           <a:cs typeface="+mn-cs"/>
         </a:defRPr>
       </a:lvl1pPr>
-      <a:lvl2pPr marL="527050" lvl="1" indent="-203200" algn="l" defTabSz="647700" rtl="0" fontAlgn="base">
+      <a:lvl2pPr marL="507365" lvl="1" indent="-195580" algn="l" defTabSz="623570" rtl="0" fontAlgn="base">
         <a:spcBef>
-          <a:spcPct val="14000"/>
+          <a:spcPts val="65"/>
         </a:spcBef>
         <a:spcAft>
           <a:spcPct val="0"/>
         </a:spcAft>
         <a:buChar char="–"/>
-        <a:defRPr sz="1900" kern="1200">
+        <a:defRPr sz="1830" kern="1200">
           <a:solidFill>
             <a:schemeClr val="tx1"/>
           </a:solidFill>
@@ -3257,15 +2942,15 @@
           <a:cs typeface="+mn-cs"/>
         </a:defRPr>
       </a:lvl2pPr>
-      <a:lvl3pPr marL="809625" lvl="2" indent="-161925" algn="l" defTabSz="647700" rtl="0" fontAlgn="base">
+      <a:lvl3pPr marL="779780" lvl="2" indent="-156210" algn="l" defTabSz="623570" rtl="0" fontAlgn="base">
         <a:spcBef>
-          <a:spcPct val="14000"/>
+          <a:spcPts val="65"/>
         </a:spcBef>
         <a:spcAft>
           <a:spcPct val="0"/>
         </a:spcAft>
         <a:buChar char="•"/>
-        <a:defRPr sz="1700" kern="1200">
+        <a:defRPr sz="1635" kern="1200">
           <a:solidFill>
             <a:schemeClr val="tx1"/>
           </a:solidFill>
@@ -3274,15 +2959,15 @@
           <a:cs typeface="+mn-cs"/>
         </a:defRPr>
       </a:lvl3pPr>
-      <a:lvl4pPr marL="1133475" lvl="3" indent="-161925" algn="l" defTabSz="647700" rtl="0" fontAlgn="base">
+      <a:lvl4pPr marL="1091565" lvl="3" indent="-156210" algn="l" defTabSz="623570" rtl="0" fontAlgn="base">
         <a:spcBef>
-          <a:spcPct val="14000"/>
+          <a:spcPts val="65"/>
         </a:spcBef>
         <a:spcAft>
           <a:spcPct val="0"/>
         </a:spcAft>
         <a:buChar char="–"/>
-        <a:defRPr sz="1400" kern="1200">
+        <a:defRPr sz="1350" kern="1200">
           <a:solidFill>
             <a:schemeClr val="tx1"/>
           </a:solidFill>
@@ -3291,15 +2976,15 @@
           <a:cs typeface="+mn-cs"/>
         </a:defRPr>
       </a:lvl4pPr>
-      <a:lvl5pPr marL="1457325" lvl="4" indent="-161925" algn="l" defTabSz="647700" rtl="0" fontAlgn="base">
+      <a:lvl5pPr marL="1403350" lvl="4" indent="-156210" algn="l" defTabSz="623570" rtl="0" fontAlgn="base">
         <a:spcBef>
-          <a:spcPct val="14000"/>
+          <a:spcPts val="65"/>
         </a:spcBef>
         <a:spcAft>
           <a:spcPct val="0"/>
         </a:spcAft>
         <a:buChar char="»"/>
-        <a:defRPr sz="1400" kern="1200">
+        <a:defRPr sz="1350" kern="1200">
           <a:solidFill>
             <a:schemeClr val="tx1"/>
           </a:solidFill>
@@ -3308,18 +2993,18 @@
           <a:cs typeface="+mn-cs"/>
         </a:defRPr>
       </a:lvl5pPr>
-      <a:lvl6pPr marL="1782445" lvl="5" indent="-161925" algn="l" defTabSz="648335" eaLnBrk="1" fontAlgn="base" latinLnBrk="0" hangingPunct="1">
+      <a:lvl6pPr marL="1717040" lvl="5" indent="-156210" algn="l" defTabSz="624205" eaLnBrk="1" fontAlgn="base" latinLnBrk="0" hangingPunct="1">
         <a:lnSpc>
           <a:spcPct val="100000"/>
         </a:lnSpc>
         <a:spcBef>
-          <a:spcPct val="14000"/>
+          <a:spcPts val="65"/>
         </a:spcBef>
         <a:spcAft>
           <a:spcPct val="0"/>
         </a:spcAft>
         <a:buChar char="»"/>
-        <a:defRPr sz="1420" b="0" i="0" u="none" kern="1200" baseline="0">
+        <a:defRPr sz="1370" b="0" i="0" u="none" kern="1200" baseline="0">
           <a:solidFill>
             <a:schemeClr val="tx1"/>
           </a:solidFill>
@@ -3328,18 +3013,18 @@
           <a:cs typeface="+mn-cs"/>
         </a:defRPr>
       </a:lvl6pPr>
-      <a:lvl7pPr marL="2106295" lvl="6" indent="-161925" algn="l" defTabSz="648335" eaLnBrk="1" fontAlgn="base" latinLnBrk="0" hangingPunct="1">
+      <a:lvl7pPr marL="2028825" lvl="6" indent="-156210" algn="l" defTabSz="624205" eaLnBrk="1" fontAlgn="base" latinLnBrk="0" hangingPunct="1">
         <a:lnSpc>
           <a:spcPct val="100000"/>
         </a:lnSpc>
         <a:spcBef>
-          <a:spcPct val="14000"/>
+          <a:spcPts val="65"/>
         </a:spcBef>
         <a:spcAft>
           <a:spcPct val="0"/>
         </a:spcAft>
         <a:buChar char="»"/>
-        <a:defRPr sz="1420" b="0" i="0" u="none" kern="1200" baseline="0">
+        <a:defRPr sz="1370" b="0" i="0" u="none" kern="1200" baseline="0">
           <a:solidFill>
             <a:schemeClr val="tx1"/>
           </a:solidFill>
@@ -3348,18 +3033,18 @@
           <a:cs typeface="+mn-cs"/>
         </a:defRPr>
       </a:lvl7pPr>
-      <a:lvl8pPr marL="2430145" lvl="7" indent="-161925" algn="l" defTabSz="648335" eaLnBrk="1" fontAlgn="base" latinLnBrk="0" hangingPunct="1">
+      <a:lvl8pPr marL="2340610" lvl="7" indent="-156210" algn="l" defTabSz="624205" eaLnBrk="1" fontAlgn="base" latinLnBrk="0" hangingPunct="1">
         <a:lnSpc>
           <a:spcPct val="100000"/>
         </a:lnSpc>
         <a:spcBef>
-          <a:spcPct val="14000"/>
+          <a:spcPts val="65"/>
         </a:spcBef>
         <a:spcAft>
           <a:spcPct val="0"/>
         </a:spcAft>
         <a:buChar char="»"/>
-        <a:defRPr sz="1420" b="0" i="0" u="none" kern="1200" baseline="0">
+        <a:defRPr sz="1370" b="0" i="0" u="none" kern="1200" baseline="0">
           <a:solidFill>
             <a:schemeClr val="tx1"/>
           </a:solidFill>
@@ -3368,18 +3053,18 @@
           <a:cs typeface="+mn-cs"/>
         </a:defRPr>
       </a:lvl8pPr>
-      <a:lvl9pPr marL="2754630" lvl="8" indent="-161925" algn="l" defTabSz="648335" eaLnBrk="1" fontAlgn="base" latinLnBrk="0" hangingPunct="1">
+      <a:lvl9pPr marL="2653030" lvl="8" indent="-156210" algn="l" defTabSz="624205" eaLnBrk="1" fontAlgn="base" latinLnBrk="0" hangingPunct="1">
         <a:lnSpc>
           <a:spcPct val="100000"/>
         </a:lnSpc>
         <a:spcBef>
-          <a:spcPct val="14000"/>
+          <a:spcPts val="65"/>
         </a:spcBef>
         <a:spcAft>
           <a:spcPct val="0"/>
         </a:spcAft>
         <a:buChar char="»"/>
-        <a:defRPr sz="1420" b="0" i="0" u="none" kern="1200" baseline="0">
+        <a:defRPr sz="1370" b="0" i="0" u="none" kern="1200" baseline="0">
           <a:solidFill>
             <a:schemeClr val="tx1"/>
           </a:solidFill>
@@ -3390,7 +3075,7 @@
       </a:lvl9pPr>
     </p:bodyStyle>
     <p:otherStyle>
-      <a:lvl1pPr marL="0" lvl="0" indent="0" algn="l" defTabSz="648335" eaLnBrk="1" fontAlgn="base" latinLnBrk="0" hangingPunct="1">
+      <a:lvl1pPr marL="0" lvl="0" indent="0" algn="l" defTabSz="624205" eaLnBrk="1" fontAlgn="base" latinLnBrk="0" hangingPunct="1">
         <a:lnSpc>
           <a:spcPct val="100000"/>
         </a:lnSpc>
@@ -3401,7 +3086,7 @@
           <a:spcPct val="0"/>
         </a:spcAft>
         <a:buNone/>
-        <a:defRPr sz="1275" b="0" i="0" u="none" kern="1200" baseline="0">
+        <a:defRPr sz="1230" b="0" i="0" u="none" kern="1200" baseline="0">
           <a:solidFill>
             <a:schemeClr val="tx1"/>
           </a:solidFill>
@@ -3410,7 +3095,7 @@
           <a:cs typeface="+mn-cs"/>
         </a:defRPr>
       </a:lvl1pPr>
-      <a:lvl2pPr marL="323850" lvl="1" indent="0" algn="l" defTabSz="648335" eaLnBrk="1" fontAlgn="base" latinLnBrk="0" hangingPunct="1">
+      <a:lvl2pPr marL="311785" lvl="1" indent="0" algn="l" defTabSz="624205" eaLnBrk="1" fontAlgn="base" latinLnBrk="0" hangingPunct="1">
         <a:lnSpc>
           <a:spcPct val="100000"/>
         </a:lnSpc>
@@ -3430,7 +3115,7 @@
           <a:cs typeface="+mn-cs"/>
         </a:defRPr>
       </a:lvl2pPr>
-      <a:lvl3pPr marL="648335" lvl="2" indent="0" algn="l" defTabSz="648335" eaLnBrk="1" fontAlgn="base" latinLnBrk="0" hangingPunct="1">
+      <a:lvl3pPr marL="624205" lvl="2" indent="0" algn="l" defTabSz="624205" eaLnBrk="1" fontAlgn="base" latinLnBrk="0" hangingPunct="1">
         <a:lnSpc>
           <a:spcPct val="100000"/>
         </a:lnSpc>
@@ -3450,7 +3135,7 @@
           <a:cs typeface="+mn-cs"/>
         </a:defRPr>
       </a:lvl3pPr>
-      <a:lvl4pPr marL="972185" lvl="3" indent="0" algn="l" defTabSz="648335" eaLnBrk="1" fontAlgn="base" latinLnBrk="0" hangingPunct="1">
+      <a:lvl4pPr marL="936625" lvl="3" indent="0" algn="l" defTabSz="624205" eaLnBrk="1" fontAlgn="base" latinLnBrk="0" hangingPunct="1">
         <a:lnSpc>
           <a:spcPct val="100000"/>
         </a:lnSpc>
@@ -3470,7 +3155,7 @@
           <a:cs typeface="+mn-cs"/>
         </a:defRPr>
       </a:lvl4pPr>
-      <a:lvl5pPr marL="1296035" lvl="4" indent="0" algn="l" defTabSz="648335" eaLnBrk="1" fontAlgn="base" latinLnBrk="0" hangingPunct="1">
+      <a:lvl5pPr marL="1248410" lvl="4" indent="0" algn="l" defTabSz="624205" eaLnBrk="1" fontAlgn="base" latinLnBrk="0" hangingPunct="1">
         <a:lnSpc>
           <a:spcPct val="100000"/>
         </a:lnSpc>
@@ -3490,7 +3175,7 @@
           <a:cs typeface="+mn-cs"/>
         </a:defRPr>
       </a:lvl5pPr>
-      <a:lvl6pPr marL="1620520" lvl="5" indent="0" algn="l" defTabSz="648335" eaLnBrk="1" fontAlgn="base" latinLnBrk="0" hangingPunct="1">
+      <a:lvl6pPr marL="1560830" lvl="5" indent="0" algn="l" defTabSz="624205" eaLnBrk="1" fontAlgn="base" latinLnBrk="0" hangingPunct="1">
         <a:lnSpc>
           <a:spcPct val="100000"/>
         </a:lnSpc>
@@ -3510,7 +3195,7 @@
           <a:cs typeface="+mn-cs"/>
         </a:defRPr>
       </a:lvl6pPr>
-      <a:lvl7pPr marL="1944370" lvl="6" indent="0" algn="l" defTabSz="648335" eaLnBrk="1" fontAlgn="base" latinLnBrk="0" hangingPunct="1">
+      <a:lvl7pPr marL="1872615" lvl="6" indent="0" algn="l" defTabSz="624205" eaLnBrk="1" fontAlgn="base" latinLnBrk="0" hangingPunct="1">
         <a:lnSpc>
           <a:spcPct val="100000"/>
         </a:lnSpc>
@@ -3530,7 +3215,7 @@
           <a:cs typeface="+mn-cs"/>
         </a:defRPr>
       </a:lvl7pPr>
-      <a:lvl8pPr marL="2268220" lvl="7" indent="0" algn="l" defTabSz="648335" eaLnBrk="1" fontAlgn="base" latinLnBrk="0" hangingPunct="1">
+      <a:lvl8pPr marL="2184400" lvl="7" indent="0" algn="l" defTabSz="624205" eaLnBrk="1" fontAlgn="base" latinLnBrk="0" hangingPunct="1">
         <a:lnSpc>
           <a:spcPct val="100000"/>
         </a:lnSpc>
@@ -3550,7 +3235,7 @@
           <a:cs typeface="+mn-cs"/>
         </a:defRPr>
       </a:lvl8pPr>
-      <a:lvl9pPr marL="2592070" lvl="8" indent="0" algn="l" defTabSz="648335" eaLnBrk="1" fontAlgn="base" latinLnBrk="0" hangingPunct="1">
+      <a:lvl9pPr marL="2496820" lvl="8" indent="0" algn="l" defTabSz="624205" eaLnBrk="1" fontAlgn="base" latinLnBrk="0" hangingPunct="1">
         <a:lnSpc>
           <a:spcPct val="100000"/>
         </a:lnSpc>
@@ -3592,1458 +3277,1326 @@
           <a:chExt cx="0" cy="0"/>
         </a:xfrm>
       </p:grpSpPr>
-      <p:cxnSp>
-        <p:nvCxnSpPr>
-          <p:cNvPr id="2" name="直接连接符 1">
+      <p:grpSp>
+        <p:nvGrpSpPr>
+          <p:cNvPr id="45" name="组合 44"/>
+          <p:cNvGrpSpPr/>
+          <p:nvPr/>
+        </p:nvGrpSpPr>
+        <p:grpSpPr>
+          <a:xfrm>
+            <a:off x="38100" y="36195"/>
+            <a:ext cx="7059295" cy="4634865"/>
+            <a:chOff x="190" y="170"/>
+            <a:chExt cx="10479" cy="7298"/>
+          </a:xfrm>
+        </p:grpSpPr>
+        <p:cxnSp>
+          <p:nvCxnSpPr>
+            <p:cNvPr id="2" name="直接连接符 1"/>
+            <p:cNvCxnSpPr/>
+            <p:nvPr/>
+          </p:nvCxnSpPr>
+          <p:spPr>
+            <a:xfrm>
+              <a:off x="198" y="170"/>
+              <a:ext cx="9422" cy="0"/>
+            </a:xfrm>
+            <a:prstGeom prst="line">
+              <a:avLst/>
+            </a:prstGeom>
+            <a:ln w="25400" cmpd="sng">
+              <a:solidFill>
+                <a:schemeClr val="tx1">
+                  <a:lumMod val="50000"/>
+                  <a:lumOff val="50000"/>
+                </a:schemeClr>
+              </a:solidFill>
+              <a:prstDash val="dash"/>
+            </a:ln>
+          </p:spPr>
+          <p:style>
+            <a:lnRef idx="1">
+              <a:schemeClr val="accent1"/>
+            </a:lnRef>
+            <a:fillRef idx="0">
+              <a:schemeClr val="accent1"/>
+            </a:fillRef>
+            <a:effectRef idx="0">
+              <a:schemeClr val="accent1"/>
+            </a:effectRef>
+            <a:fontRef idx="minor">
+              <a:schemeClr val="tx1"/>
+            </a:fontRef>
+          </p:style>
+        </p:cxnSp>
+        <p:cxnSp>
+          <p:nvCxnSpPr>
+            <p:cNvPr id="3" name="直接连接符 2"/>
+            <p:cNvCxnSpPr/>
+            <p:nvPr/>
+          </p:nvCxnSpPr>
+          <p:spPr>
+            <a:xfrm>
+              <a:off x="215" y="2125"/>
+              <a:ext cx="9423" cy="0"/>
+            </a:xfrm>
+            <a:prstGeom prst="line">
+              <a:avLst/>
+            </a:prstGeom>
+            <a:ln w="25400" cmpd="sng">
+              <a:solidFill>
+                <a:schemeClr val="tx1">
+                  <a:lumMod val="50000"/>
+                  <a:lumOff val="50000"/>
+                </a:schemeClr>
+              </a:solidFill>
+              <a:prstDash val="dash"/>
+            </a:ln>
+          </p:spPr>
+          <p:style>
+            <a:lnRef idx="1">
+              <a:schemeClr val="accent1"/>
+            </a:lnRef>
+            <a:fillRef idx="0">
+              <a:schemeClr val="accent1"/>
+            </a:fillRef>
+            <a:effectRef idx="0">
+              <a:schemeClr val="accent1"/>
+            </a:effectRef>
+            <a:fontRef idx="minor">
+              <a:schemeClr val="tx1"/>
+            </a:fontRef>
+          </p:style>
+        </p:cxnSp>
+        <p:cxnSp>
+          <p:nvCxnSpPr>
+            <p:cNvPr id="4" name="直接连接符 3"/>
+            <p:cNvCxnSpPr/>
+            <p:nvPr/>
+          </p:nvCxnSpPr>
+          <p:spPr>
+            <a:xfrm>
+              <a:off x="190" y="4395"/>
+              <a:ext cx="9455" cy="0"/>
+            </a:xfrm>
+            <a:prstGeom prst="line">
+              <a:avLst/>
+            </a:prstGeom>
+            <a:ln w="25400" cmpd="sng">
+              <a:solidFill>
+                <a:schemeClr val="tx1">
+                  <a:lumMod val="50000"/>
+                  <a:lumOff val="50000"/>
+                </a:schemeClr>
+              </a:solidFill>
+              <a:prstDash val="dash"/>
+            </a:ln>
+          </p:spPr>
+          <p:style>
+            <a:lnRef idx="1">
+              <a:schemeClr val="accent1"/>
+            </a:lnRef>
+            <a:fillRef idx="0">
+              <a:schemeClr val="accent1"/>
+            </a:fillRef>
+            <a:effectRef idx="0">
+              <a:schemeClr val="accent1"/>
+            </a:effectRef>
+            <a:fontRef idx="minor">
+              <a:schemeClr val="tx1"/>
+            </a:fontRef>
+          </p:style>
+        </p:cxnSp>
+        <p:sp>
+          <p:nvSpPr>
+            <p:cNvPr id="12" name="矩形 11"/>
+            <p:cNvSpPr/>
+            <p:nvPr/>
+          </p:nvSpPr>
+          <p:spPr>
+            <a:xfrm>
+              <a:off x="1992" y="544"/>
+              <a:ext cx="5945" cy="1208"/>
+            </a:xfrm>
+            <a:prstGeom prst="rect">
+              <a:avLst/>
+            </a:prstGeom>
+            <a:solidFill>
+              <a:srgbClr val="74B230"/>
+            </a:solidFill>
+            <a:ln w="25400">
+              <a:solidFill>
+                <a:schemeClr val="tx1"/>
+              </a:solidFill>
+            </a:ln>
+          </p:spPr>
+          <p:style>
+            <a:lnRef idx="2">
+              <a:schemeClr val="accent1">
+                <a:shade val="50000"/>
+              </a:schemeClr>
+            </a:lnRef>
+            <a:fillRef idx="1">
+              <a:schemeClr val="accent1"/>
+            </a:fillRef>
+            <a:effectRef idx="0">
+              <a:schemeClr val="accent1"/>
+            </a:effectRef>
+            <a:fontRef idx="minor">
+              <a:schemeClr val="lt1"/>
+            </a:fontRef>
+          </p:style>
+          <p:txBody>
+            <a:bodyPr anchor="ctr"/>
+            <a:lstStyle/>
+            <a:p>
+              <a:pPr algn="ctr"/>
+              <a:r>
+                <a:rPr lang="en-US" altLang="zh-CN" sz="1800" noProof="1"/>
+                <a:t>Hotness-Aware Map</a:t>
+              </a:r>
+              <a:endParaRPr lang="en-US" altLang="zh-CN" sz="1800" noProof="1"/>
+            </a:p>
+          </p:txBody>
+        </p:sp>
+        <p:sp>
+          <p:nvSpPr>
+            <p:cNvPr id="13" name="等腰三角形 12"/>
+            <p:cNvSpPr/>
+            <p:nvPr/>
+          </p:nvSpPr>
+          <p:spPr>
+            <a:xfrm>
+              <a:off x="995" y="2313"/>
+              <a:ext cx="7843" cy="1873"/>
+            </a:xfrm>
+            <a:prstGeom prst="triangle">
+              <a:avLst/>
+            </a:prstGeom>
+            <a:solidFill>
+              <a:srgbClr val="48A7AE"/>
+            </a:solidFill>
+            <a:ln w="25400">
+              <a:solidFill>
+                <a:schemeClr val="tx1"/>
+              </a:solidFill>
+            </a:ln>
+          </p:spPr>
+          <p:style>
+            <a:lnRef idx="2">
+              <a:schemeClr val="accent1">
+                <a:shade val="50000"/>
+              </a:schemeClr>
+            </a:lnRef>
+            <a:fillRef idx="1">
+              <a:schemeClr val="accent1"/>
+            </a:fillRef>
+            <a:effectRef idx="0">
+              <a:schemeClr val="accent1"/>
+            </a:effectRef>
+            <a:fontRef idx="minor">
+              <a:schemeClr val="lt1"/>
+            </a:fontRef>
+          </p:style>
+          <p:txBody>
+            <a:bodyPr anchor="ctr"/>
+            <a:lstStyle/>
+            <a:p>
+              <a:pPr algn="ctr"/>
+              <a:r>
+                <a:rPr lang="en-US" altLang="zh-CN" sz="1800" noProof="1"/>
+                <a:t>Index</a:t>
+              </a:r>
+              <a:endParaRPr lang="en-US" altLang="zh-CN" sz="1800" noProof="1"/>
+            </a:p>
+            <a:p>
+              <a:pPr algn="ctr"/>
+              <a:r>
+                <a:rPr lang="en-US" altLang="zh-CN" sz="1800" noProof="1"/>
+                <a:t>(e.g., CCEH, Fast&amp;Fair)</a:t>
+              </a:r>
+              <a:endParaRPr lang="en-US" altLang="zh-CN" sz="1800" noProof="1"/>
+            </a:p>
+          </p:txBody>
+        </p:sp>
+        <p:sp>
+          <p:nvSpPr>
+            <p:cNvPr id="2054" name="文本框 39"/>
+            <p:cNvSpPr txBox="1">
+              <a:spLocks noChangeArrowheads="1"/>
+            </p:cNvSpPr>
+            <p:nvPr/>
+          </p:nvSpPr>
+          <p:spPr bwMode="auto">
+            <a:xfrm>
+              <a:off x="190" y="170"/>
+              <a:ext cx="1415" cy="436"/>
+            </a:xfrm>
+            <a:prstGeom prst="rect">
+              <a:avLst/>
+            </a:prstGeom>
+            <a:noFill/>
+            <a:ln>
+              <a:noFill/>
+            </a:ln>
             <a:extLst>
-              <a:ext uri="{FF2B5EF4-FFF2-40B4-BE49-F238E27FC236}">
-                <a16:creationId xmlns:a16="http://schemas.microsoft.com/office/drawing/2014/main" id="{4570A613-FBD4-A81C-D814-D4DCC60FC2AA}"/>
+              <a:ext uri="{909E8E84-426E-40DD-AFC4-6F175D3DCCD1}">
+                <a14:hiddenFill xmlns:a14="http://schemas.microsoft.com/office/drawing/2010/main">
+                  <a:solidFill>
+                    <a:srgbClr val="FFFFFF"/>
+                  </a:solidFill>
+                </a14:hiddenFill>
+              </a:ext>
+              <a:ext uri="{91240B29-F687-4F45-9708-019B960494DF}">
+                <a14:hiddenLine xmlns:a14="http://schemas.microsoft.com/office/drawing/2010/main" w="9525">
+                  <a:solidFill>
+                    <a:srgbClr val="000000"/>
+                  </a:solidFill>
+                  <a:miter lim="800000"/>
+                  <a:headEnd/>
+                  <a:tailEnd/>
+                </a14:hiddenLine>
               </a:ext>
             </a:extLst>
-          </p:cNvPr>
-          <p:cNvCxnSpPr/>
-          <p:nvPr/>
-        </p:nvCxnSpPr>
-        <p:spPr>
-          <a:xfrm>
-            <a:off x="125413" y="107950"/>
-            <a:ext cx="5983287" cy="0"/>
-          </a:xfrm>
-          <a:prstGeom prst="line">
-            <a:avLst/>
-          </a:prstGeom>
-          <a:ln w="25400" cmpd="sng">
-            <a:solidFill>
-              <a:schemeClr val="tx1">
-                <a:lumMod val="50000"/>
-                <a:lumOff val="50000"/>
-              </a:schemeClr>
-            </a:solidFill>
-            <a:prstDash val="dash"/>
-          </a:ln>
-        </p:spPr>
-        <p:style>
-          <a:lnRef idx="1">
-            <a:schemeClr val="accent1"/>
-          </a:lnRef>
-          <a:fillRef idx="0">
-            <a:schemeClr val="accent1"/>
-          </a:fillRef>
-          <a:effectRef idx="0">
-            <a:schemeClr val="accent1"/>
-          </a:effectRef>
-          <a:fontRef idx="minor">
-            <a:schemeClr val="tx1"/>
-          </a:fontRef>
-        </p:style>
-      </p:cxnSp>
-      <p:cxnSp>
-        <p:nvCxnSpPr>
-          <p:cNvPr id="3" name="直接连接符 2">
+          </p:spPr>
+          <p:txBody>
+            <a:bodyPr lIns="0" tIns="0" rIns="0" bIns="0">
+              <a:spAutoFit/>
+            </a:bodyPr>
+            <a:lstStyle/>
+            <a:p>
+              <a:r>
+                <a:rPr lang="en-US" altLang="zh-CN" sz="1800" dirty="0"/>
+                <a:t>DRAM</a:t>
+              </a:r>
+              <a:endParaRPr lang="en-US" altLang="zh-CN" sz="1800" dirty="0"/>
+            </a:p>
+          </p:txBody>
+        </p:sp>
+        <p:sp>
+          <p:nvSpPr>
+            <p:cNvPr id="2055" name="文本框 41"/>
+            <p:cNvSpPr txBox="1">
+              <a:spLocks noChangeArrowheads="1"/>
+            </p:cNvSpPr>
+            <p:nvPr/>
+          </p:nvSpPr>
+          <p:spPr bwMode="auto">
+            <a:xfrm>
+              <a:off x="190" y="2125"/>
+              <a:ext cx="1833" cy="436"/>
+            </a:xfrm>
+            <a:prstGeom prst="rect">
+              <a:avLst/>
+            </a:prstGeom>
+            <a:noFill/>
+            <a:ln>
+              <a:noFill/>
+            </a:ln>
             <a:extLst>
-              <a:ext uri="{FF2B5EF4-FFF2-40B4-BE49-F238E27FC236}">
-                <a16:creationId xmlns:a16="http://schemas.microsoft.com/office/drawing/2014/main" id="{D1C6B8F2-8863-78E8-BC24-86472B0EE2EC}"/>
+              <a:ext uri="{909E8E84-426E-40DD-AFC4-6F175D3DCCD1}">
+                <a14:hiddenFill xmlns:a14="http://schemas.microsoft.com/office/drawing/2010/main">
+                  <a:solidFill>
+                    <a:srgbClr val="FFFFFF"/>
+                  </a:solidFill>
+                </a14:hiddenFill>
+              </a:ext>
+              <a:ext uri="{91240B29-F687-4F45-9708-019B960494DF}">
+                <a14:hiddenLine xmlns:a14="http://schemas.microsoft.com/office/drawing/2010/main" w="9525">
+                  <a:solidFill>
+                    <a:srgbClr val="000000"/>
+                  </a:solidFill>
+                  <a:miter lim="800000"/>
+                  <a:headEnd/>
+                  <a:tailEnd/>
+                </a14:hiddenLine>
               </a:ext>
             </a:extLst>
-          </p:cNvPr>
-          <p:cNvCxnSpPr/>
-          <p:nvPr/>
-        </p:nvCxnSpPr>
-        <p:spPr>
-          <a:xfrm>
-            <a:off x="136525" y="1349375"/>
-            <a:ext cx="5983288" cy="0"/>
-          </a:xfrm>
-          <a:prstGeom prst="line">
-            <a:avLst/>
-          </a:prstGeom>
-          <a:ln w="25400" cmpd="sng">
-            <a:solidFill>
-              <a:schemeClr val="tx1">
-                <a:lumMod val="50000"/>
-                <a:lumOff val="50000"/>
-              </a:schemeClr>
-            </a:solidFill>
-            <a:prstDash val="dash"/>
-          </a:ln>
-        </p:spPr>
-        <p:style>
-          <a:lnRef idx="1">
-            <a:schemeClr val="accent1"/>
-          </a:lnRef>
-          <a:fillRef idx="0">
-            <a:schemeClr val="accent1"/>
-          </a:fillRef>
-          <a:effectRef idx="0">
-            <a:schemeClr val="accent1"/>
-          </a:effectRef>
-          <a:fontRef idx="minor">
-            <a:schemeClr val="tx1"/>
-          </a:fontRef>
-        </p:style>
-      </p:cxnSp>
-      <p:cxnSp>
-        <p:nvCxnSpPr>
-          <p:cNvPr id="4" name="直接连接符 3">
+          </p:spPr>
+          <p:txBody>
+            <a:bodyPr lIns="0" tIns="0" rIns="0" bIns="0">
+              <a:spAutoFit/>
+            </a:bodyPr>
+            <a:lstStyle/>
+            <a:p>
+              <a:r>
+                <a:rPr lang="en-US" altLang="zh-CN" sz="1800" dirty="0"/>
+                <a:t>DRAM/PM</a:t>
+              </a:r>
+              <a:endParaRPr lang="en-US" altLang="zh-CN" sz="1800" dirty="0"/>
+            </a:p>
+          </p:txBody>
+        </p:sp>
+        <p:sp>
+          <p:nvSpPr>
+            <p:cNvPr id="2056" name="文本框 51"/>
+            <p:cNvSpPr txBox="1">
+              <a:spLocks noChangeArrowheads="1"/>
+            </p:cNvSpPr>
+            <p:nvPr/>
+          </p:nvSpPr>
+          <p:spPr bwMode="auto">
+            <a:xfrm>
+              <a:off x="190" y="4393"/>
+              <a:ext cx="1700" cy="436"/>
+            </a:xfrm>
+            <a:prstGeom prst="rect">
+              <a:avLst/>
+            </a:prstGeom>
+            <a:noFill/>
+            <a:ln>
+              <a:noFill/>
+            </a:ln>
             <a:extLst>
-              <a:ext uri="{FF2B5EF4-FFF2-40B4-BE49-F238E27FC236}">
-                <a16:creationId xmlns:a16="http://schemas.microsoft.com/office/drawing/2014/main" id="{CAAF83D8-96B1-E172-AD7A-DFEF7DA3D5E5}"/>
+              <a:ext uri="{909E8E84-426E-40DD-AFC4-6F175D3DCCD1}">
+                <a14:hiddenFill xmlns:a14="http://schemas.microsoft.com/office/drawing/2010/main">
+                  <a:solidFill>
+                    <a:srgbClr val="FFFFFF"/>
+                  </a:solidFill>
+                </a14:hiddenFill>
+              </a:ext>
+              <a:ext uri="{91240B29-F687-4F45-9708-019B960494DF}">
+                <a14:hiddenLine xmlns:a14="http://schemas.microsoft.com/office/drawing/2010/main" w="9525">
+                  <a:solidFill>
+                    <a:srgbClr val="000000"/>
+                  </a:solidFill>
+                  <a:miter lim="800000"/>
+                  <a:headEnd/>
+                  <a:tailEnd/>
+                </a14:hiddenLine>
               </a:ext>
             </a:extLst>
-          </p:cNvPr>
-          <p:cNvCxnSpPr/>
-          <p:nvPr/>
-        </p:nvCxnSpPr>
-        <p:spPr>
-          <a:xfrm>
-            <a:off x="120650" y="2790825"/>
-            <a:ext cx="6003925" cy="0"/>
-          </a:xfrm>
-          <a:prstGeom prst="line">
-            <a:avLst/>
-          </a:prstGeom>
-          <a:ln w="25400" cmpd="sng">
-            <a:solidFill>
-              <a:schemeClr val="tx1">
-                <a:lumMod val="50000"/>
-                <a:lumOff val="50000"/>
-              </a:schemeClr>
-            </a:solidFill>
-            <a:prstDash val="dash"/>
-          </a:ln>
-        </p:spPr>
-        <p:style>
-          <a:lnRef idx="1">
-            <a:schemeClr val="accent1"/>
-          </a:lnRef>
-          <a:fillRef idx="0">
-            <a:schemeClr val="accent1"/>
-          </a:fillRef>
-          <a:effectRef idx="0">
-            <a:schemeClr val="accent1"/>
-          </a:effectRef>
-          <a:fontRef idx="minor">
-            <a:schemeClr val="tx1"/>
-          </a:fontRef>
-        </p:style>
-      </p:cxnSp>
-      <p:sp>
-        <p:nvSpPr>
-          <p:cNvPr id="12" name="矩形 11">
+          </p:spPr>
+          <p:txBody>
+            <a:bodyPr lIns="0" tIns="0" rIns="0" bIns="0">
+              <a:spAutoFit/>
+            </a:bodyPr>
+            <a:lstStyle/>
+            <a:p>
+              <a:r>
+                <a:rPr lang="en-US" altLang="zh-CN" sz="1800" dirty="0"/>
+                <a:t>PM (log)</a:t>
+              </a:r>
+              <a:endParaRPr lang="en-US" altLang="zh-CN" sz="1800" dirty="0"/>
+            </a:p>
+          </p:txBody>
+        </p:sp>
+        <p:sp>
+          <p:nvSpPr>
+            <p:cNvPr id="2071" name="文本框 23"/>
+            <p:cNvSpPr txBox="1">
+              <a:spLocks noChangeArrowheads="1"/>
+            </p:cNvSpPr>
+            <p:nvPr/>
+          </p:nvSpPr>
+          <p:spPr bwMode="auto">
+            <a:xfrm>
+              <a:off x="8274" y="669"/>
+              <a:ext cx="2259" cy="580"/>
+            </a:xfrm>
+            <a:prstGeom prst="rect">
+              <a:avLst/>
+            </a:prstGeom>
+            <a:noFill/>
+            <a:ln>
+              <a:noFill/>
+            </a:ln>
             <a:extLst>
-              <a:ext uri="{FF2B5EF4-FFF2-40B4-BE49-F238E27FC236}">
-                <a16:creationId xmlns:a16="http://schemas.microsoft.com/office/drawing/2014/main" id="{803573BC-A02A-C295-0EDE-9972161DA7E1}"/>
+              <a:ext uri="{909E8E84-426E-40DD-AFC4-6F175D3DCCD1}">
+                <a14:hiddenFill xmlns:a14="http://schemas.microsoft.com/office/drawing/2010/main">
+                  <a:solidFill>
+                    <a:srgbClr val="FFFFFF"/>
+                  </a:solidFill>
+                </a14:hiddenFill>
+              </a:ext>
+              <a:ext uri="{91240B29-F687-4F45-9708-019B960494DF}">
+                <a14:hiddenLine xmlns:a14="http://schemas.microsoft.com/office/drawing/2010/main" w="9525">
+                  <a:solidFill>
+                    <a:srgbClr val="000000"/>
+                  </a:solidFill>
+                  <a:miter lim="800000"/>
+                  <a:headEnd/>
+                  <a:tailEnd/>
+                </a14:hiddenLine>
               </a:ext>
             </a:extLst>
-          </p:cNvPr>
-          <p:cNvSpPr/>
-          <p:nvPr/>
-        </p:nvSpPr>
-        <p:spPr>
-          <a:xfrm>
-            <a:off x="1266825" y="468313"/>
-            <a:ext cx="3775075" cy="603250"/>
-          </a:xfrm>
-          <a:prstGeom prst="rect">
-            <a:avLst/>
-          </a:prstGeom>
-          <a:solidFill>
-            <a:srgbClr val="74B230"/>
-          </a:solidFill>
-          <a:ln w="25400">
-            <a:solidFill>
-              <a:schemeClr val="tx1"/>
-            </a:solidFill>
-          </a:ln>
-        </p:spPr>
-        <p:style>
-          <a:lnRef idx="2">
-            <a:schemeClr val="accent1">
-              <a:shade val="50000"/>
-            </a:schemeClr>
-          </a:lnRef>
-          <a:fillRef idx="1">
-            <a:schemeClr val="accent1"/>
-          </a:fillRef>
-          <a:effectRef idx="0">
-            <a:schemeClr val="accent1"/>
-          </a:effectRef>
-          <a:fontRef idx="minor">
-            <a:schemeClr val="lt1"/>
-          </a:fontRef>
-        </p:style>
-        <p:txBody>
-          <a:bodyPr anchor="ctr"/>
-          <a:lstStyle/>
-          <a:p>
-            <a:pPr algn="ctr"/>
-            <a:r>
-              <a:rPr lang="en-US" altLang="zh-CN" sz="1600" noProof="1"/>
-              <a:t>Hotness-Aware Map</a:t>
-            </a:r>
-          </a:p>
-        </p:txBody>
-      </p:sp>
-      <p:sp>
-        <p:nvSpPr>
-          <p:cNvPr id="13" name="等腰三角形 12">
-            <a:extLst>
-              <a:ext uri="{FF2B5EF4-FFF2-40B4-BE49-F238E27FC236}">
-                <a16:creationId xmlns:a16="http://schemas.microsoft.com/office/drawing/2014/main" id="{4395B9F1-06DF-54C1-EC31-E417276DBA6D}"/>
-              </a:ext>
-            </a:extLst>
-          </p:cNvPr>
-          <p:cNvSpPr/>
-          <p:nvPr/>
-        </p:nvSpPr>
-        <p:spPr>
-          <a:xfrm>
-            <a:off x="631825" y="1501775"/>
-            <a:ext cx="4979988" cy="1128713"/>
-          </a:xfrm>
-          <a:prstGeom prst="triangle">
-            <a:avLst/>
-          </a:prstGeom>
-          <a:solidFill>
-            <a:srgbClr val="48A7AE"/>
-          </a:solidFill>
-          <a:ln w="25400">
-            <a:solidFill>
-              <a:schemeClr val="tx1"/>
-            </a:solidFill>
-          </a:ln>
-        </p:spPr>
-        <p:style>
-          <a:lnRef idx="2">
-            <a:schemeClr val="accent1">
-              <a:shade val="50000"/>
-            </a:schemeClr>
-          </a:lnRef>
-          <a:fillRef idx="1">
-            <a:schemeClr val="accent1"/>
-          </a:fillRef>
-          <a:effectRef idx="0">
-            <a:schemeClr val="accent1"/>
-          </a:effectRef>
-          <a:fontRef idx="minor">
-            <a:schemeClr val="lt1"/>
-          </a:fontRef>
-        </p:style>
-        <p:txBody>
-          <a:bodyPr anchor="ctr"/>
-          <a:lstStyle/>
-          <a:p>
-            <a:pPr algn="ctr"/>
-            <a:r>
-              <a:rPr lang="en-US" altLang="zh-CN" sz="1600" noProof="1"/>
-              <a:t>Index</a:t>
-            </a:r>
-          </a:p>
-          <a:p>
-            <a:pPr algn="ctr"/>
-            <a:r>
-              <a:rPr lang="en-US" altLang="zh-CN" sz="1600" noProof="1"/>
-              <a:t>(e.g., CCEH, Fast&amp;Fair)</a:t>
-            </a:r>
-          </a:p>
-        </p:txBody>
-      </p:sp>
-      <p:sp>
-        <p:nvSpPr>
-          <p:cNvPr id="2054" name="文本框 39">
-            <a:extLst>
-              <a:ext uri="{FF2B5EF4-FFF2-40B4-BE49-F238E27FC236}">
-                <a16:creationId xmlns:a16="http://schemas.microsoft.com/office/drawing/2014/main" id="{B251F50D-AE4D-3289-C2F0-957CB758852F}"/>
-              </a:ext>
-            </a:extLst>
-          </p:cNvPr>
-          <p:cNvSpPr txBox="1">
-            <a:spLocks noChangeArrowheads="1"/>
-          </p:cNvSpPr>
-          <p:nvPr/>
-        </p:nvSpPr>
-        <p:spPr bwMode="auto">
-          <a:xfrm>
-            <a:off x="120650" y="107950"/>
-            <a:ext cx="898525" cy="246221"/>
-          </a:xfrm>
-          <a:prstGeom prst="rect">
-            <a:avLst/>
-          </a:prstGeom>
-          <a:noFill/>
-          <a:ln>
-            <a:noFill/>
-          </a:ln>
-          <a:extLst>
-            <a:ext uri="{909E8E84-426E-40DD-AFC4-6F175D3DCCD1}">
-              <a14:hiddenFill xmlns:a14="http://schemas.microsoft.com/office/drawing/2010/main">
-                <a:solidFill>
-                  <a:srgbClr val="FFFFFF"/>
-                </a:solidFill>
-              </a14:hiddenFill>
-            </a:ext>
-            <a:ext uri="{91240B29-F687-4F45-9708-019B960494DF}">
-              <a14:hiddenLine xmlns:a14="http://schemas.microsoft.com/office/drawing/2010/main" w="9525">
-                <a:solidFill>
-                  <a:srgbClr val="000000"/>
-                </a:solidFill>
-                <a:miter lim="800000"/>
-                <a:headEnd/>
-                <a:tailEnd/>
-              </a14:hiddenLine>
-            </a:ext>
-          </a:extLst>
-        </p:spPr>
-        <p:txBody>
-          <a:bodyPr lIns="0" tIns="0" rIns="0" bIns="0">
-            <a:spAutoFit/>
-          </a:bodyPr>
-          <a:lstStyle/>
-          <a:p>
-            <a:r>
-              <a:rPr lang="en-US" altLang="zh-CN" sz="1600" dirty="0"/>
-              <a:t>DRAM</a:t>
-            </a:r>
-          </a:p>
-        </p:txBody>
-      </p:sp>
-      <p:sp>
-        <p:nvSpPr>
-          <p:cNvPr id="2055" name="文本框 41">
-            <a:extLst>
-              <a:ext uri="{FF2B5EF4-FFF2-40B4-BE49-F238E27FC236}">
-                <a16:creationId xmlns:a16="http://schemas.microsoft.com/office/drawing/2014/main" id="{DC65422A-4986-066F-E5A3-E262C5374D99}"/>
-              </a:ext>
-            </a:extLst>
-          </p:cNvPr>
-          <p:cNvSpPr txBox="1">
-            <a:spLocks noChangeArrowheads="1"/>
-          </p:cNvSpPr>
-          <p:nvPr/>
-        </p:nvSpPr>
-        <p:spPr bwMode="auto">
-          <a:xfrm>
-            <a:off x="120650" y="1349375"/>
-            <a:ext cx="1163638" cy="246221"/>
-          </a:xfrm>
-          <a:prstGeom prst="rect">
-            <a:avLst/>
-          </a:prstGeom>
-          <a:noFill/>
-          <a:ln>
-            <a:noFill/>
-          </a:ln>
-          <a:extLst>
-            <a:ext uri="{909E8E84-426E-40DD-AFC4-6F175D3DCCD1}">
-              <a14:hiddenFill xmlns:a14="http://schemas.microsoft.com/office/drawing/2010/main">
-                <a:solidFill>
-                  <a:srgbClr val="FFFFFF"/>
-                </a:solidFill>
-              </a14:hiddenFill>
-            </a:ext>
-            <a:ext uri="{91240B29-F687-4F45-9708-019B960494DF}">
-              <a14:hiddenLine xmlns:a14="http://schemas.microsoft.com/office/drawing/2010/main" w="9525">
-                <a:solidFill>
-                  <a:srgbClr val="000000"/>
-                </a:solidFill>
-                <a:miter lim="800000"/>
-                <a:headEnd/>
-                <a:tailEnd/>
-              </a14:hiddenLine>
-            </a:ext>
-          </a:extLst>
-        </p:spPr>
-        <p:txBody>
-          <a:bodyPr lIns="0" tIns="0" rIns="0" bIns="0">
-            <a:spAutoFit/>
-          </a:bodyPr>
-          <a:lstStyle/>
-          <a:p>
-            <a:r>
-              <a:rPr lang="en-US" altLang="zh-CN" sz="1600" dirty="0"/>
-              <a:t>DRAM/PM</a:t>
-            </a:r>
-          </a:p>
-        </p:txBody>
-      </p:sp>
-      <p:sp>
-        <p:nvSpPr>
-          <p:cNvPr id="2056" name="文本框 51">
-            <a:extLst>
-              <a:ext uri="{FF2B5EF4-FFF2-40B4-BE49-F238E27FC236}">
-                <a16:creationId xmlns:a16="http://schemas.microsoft.com/office/drawing/2014/main" id="{F6209081-82A8-78FF-F281-775D0C97EBA6}"/>
-              </a:ext>
-            </a:extLst>
-          </p:cNvPr>
-          <p:cNvSpPr txBox="1">
-            <a:spLocks noChangeArrowheads="1"/>
-          </p:cNvSpPr>
-          <p:nvPr/>
-        </p:nvSpPr>
-        <p:spPr bwMode="auto">
-          <a:xfrm>
-            <a:off x="120650" y="2789238"/>
-            <a:ext cx="1079500" cy="246221"/>
-          </a:xfrm>
-          <a:prstGeom prst="rect">
-            <a:avLst/>
-          </a:prstGeom>
-          <a:noFill/>
-          <a:ln>
-            <a:noFill/>
-          </a:ln>
-          <a:extLst>
-            <a:ext uri="{909E8E84-426E-40DD-AFC4-6F175D3DCCD1}">
-              <a14:hiddenFill xmlns:a14="http://schemas.microsoft.com/office/drawing/2010/main">
-                <a:solidFill>
-                  <a:srgbClr val="FFFFFF"/>
-                </a:solidFill>
-              </a14:hiddenFill>
-            </a:ext>
-            <a:ext uri="{91240B29-F687-4F45-9708-019B960494DF}">
-              <a14:hiddenLine xmlns:a14="http://schemas.microsoft.com/office/drawing/2010/main" w="9525">
-                <a:solidFill>
-                  <a:srgbClr val="000000"/>
-                </a:solidFill>
-                <a:miter lim="800000"/>
-                <a:headEnd/>
-                <a:tailEnd/>
-              </a14:hiddenLine>
-            </a:ext>
-          </a:extLst>
-        </p:spPr>
-        <p:txBody>
-          <a:bodyPr lIns="0" tIns="0" rIns="0" bIns="0">
-            <a:spAutoFit/>
-          </a:bodyPr>
-          <a:lstStyle/>
-          <a:p>
-            <a:r>
-              <a:rPr lang="en-US" altLang="zh-CN" sz="1600" dirty="0"/>
-              <a:t>PM (log)</a:t>
-            </a:r>
-          </a:p>
-        </p:txBody>
-      </p:sp>
-      <p:sp>
-        <p:nvSpPr>
-          <p:cNvPr id="6" name="矩形 5">
-            <a:extLst>
-              <a:ext uri="{FF2B5EF4-FFF2-40B4-BE49-F238E27FC236}">
-                <a16:creationId xmlns:a16="http://schemas.microsoft.com/office/drawing/2014/main" id="{9470C8F9-70C4-9CA3-E239-6BB07E7058C3}"/>
-              </a:ext>
-            </a:extLst>
-          </p:cNvPr>
-          <p:cNvSpPr/>
-          <p:nvPr/>
-        </p:nvSpPr>
-        <p:spPr>
-          <a:xfrm>
-            <a:off x="1258888" y="3519488"/>
-            <a:ext cx="3733800" cy="555625"/>
-          </a:xfrm>
-          <a:prstGeom prst="rect">
-            <a:avLst/>
-          </a:prstGeom>
-          <a:solidFill>
-            <a:schemeClr val="accent6">
-              <a:lumMod val="60000"/>
-              <a:lumOff val="40000"/>
-            </a:schemeClr>
-          </a:solidFill>
-          <a:ln w="25400">
-            <a:solidFill>
-              <a:schemeClr val="tx1"/>
-            </a:solidFill>
-          </a:ln>
-        </p:spPr>
-        <p:style>
-          <a:lnRef idx="2">
-            <a:schemeClr val="accent1">
-              <a:shade val="50000"/>
-            </a:schemeClr>
-          </a:lnRef>
-          <a:fillRef idx="1">
-            <a:schemeClr val="accent1"/>
-          </a:fillRef>
-          <a:effectRef idx="0">
-            <a:schemeClr val="accent1"/>
-          </a:effectRef>
-          <a:fontRef idx="minor">
-            <a:schemeClr val="lt1"/>
-          </a:fontRef>
-        </p:style>
-        <p:txBody>
-          <a:bodyPr lIns="0" tIns="0" rIns="0" bIns="0" anchor="ctr"/>
-          <a:lstStyle/>
-          <a:p>
-            <a:pPr algn="ctr"/>
-            <a:r>
-              <a:rPr lang="en-US" altLang="zh-CN" sz="1600" noProof="1"/>
-              <a:t>Normal Log Area</a:t>
-            </a:r>
-          </a:p>
-        </p:txBody>
-      </p:sp>
-      <p:sp>
-        <p:nvSpPr>
-          <p:cNvPr id="7" name="矩形 6">
-            <a:extLst>
-              <a:ext uri="{FF2B5EF4-FFF2-40B4-BE49-F238E27FC236}">
-                <a16:creationId xmlns:a16="http://schemas.microsoft.com/office/drawing/2014/main" id="{BDBBD050-F703-9597-8E68-AFB540B22863}"/>
-              </a:ext>
-            </a:extLst>
-          </p:cNvPr>
-          <p:cNvSpPr/>
-          <p:nvPr/>
-        </p:nvSpPr>
-        <p:spPr>
-          <a:xfrm>
-            <a:off x="1258888" y="4184650"/>
-            <a:ext cx="3735387" cy="557213"/>
-          </a:xfrm>
-          <a:prstGeom prst="rect">
-            <a:avLst/>
-          </a:prstGeom>
-          <a:solidFill>
-            <a:schemeClr val="accent6">
-              <a:lumMod val="60000"/>
-              <a:lumOff val="40000"/>
-            </a:schemeClr>
-          </a:solidFill>
-          <a:ln w="25400">
-            <a:solidFill>
-              <a:schemeClr val="tx1"/>
-            </a:solidFill>
-          </a:ln>
-        </p:spPr>
-        <p:style>
-          <a:lnRef idx="2">
-            <a:schemeClr val="accent1">
-              <a:shade val="50000"/>
-            </a:schemeClr>
-          </a:lnRef>
-          <a:fillRef idx="1">
-            <a:schemeClr val="accent1"/>
-          </a:fillRef>
-          <a:effectRef idx="0">
-            <a:schemeClr val="accent1"/>
-          </a:effectRef>
-          <a:fontRef idx="minor">
-            <a:schemeClr val="lt1"/>
-          </a:fontRef>
-        </p:style>
-        <p:txBody>
-          <a:bodyPr lIns="0" tIns="0" rIns="0" bIns="0" anchor="ctr"/>
-          <a:lstStyle/>
-          <a:p>
-            <a:pPr algn="ctr"/>
-            <a:r>
-              <a:rPr lang="en-US" altLang="zh-CN" sz="1600" noProof="1"/>
-              <a:t>Normal Log Area</a:t>
-            </a:r>
-          </a:p>
-        </p:txBody>
-      </p:sp>
-      <p:sp>
-        <p:nvSpPr>
-          <p:cNvPr id="8" name="矩形 7">
-            <a:extLst>
-              <a:ext uri="{FF2B5EF4-FFF2-40B4-BE49-F238E27FC236}">
-                <a16:creationId xmlns:a16="http://schemas.microsoft.com/office/drawing/2014/main" id="{A4D28297-D5B7-711C-A5D3-AEB4DAA15D55}"/>
-              </a:ext>
-            </a:extLst>
-          </p:cNvPr>
-          <p:cNvSpPr/>
-          <p:nvPr/>
-        </p:nvSpPr>
-        <p:spPr>
-          <a:xfrm>
-            <a:off x="3125788" y="3095625"/>
-            <a:ext cx="1868487" cy="341313"/>
-          </a:xfrm>
-          <a:prstGeom prst="rect">
-            <a:avLst/>
-          </a:prstGeom>
-          <a:solidFill>
-            <a:srgbClr val="EE7228"/>
-          </a:solidFill>
-          <a:ln w="25400">
-            <a:solidFill>
-              <a:schemeClr val="tx1"/>
-            </a:solidFill>
-          </a:ln>
-        </p:spPr>
-        <p:style>
-          <a:lnRef idx="2">
-            <a:schemeClr val="accent1">
-              <a:shade val="50000"/>
-            </a:schemeClr>
-          </a:lnRef>
-          <a:fillRef idx="1">
-            <a:schemeClr val="accent1"/>
-          </a:fillRef>
-          <a:effectRef idx="0">
-            <a:schemeClr val="accent1"/>
-          </a:effectRef>
-          <a:fontRef idx="minor">
-            <a:schemeClr val="lt1"/>
-          </a:fontRef>
-        </p:style>
-        <p:txBody>
-          <a:bodyPr lIns="0" tIns="0" rIns="0" bIns="0" anchor="ctr"/>
-          <a:lstStyle/>
-          <a:p>
-            <a:pPr algn="ctr"/>
-            <a:r>
-              <a:rPr lang="en-US" altLang="zh-CN" sz="1600" noProof="1"/>
-              <a:t>IGC Log Free-list</a:t>
-            </a:r>
-          </a:p>
-        </p:txBody>
-      </p:sp>
-      <p:sp>
-        <p:nvSpPr>
-          <p:cNvPr id="2060" name="文本框 9">
-            <a:extLst>
-              <a:ext uri="{FF2B5EF4-FFF2-40B4-BE49-F238E27FC236}">
-                <a16:creationId xmlns:a16="http://schemas.microsoft.com/office/drawing/2014/main" id="{A9E35244-220C-B169-1365-53B66D34B85F}"/>
-              </a:ext>
-            </a:extLst>
-          </p:cNvPr>
-          <p:cNvSpPr txBox="1">
-            <a:spLocks noChangeArrowheads="1"/>
-          </p:cNvSpPr>
-          <p:nvPr/>
-        </p:nvSpPr>
-        <p:spPr bwMode="auto">
-          <a:xfrm>
-            <a:off x="41274" y="3141899"/>
-            <a:ext cx="985838" cy="246221"/>
-          </a:xfrm>
-          <a:prstGeom prst="rect">
-            <a:avLst/>
-          </a:prstGeom>
-          <a:noFill/>
-          <a:ln>
-            <a:noFill/>
-          </a:ln>
-          <a:extLst>
-            <a:ext uri="{909E8E84-426E-40DD-AFC4-6F175D3DCCD1}">
-              <a14:hiddenFill xmlns:a14="http://schemas.microsoft.com/office/drawing/2010/main">
-                <a:solidFill>
-                  <a:srgbClr val="FFFFFF"/>
-                </a:solidFill>
-              </a14:hiddenFill>
-            </a:ext>
-            <a:ext uri="{91240B29-F687-4F45-9708-019B960494DF}">
-              <a14:hiddenLine xmlns:a14="http://schemas.microsoft.com/office/drawing/2010/main" w="9525">
-                <a:solidFill>
-                  <a:srgbClr val="000000"/>
-                </a:solidFill>
-                <a:miter lim="800000"/>
-                <a:headEnd/>
-                <a:tailEnd/>
-              </a14:hiddenLine>
-            </a:ext>
-          </a:extLst>
-        </p:spPr>
-        <p:txBody>
-          <a:bodyPr lIns="0" tIns="0" rIns="0" bIns="0">
-            <a:spAutoFit/>
-          </a:bodyPr>
-          <a:lstStyle/>
-          <a:p>
-            <a:pPr algn="r"/>
-            <a:r>
-              <a:rPr lang="en-US" altLang="zh-CN" sz="1600" dirty="0"/>
-              <a:t>class 1/2</a:t>
-            </a:r>
-          </a:p>
-        </p:txBody>
-      </p:sp>
-      <p:sp>
-        <p:nvSpPr>
-          <p:cNvPr id="11" name="左大括号 10">
-            <a:extLst>
-              <a:ext uri="{FF2B5EF4-FFF2-40B4-BE49-F238E27FC236}">
-                <a16:creationId xmlns:a16="http://schemas.microsoft.com/office/drawing/2014/main" id="{45D96A98-C4CD-C5F8-876D-E113E9C9C1A1}"/>
-              </a:ext>
-            </a:extLst>
-          </p:cNvPr>
-          <p:cNvSpPr/>
-          <p:nvPr/>
-        </p:nvSpPr>
-        <p:spPr>
-          <a:xfrm>
-            <a:off x="1089025" y="3540125"/>
-            <a:ext cx="107950" cy="1208088"/>
-          </a:xfrm>
-          <a:prstGeom prst="leftBrace">
-            <a:avLst/>
-          </a:prstGeom>
-          <a:ln w="12700">
-            <a:solidFill>
-              <a:schemeClr val="tx1"/>
-            </a:solidFill>
-          </a:ln>
-        </p:spPr>
-        <p:style>
-          <a:lnRef idx="1">
-            <a:schemeClr val="accent1"/>
-          </a:lnRef>
-          <a:fillRef idx="0">
-            <a:schemeClr val="accent1"/>
-          </a:fillRef>
-          <a:effectRef idx="0">
-            <a:schemeClr val="accent1"/>
-          </a:effectRef>
-          <a:fontRef idx="minor">
-            <a:schemeClr val="tx1"/>
-          </a:fontRef>
-        </p:style>
-        <p:txBody>
-          <a:bodyPr anchor="ctr"/>
-          <a:lstStyle/>
-          <a:p>
-            <a:pPr algn="ctr"/>
-            <a:endParaRPr lang="zh-CN" altLang="en-US" sz="100" noProof="1"/>
-          </a:p>
-        </p:txBody>
-      </p:sp>
-      <p:sp>
-        <p:nvSpPr>
-          <p:cNvPr id="14" name="右大括号 13">
-            <a:extLst>
-              <a:ext uri="{FF2B5EF4-FFF2-40B4-BE49-F238E27FC236}">
-                <a16:creationId xmlns:a16="http://schemas.microsoft.com/office/drawing/2014/main" id="{29BE722E-847B-7783-12B1-1EC996A8231D}"/>
-              </a:ext>
-            </a:extLst>
-          </p:cNvPr>
-          <p:cNvSpPr/>
-          <p:nvPr/>
-        </p:nvSpPr>
-        <p:spPr>
-          <a:xfrm>
-            <a:off x="5168900" y="3130550"/>
-            <a:ext cx="76200" cy="927100"/>
-          </a:xfrm>
-          <a:prstGeom prst="rightBrace">
-            <a:avLst/>
-          </a:prstGeom>
-          <a:ln w="19050">
-            <a:solidFill>
-              <a:schemeClr val="tx1"/>
-            </a:solidFill>
-          </a:ln>
-        </p:spPr>
-        <p:style>
-          <a:lnRef idx="1">
-            <a:schemeClr val="accent1"/>
-          </a:lnRef>
-          <a:fillRef idx="0">
-            <a:schemeClr val="accent1"/>
-          </a:fillRef>
-          <a:effectRef idx="0">
-            <a:schemeClr val="accent1"/>
-          </a:effectRef>
-          <a:fontRef idx="minor">
-            <a:schemeClr val="tx1"/>
-          </a:fontRef>
-        </p:style>
-        <p:txBody>
-          <a:bodyPr anchor="ctr"/>
-          <a:lstStyle/>
-          <a:p>
-            <a:pPr algn="ctr"/>
-            <a:endParaRPr lang="zh-CN" altLang="en-US" sz="100" noProof="1"/>
-          </a:p>
-        </p:txBody>
-      </p:sp>
-      <p:sp>
-        <p:nvSpPr>
-          <p:cNvPr id="15" name="右大括号 14">
-            <a:extLst>
-              <a:ext uri="{FF2B5EF4-FFF2-40B4-BE49-F238E27FC236}">
-                <a16:creationId xmlns:a16="http://schemas.microsoft.com/office/drawing/2014/main" id="{1FD77D98-BCC0-778E-39DE-6340D1F8960D}"/>
-              </a:ext>
-            </a:extLst>
-          </p:cNvPr>
-          <p:cNvSpPr/>
-          <p:nvPr/>
-        </p:nvSpPr>
-        <p:spPr>
-          <a:xfrm>
-            <a:off x="5168900" y="4184650"/>
-            <a:ext cx="79375" cy="542925"/>
-          </a:xfrm>
-          <a:prstGeom prst="rightBrace">
-            <a:avLst/>
-          </a:prstGeom>
-          <a:ln w="19050">
-            <a:solidFill>
-              <a:schemeClr val="tx1"/>
-            </a:solidFill>
-          </a:ln>
-        </p:spPr>
-        <p:style>
-          <a:lnRef idx="1">
-            <a:schemeClr val="accent1"/>
-          </a:lnRef>
-          <a:fillRef idx="0">
-            <a:schemeClr val="accent1"/>
-          </a:fillRef>
-          <a:effectRef idx="0">
-            <a:schemeClr val="accent1"/>
-          </a:effectRef>
-          <a:fontRef idx="minor">
-            <a:schemeClr val="tx1"/>
-          </a:fontRef>
-        </p:style>
-        <p:txBody>
-          <a:bodyPr anchor="ctr"/>
-          <a:lstStyle/>
-          <a:p>
-            <a:pPr algn="ctr"/>
-            <a:endParaRPr lang="zh-CN" altLang="en-US" sz="100" noProof="1"/>
-          </a:p>
-        </p:txBody>
-      </p:sp>
-      <p:sp>
-        <p:nvSpPr>
-          <p:cNvPr id="2064" name="文本框 9">
-            <a:extLst>
-              <a:ext uri="{FF2B5EF4-FFF2-40B4-BE49-F238E27FC236}">
-                <a16:creationId xmlns:a16="http://schemas.microsoft.com/office/drawing/2014/main" id="{AEB44772-ABEE-813A-A7C6-318138FFEA82}"/>
-              </a:ext>
-            </a:extLst>
-          </p:cNvPr>
-          <p:cNvSpPr txBox="1">
-            <a:spLocks noChangeArrowheads="1"/>
-          </p:cNvSpPr>
-          <p:nvPr/>
-        </p:nvSpPr>
-        <p:spPr bwMode="auto">
-          <a:xfrm>
-            <a:off x="5192713" y="3445589"/>
-            <a:ext cx="1354137" cy="246221"/>
-          </a:xfrm>
-          <a:prstGeom prst="rect">
-            <a:avLst/>
-          </a:prstGeom>
-          <a:noFill/>
-          <a:ln>
-            <a:noFill/>
-          </a:ln>
-          <a:extLst>
-            <a:ext uri="{909E8E84-426E-40DD-AFC4-6F175D3DCCD1}">
-              <a14:hiddenFill xmlns:a14="http://schemas.microsoft.com/office/drawing/2010/main">
-                <a:solidFill>
-                  <a:srgbClr val="FFFFFF"/>
-                </a:solidFill>
-              </a14:hiddenFill>
-            </a:ext>
-            <a:ext uri="{91240B29-F687-4F45-9708-019B960494DF}">
-              <a14:hiddenLine xmlns:a14="http://schemas.microsoft.com/office/drawing/2010/main" w="9525">
-                <a:solidFill>
-                  <a:srgbClr val="000000"/>
-                </a:solidFill>
-                <a:miter lim="800000"/>
-                <a:headEnd/>
-                <a:tailEnd/>
-              </a14:hiddenLine>
-            </a:ext>
-          </a:extLst>
-        </p:spPr>
-        <p:txBody>
-          <a:bodyPr lIns="0" tIns="0" rIns="0" bIns="0">
-            <a:spAutoFit/>
-          </a:bodyPr>
-          <a:lstStyle/>
-          <a:p>
-            <a:pPr algn="ctr"/>
-            <a:r>
-              <a:rPr lang="en-US" altLang="zh-CN" sz="1600" dirty="0"/>
-              <a:t>near storage</a:t>
-            </a:r>
-          </a:p>
-        </p:txBody>
-      </p:sp>
-      <p:sp>
-        <p:nvSpPr>
-          <p:cNvPr id="2065" name="文本框 9">
-            <a:extLst>
-              <a:ext uri="{FF2B5EF4-FFF2-40B4-BE49-F238E27FC236}">
-                <a16:creationId xmlns:a16="http://schemas.microsoft.com/office/drawing/2014/main" id="{06B4F5AD-B6EE-1170-A5B7-E0C4B76C26C5}"/>
-              </a:ext>
-            </a:extLst>
-          </p:cNvPr>
-          <p:cNvSpPr txBox="1">
-            <a:spLocks noChangeArrowheads="1"/>
-          </p:cNvSpPr>
-          <p:nvPr/>
-        </p:nvSpPr>
-        <p:spPr bwMode="auto">
-          <a:xfrm>
-            <a:off x="5192713" y="4319902"/>
-            <a:ext cx="1560512" cy="246221"/>
-          </a:xfrm>
-          <a:prstGeom prst="rect">
-            <a:avLst/>
-          </a:prstGeom>
-          <a:noFill/>
-          <a:ln>
-            <a:noFill/>
-          </a:ln>
-          <a:extLst>
-            <a:ext uri="{909E8E84-426E-40DD-AFC4-6F175D3DCCD1}">
-              <a14:hiddenFill xmlns:a14="http://schemas.microsoft.com/office/drawing/2010/main">
-                <a:solidFill>
-                  <a:srgbClr val="FFFFFF"/>
-                </a:solidFill>
-              </a14:hiddenFill>
-            </a:ext>
-            <a:ext uri="{91240B29-F687-4F45-9708-019B960494DF}">
-              <a14:hiddenLine xmlns:a14="http://schemas.microsoft.com/office/drawing/2010/main" w="9525">
-                <a:solidFill>
-                  <a:srgbClr val="000000"/>
-                </a:solidFill>
-                <a:miter lim="800000"/>
-                <a:headEnd/>
-                <a:tailEnd/>
-              </a14:hiddenLine>
-            </a:ext>
-          </a:extLst>
-        </p:spPr>
-        <p:txBody>
-          <a:bodyPr lIns="0" tIns="0" rIns="0" bIns="0">
-            <a:spAutoFit/>
-          </a:bodyPr>
-          <a:lstStyle/>
-          <a:p>
-            <a:pPr algn="ctr"/>
-            <a:r>
-              <a:rPr lang="en-US" altLang="zh-CN" sz="1600" dirty="0"/>
-              <a:t>remote storage</a:t>
-            </a:r>
-          </a:p>
-        </p:txBody>
-      </p:sp>
-      <p:sp>
-        <p:nvSpPr>
-          <p:cNvPr id="2066" name="文本框 9">
-            <a:extLst>
-              <a:ext uri="{FF2B5EF4-FFF2-40B4-BE49-F238E27FC236}">
-                <a16:creationId xmlns:a16="http://schemas.microsoft.com/office/drawing/2014/main" id="{F7EFB8FA-61ED-F0AD-40F7-15D21CF1531E}"/>
-              </a:ext>
-            </a:extLst>
-          </p:cNvPr>
-          <p:cNvSpPr txBox="1">
-            <a:spLocks noChangeArrowheads="1"/>
-          </p:cNvSpPr>
-          <p:nvPr/>
-        </p:nvSpPr>
-        <p:spPr bwMode="auto">
-          <a:xfrm>
-            <a:off x="135904" y="4020581"/>
-            <a:ext cx="891208" cy="246221"/>
-          </a:xfrm>
-          <a:prstGeom prst="rect">
-            <a:avLst/>
-          </a:prstGeom>
-          <a:noFill/>
-          <a:ln>
-            <a:noFill/>
-          </a:ln>
-          <a:extLst>
-            <a:ext uri="{909E8E84-426E-40DD-AFC4-6F175D3DCCD1}">
-              <a14:hiddenFill xmlns:a14="http://schemas.microsoft.com/office/drawing/2010/main">
-                <a:solidFill>
-                  <a:srgbClr val="FFFFFF"/>
-                </a:solidFill>
-              </a14:hiddenFill>
-            </a:ext>
-            <a:ext uri="{91240B29-F687-4F45-9708-019B960494DF}">
-              <a14:hiddenLine xmlns:a14="http://schemas.microsoft.com/office/drawing/2010/main" w="9525">
-                <a:solidFill>
-                  <a:srgbClr val="000000"/>
-                </a:solidFill>
-                <a:miter lim="800000"/>
-                <a:headEnd/>
-                <a:tailEnd/>
-              </a14:hiddenLine>
-            </a:ext>
-          </a:extLst>
-        </p:spPr>
-        <p:txBody>
-          <a:bodyPr wrap="square" lIns="0" tIns="0" rIns="0" bIns="0">
-            <a:spAutoFit/>
-          </a:bodyPr>
-          <a:lstStyle/>
-          <a:p>
-            <a:pPr algn="r"/>
-            <a:r>
-              <a:rPr lang="en-US" altLang="zh-CN" sz="1600" dirty="0"/>
-              <a:t>class 0</a:t>
-            </a:r>
-          </a:p>
-        </p:txBody>
-      </p:sp>
-      <p:cxnSp>
-        <p:nvCxnSpPr>
-          <p:cNvPr id="19" name="肘形连接符 18">
-            <a:extLst>
-              <a:ext uri="{FF2B5EF4-FFF2-40B4-BE49-F238E27FC236}">
-                <a16:creationId xmlns:a16="http://schemas.microsoft.com/office/drawing/2014/main" id="{4C68B199-A13A-28F6-FBD0-06D2A4929A8D}"/>
-              </a:ext>
-            </a:extLst>
-          </p:cNvPr>
-          <p:cNvCxnSpPr>
-            <a:cxnSpLocks/>
-          </p:cNvCxnSpPr>
-          <p:nvPr/>
-        </p:nvCxnSpPr>
-        <p:spPr>
-          <a:xfrm rot="5400000">
-            <a:off x="4261644" y="840580"/>
-            <a:ext cx="3159125" cy="1693863"/>
-          </a:xfrm>
-          <a:prstGeom prst="bentConnector2">
-            <a:avLst/>
-          </a:prstGeom>
-          <a:ln w="38100" cmpd="sng">
-            <a:solidFill>
-              <a:srgbClr val="C00000"/>
-            </a:solidFill>
-            <a:prstDash val="solid"/>
-            <a:tailEnd type="arrow"/>
-          </a:ln>
-        </p:spPr>
-        <p:style>
-          <a:lnRef idx="1">
-            <a:schemeClr val="accent1"/>
-          </a:lnRef>
-          <a:fillRef idx="0">
-            <a:schemeClr val="accent1"/>
-          </a:fillRef>
-          <a:effectRef idx="0">
-            <a:schemeClr val="accent1"/>
-          </a:effectRef>
-          <a:fontRef idx="minor">
-            <a:schemeClr val="tx1"/>
-          </a:fontRef>
-        </p:style>
-      </p:cxnSp>
-      <p:cxnSp>
-        <p:nvCxnSpPr>
-          <p:cNvPr id="20" name="直接箭头连接符 19">
-            <a:extLst>
-              <a:ext uri="{FF2B5EF4-FFF2-40B4-BE49-F238E27FC236}">
-                <a16:creationId xmlns:a16="http://schemas.microsoft.com/office/drawing/2014/main" id="{EE16CFFA-F029-14F7-8F8D-AAC5D14DB32A}"/>
-              </a:ext>
-            </a:extLst>
-          </p:cNvPr>
-          <p:cNvCxnSpPr>
-            <a:endCxn id="12" idx="3"/>
-          </p:cNvCxnSpPr>
-          <p:nvPr/>
-        </p:nvCxnSpPr>
-        <p:spPr>
-          <a:xfrm flipH="1" flipV="1">
-            <a:off x="5041900" y="769938"/>
-            <a:ext cx="1654175" cy="7937"/>
-          </a:xfrm>
-          <a:prstGeom prst="straightConnector1">
-            <a:avLst/>
-          </a:prstGeom>
-          <a:ln w="38100" cmpd="sng">
-            <a:solidFill>
-              <a:srgbClr val="C00000"/>
-            </a:solidFill>
-            <a:prstDash val="solid"/>
-            <a:tailEnd type="arrow"/>
-          </a:ln>
-        </p:spPr>
-        <p:style>
-          <a:lnRef idx="1">
-            <a:schemeClr val="accent1"/>
-          </a:lnRef>
-          <a:fillRef idx="0">
-            <a:schemeClr val="accent1"/>
-          </a:fillRef>
-          <a:effectRef idx="0">
-            <a:schemeClr val="accent1"/>
-          </a:effectRef>
-          <a:fontRef idx="minor">
-            <a:schemeClr val="tx1"/>
-          </a:fontRef>
-        </p:style>
-      </p:cxnSp>
-      <p:cxnSp>
-        <p:nvCxnSpPr>
-          <p:cNvPr id="21" name="肘形连接符 20">
-            <a:extLst>
-              <a:ext uri="{FF2B5EF4-FFF2-40B4-BE49-F238E27FC236}">
-                <a16:creationId xmlns:a16="http://schemas.microsoft.com/office/drawing/2014/main" id="{6B006A2B-24D1-A639-A53E-D6A42061A951}"/>
-              </a:ext>
-            </a:extLst>
-          </p:cNvPr>
-          <p:cNvCxnSpPr>
-            <a:cxnSpLocks/>
-          </p:cNvCxnSpPr>
-          <p:nvPr/>
-        </p:nvCxnSpPr>
-        <p:spPr>
-          <a:xfrm rot="5400000">
-            <a:off x="4166393" y="934244"/>
-            <a:ext cx="3689352" cy="2036762"/>
-          </a:xfrm>
-          <a:prstGeom prst="bentConnector2">
-            <a:avLst/>
-          </a:prstGeom>
-          <a:ln w="38100" cmpd="sng">
-            <a:solidFill>
-              <a:srgbClr val="0070C0"/>
-            </a:solidFill>
-            <a:prstDash val="solid"/>
-            <a:tailEnd type="arrow"/>
-          </a:ln>
-        </p:spPr>
-        <p:style>
-          <a:lnRef idx="1">
-            <a:schemeClr val="accent1"/>
-          </a:lnRef>
-          <a:fillRef idx="0">
-            <a:schemeClr val="accent1"/>
-          </a:fillRef>
-          <a:effectRef idx="0">
-            <a:schemeClr val="accent1"/>
-          </a:effectRef>
-          <a:fontRef idx="minor">
-            <a:schemeClr val="tx1"/>
-          </a:fontRef>
-        </p:style>
-      </p:cxnSp>
-      <p:cxnSp>
-        <p:nvCxnSpPr>
-          <p:cNvPr id="22" name="肘形连接符 21">
-            <a:extLst>
-              <a:ext uri="{FF2B5EF4-FFF2-40B4-BE49-F238E27FC236}">
-                <a16:creationId xmlns:a16="http://schemas.microsoft.com/office/drawing/2014/main" id="{8E5E2217-2FA2-F111-99DF-08AEC60E5F82}"/>
-              </a:ext>
-            </a:extLst>
-          </p:cNvPr>
-          <p:cNvCxnSpPr>
-            <a:cxnSpLocks/>
-            <a:endCxn id="6" idx="3"/>
-          </p:cNvCxnSpPr>
-          <p:nvPr/>
-        </p:nvCxnSpPr>
-        <p:spPr>
-          <a:xfrm rot="10800000" flipV="1">
-            <a:off x="4992688" y="3797300"/>
-            <a:ext cx="522287" cy="485775"/>
-          </a:xfrm>
-          <a:prstGeom prst="bentConnector3">
-            <a:avLst>
-              <a:gd name="adj1" fmla="val 121"/>
-            </a:avLst>
-          </a:prstGeom>
-          <a:ln w="38100" cmpd="sng">
-            <a:solidFill>
-              <a:srgbClr val="0070C0"/>
-            </a:solidFill>
-            <a:prstDash val="solid"/>
-            <a:tailEnd type="arrow"/>
-          </a:ln>
-        </p:spPr>
-        <p:style>
-          <a:lnRef idx="1">
-            <a:schemeClr val="accent1"/>
-          </a:lnRef>
-          <a:fillRef idx="0">
-            <a:schemeClr val="accent1"/>
-          </a:fillRef>
-          <a:effectRef idx="0">
-            <a:schemeClr val="accent1"/>
-          </a:effectRef>
-          <a:fontRef idx="minor">
-            <a:schemeClr val="tx1"/>
-          </a:fontRef>
-        </p:style>
-      </p:cxnSp>
-      <p:sp>
-        <p:nvSpPr>
-          <p:cNvPr id="2071" name="文本框 23">
-            <a:extLst>
-              <a:ext uri="{FF2B5EF4-FFF2-40B4-BE49-F238E27FC236}">
-                <a16:creationId xmlns:a16="http://schemas.microsoft.com/office/drawing/2014/main" id="{BD487637-2427-B854-7123-FFC6DF29F060}"/>
-              </a:ext>
-            </a:extLst>
-          </p:cNvPr>
-          <p:cNvSpPr txBox="1">
-            <a:spLocks noChangeArrowheads="1"/>
-          </p:cNvSpPr>
-          <p:nvPr/>
-        </p:nvSpPr>
-        <p:spPr bwMode="auto">
-          <a:xfrm>
-            <a:off x="5472113" y="468313"/>
-            <a:ext cx="1216025" cy="336550"/>
-          </a:xfrm>
-          <a:prstGeom prst="rect">
-            <a:avLst/>
-          </a:prstGeom>
-          <a:noFill/>
-          <a:ln>
-            <a:noFill/>
-          </a:ln>
-          <a:extLst>
-            <a:ext uri="{909E8E84-426E-40DD-AFC4-6F175D3DCCD1}">
-              <a14:hiddenFill xmlns:a14="http://schemas.microsoft.com/office/drawing/2010/main">
-                <a:solidFill>
-                  <a:srgbClr val="FFFFFF"/>
-                </a:solidFill>
-              </a14:hiddenFill>
-            </a:ext>
-            <a:ext uri="{91240B29-F687-4F45-9708-019B960494DF}">
-              <a14:hiddenLine xmlns:a14="http://schemas.microsoft.com/office/drawing/2010/main" w="9525">
-                <a:solidFill>
-                  <a:srgbClr val="000000"/>
-                </a:solidFill>
-                <a:miter lim="800000"/>
-                <a:headEnd/>
-                <a:tailEnd/>
-              </a14:hiddenLine>
-            </a:ext>
-          </a:extLst>
-        </p:spPr>
-        <p:txBody>
-          <a:bodyPr>
-            <a:spAutoFit/>
-          </a:bodyPr>
-          <a:lstStyle/>
-          <a:p>
-            <a:pPr algn="ctr"/>
-            <a:r>
-              <a:rPr lang="en-US" altLang="zh-CN" sz="1600" dirty="0">
+          </p:spPr>
+          <p:txBody>
+            <a:bodyPr wrap="square">
+              <a:spAutoFit/>
+            </a:bodyPr>
+            <a:lstStyle/>
+            <a:p>
+              <a:pPr algn="ctr"/>
+              <a:r>
+                <a:rPr lang="en-US" altLang="zh-CN" sz="1800" dirty="0">
+                  <a:solidFill>
+                    <a:srgbClr val="C00000"/>
+                  </a:solidFill>
+                </a:rPr>
+                <a:t>Hot access</a:t>
+              </a:r>
+              <a:endParaRPr lang="en-US" altLang="zh-CN" sz="1800" dirty="0">
                 <a:solidFill>
                   <a:srgbClr val="C00000"/>
                 </a:solidFill>
-              </a:rPr>
-              <a:t>Hot access</a:t>
-            </a:r>
-          </a:p>
-        </p:txBody>
-      </p:sp>
-      <p:sp>
-        <p:nvSpPr>
-          <p:cNvPr id="2072" name="文本框 24">
+              </a:endParaRPr>
+            </a:p>
+          </p:txBody>
+        </p:sp>
+        <p:sp>
+          <p:nvSpPr>
+            <p:cNvPr id="2072" name="文本框 24"/>
+            <p:cNvSpPr txBox="1">
+              <a:spLocks noChangeArrowheads="1"/>
+            </p:cNvSpPr>
+            <p:nvPr/>
+          </p:nvSpPr>
+          <p:spPr bwMode="auto">
+            <a:xfrm>
+              <a:off x="8149" y="2623"/>
+              <a:ext cx="2203" cy="580"/>
+            </a:xfrm>
+            <a:prstGeom prst="rect">
+              <a:avLst/>
+            </a:prstGeom>
+            <a:noFill/>
+            <a:ln>
+              <a:noFill/>
+            </a:ln>
             <a:extLst>
-              <a:ext uri="{FF2B5EF4-FFF2-40B4-BE49-F238E27FC236}">
-                <a16:creationId xmlns:a16="http://schemas.microsoft.com/office/drawing/2014/main" id="{7A38D6DB-F735-B73A-4842-906F6455100B}"/>
+              <a:ext uri="{909E8E84-426E-40DD-AFC4-6F175D3DCCD1}">
+                <a14:hiddenFill xmlns:a14="http://schemas.microsoft.com/office/drawing/2010/main">
+                  <a:solidFill>
+                    <a:srgbClr val="FFFFFF"/>
+                  </a:solidFill>
+                </a14:hiddenFill>
+              </a:ext>
+              <a:ext uri="{91240B29-F687-4F45-9708-019B960494DF}">
+                <a14:hiddenLine xmlns:a14="http://schemas.microsoft.com/office/drawing/2010/main" w="9525">
+                  <a:solidFill>
+                    <a:srgbClr val="000000"/>
+                  </a:solidFill>
+                  <a:miter lim="800000"/>
+                  <a:headEnd/>
+                  <a:tailEnd/>
+                </a14:hiddenLine>
               </a:ext>
             </a:extLst>
-          </p:cNvPr>
-          <p:cNvSpPr txBox="1">
-            <a:spLocks noChangeArrowheads="1"/>
-          </p:cNvSpPr>
-          <p:nvPr/>
-        </p:nvSpPr>
-        <p:spPr bwMode="auto">
-          <a:xfrm rot="-5400000">
-            <a:off x="6223000" y="727075"/>
-            <a:ext cx="1398588" cy="338138"/>
-          </a:xfrm>
-          <a:prstGeom prst="rect">
-            <a:avLst/>
-          </a:prstGeom>
-          <a:noFill/>
-          <a:ln>
-            <a:noFill/>
-          </a:ln>
-          <a:extLst>
-            <a:ext uri="{909E8E84-426E-40DD-AFC4-6F175D3DCCD1}">
-              <a14:hiddenFill xmlns:a14="http://schemas.microsoft.com/office/drawing/2010/main">
-                <a:solidFill>
-                  <a:srgbClr val="FFFFFF"/>
-                </a:solidFill>
-              </a14:hiddenFill>
-            </a:ext>
-            <a:ext uri="{91240B29-F687-4F45-9708-019B960494DF}">
-              <a14:hiddenLine xmlns:a14="http://schemas.microsoft.com/office/drawing/2010/main" w="9525">
-                <a:solidFill>
-                  <a:srgbClr val="000000"/>
-                </a:solidFill>
-                <a:miter lim="800000"/>
-                <a:headEnd/>
-                <a:tailEnd/>
-              </a14:hiddenLine>
-            </a:ext>
-          </a:extLst>
-        </p:spPr>
-        <p:txBody>
-          <a:bodyPr>
-            <a:spAutoFit/>
-          </a:bodyPr>
-          <a:lstStyle/>
-          <a:p>
-            <a:pPr algn="ctr"/>
-            <a:r>
-              <a:rPr lang="en-US" altLang="zh-CN" sz="1600" dirty="0">
+          </p:spPr>
+          <p:txBody>
+            <a:bodyPr>
+              <a:spAutoFit/>
+            </a:bodyPr>
+            <a:lstStyle/>
+            <a:p>
+              <a:pPr algn="ctr"/>
+              <a:r>
+                <a:rPr lang="en-US" altLang="zh-CN" sz="1800" dirty="0">
+                  <a:solidFill>
+                    <a:srgbClr val="0070C0"/>
+                  </a:solidFill>
+                </a:rPr>
+                <a:t>Cold access</a:t>
+              </a:r>
+              <a:endParaRPr lang="en-US" altLang="zh-CN" sz="1800" dirty="0">
                 <a:solidFill>
                   <a:srgbClr val="0070C0"/>
                 </a:solidFill>
-              </a:rPr>
-              <a:t>Cold access</a:t>
-            </a:r>
-          </a:p>
-        </p:txBody>
-      </p:sp>
-      <p:sp>
-        <p:nvSpPr>
-          <p:cNvPr id="34" name="矩形 33">
-            <a:extLst>
-              <a:ext uri="{FF2B5EF4-FFF2-40B4-BE49-F238E27FC236}">
-                <a16:creationId xmlns:a16="http://schemas.microsoft.com/office/drawing/2014/main" id="{18DE36A6-4A19-0453-B50F-5502F7F33FF9}"/>
-              </a:ext>
-            </a:extLst>
-          </p:cNvPr>
-          <p:cNvSpPr/>
-          <p:nvPr/>
-        </p:nvSpPr>
-        <p:spPr>
-          <a:xfrm>
-            <a:off x="1258888" y="3095625"/>
-            <a:ext cx="1866900" cy="341313"/>
-          </a:xfrm>
-          <a:prstGeom prst="rect">
-            <a:avLst/>
-          </a:prstGeom>
-          <a:solidFill>
-            <a:srgbClr val="EE7228"/>
-          </a:solidFill>
-          <a:ln w="25400">
-            <a:solidFill>
+              </a:endParaRPr>
+            </a:p>
+          </p:txBody>
+        </p:sp>
+        <p:cxnSp>
+          <p:nvCxnSpPr>
+            <p:cNvPr id="35" name="直接连接符 34"/>
+            <p:cNvCxnSpPr>
+              <a:endCxn id="6" idx="3"/>
+            </p:cNvCxnSpPr>
+            <p:nvPr/>
+          </p:nvCxnSpPr>
+          <p:spPr>
+            <a:xfrm>
+              <a:off x="3851" y="5157"/>
+              <a:ext cx="0" cy="535"/>
+            </a:xfrm>
+            <a:prstGeom prst="line">
+              <a:avLst/>
+            </a:prstGeom>
+            <a:ln w="19050">
+              <a:solidFill>
+                <a:schemeClr val="tx1"/>
+              </a:solidFill>
+            </a:ln>
+          </p:spPr>
+          <p:style>
+            <a:lnRef idx="1">
+              <a:schemeClr val="accent1"/>
+            </a:lnRef>
+            <a:fillRef idx="0">
+              <a:schemeClr val="accent1"/>
+            </a:fillRef>
+            <a:effectRef idx="0">
+              <a:schemeClr val="accent1"/>
+            </a:effectRef>
+            <a:fontRef idx="minor">
               <a:schemeClr val="tx1"/>
-            </a:solidFill>
-          </a:ln>
-        </p:spPr>
-        <p:style>
-          <a:lnRef idx="2">
-            <a:schemeClr val="accent1">
-              <a:shade val="50000"/>
-            </a:schemeClr>
-          </a:lnRef>
-          <a:fillRef idx="1">
-            <a:schemeClr val="accent1"/>
-          </a:fillRef>
-          <a:effectRef idx="0">
-            <a:schemeClr val="accent1"/>
-          </a:effectRef>
-          <a:fontRef idx="minor">
-            <a:schemeClr val="lt1"/>
-          </a:fontRef>
-        </p:style>
-        <p:txBody>
-          <a:bodyPr lIns="0" tIns="0" rIns="0" bIns="0" anchor="ctr"/>
-          <a:lstStyle/>
-          <a:p>
-            <a:pPr algn="ctr"/>
-            <a:r>
-              <a:rPr lang="en-US" altLang="zh-CN" sz="1600" noProof="1"/>
-              <a:t>IGC Log Free-list</a:t>
-            </a:r>
-          </a:p>
-        </p:txBody>
-      </p:sp>
-      <p:cxnSp>
-        <p:nvCxnSpPr>
-          <p:cNvPr id="35" name="直接连接符 34">
-            <a:extLst>
-              <a:ext uri="{FF2B5EF4-FFF2-40B4-BE49-F238E27FC236}">
-                <a16:creationId xmlns:a16="http://schemas.microsoft.com/office/drawing/2014/main" id="{EA33DC1E-944A-7EB4-4D57-A5CCD4B2046B}"/>
-              </a:ext>
-            </a:extLst>
-          </p:cNvPr>
-          <p:cNvCxnSpPr>
-            <a:endCxn id="6" idx="3"/>
-          </p:cNvCxnSpPr>
-          <p:nvPr/>
-        </p:nvCxnSpPr>
-        <p:spPr>
-          <a:xfrm>
-            <a:off x="3125788" y="3095625"/>
-            <a:ext cx="0" cy="339725"/>
-          </a:xfrm>
-          <a:prstGeom prst="line">
-            <a:avLst/>
-          </a:prstGeom>
-          <a:ln w="19050">
-            <a:solidFill>
+            </a:fontRef>
+          </p:style>
+        </p:cxnSp>
+        <p:grpSp>
+          <p:nvGrpSpPr>
+            <p:cNvPr id="33" name="组合 32"/>
+            <p:cNvGrpSpPr/>
+            <p:nvPr/>
+          </p:nvGrpSpPr>
+          <p:grpSpPr>
+            <a:xfrm>
+              <a:off x="1359" y="5041"/>
+              <a:ext cx="7524" cy="1735"/>
+              <a:chOff x="1462" y="5041"/>
+              <a:chExt cx="7524" cy="1735"/>
+            </a:xfrm>
+          </p:grpSpPr>
+          <p:grpSp>
+            <p:nvGrpSpPr>
+              <p:cNvPr id="31" name="组合 30"/>
+              <p:cNvGrpSpPr/>
+              <p:nvPr/>
+            </p:nvGrpSpPr>
+            <p:grpSpPr>
+              <a:xfrm>
+                <a:off x="1462" y="5041"/>
+                <a:ext cx="2492" cy="1735"/>
+                <a:chOff x="3700" y="5073"/>
+                <a:chExt cx="2492" cy="1735"/>
+              </a:xfrm>
+            </p:grpSpPr>
+            <p:sp>
+              <p:nvSpPr>
+                <p:cNvPr id="2060" name="文本框 9"/>
+                <p:cNvSpPr txBox="1">
+                  <a:spLocks noChangeArrowheads="1"/>
+                </p:cNvSpPr>
+                <p:nvPr/>
+              </p:nvSpPr>
+              <p:spPr bwMode="auto">
+                <a:xfrm>
+                  <a:off x="4194" y="6372"/>
+                  <a:ext cx="1553" cy="436"/>
+                </a:xfrm>
+                <a:prstGeom prst="rect">
+                  <a:avLst/>
+                </a:prstGeom>
+                <a:noFill/>
+                <a:ln>
+                  <a:noFill/>
+                </a:ln>
+                <a:extLst>
+                  <a:ext uri="{909E8E84-426E-40DD-AFC4-6F175D3DCCD1}">
+                    <a14:hiddenFill xmlns:a14="http://schemas.microsoft.com/office/drawing/2010/main">
+                      <a:solidFill>
+                        <a:srgbClr val="FFFFFF"/>
+                      </a:solidFill>
+                    </a14:hiddenFill>
+                  </a:ext>
+                  <a:ext uri="{91240B29-F687-4F45-9708-019B960494DF}">
+                    <a14:hiddenLine xmlns:a14="http://schemas.microsoft.com/office/drawing/2010/main" w="9525">
+                      <a:solidFill>
+                        <a:srgbClr val="000000"/>
+                      </a:solidFill>
+                      <a:miter lim="800000"/>
+                      <a:headEnd/>
+                      <a:tailEnd/>
+                    </a14:hiddenLine>
+                  </a:ext>
+                </a:extLst>
+              </p:spPr>
+              <p:txBody>
+                <a:bodyPr lIns="0" tIns="0" rIns="0" bIns="0">
+                  <a:spAutoFit/>
+                </a:bodyPr>
+                <a:lstStyle/>
+                <a:p>
+                  <a:pPr algn="ctr"/>
+                  <a:r>
+                    <a:rPr lang="en-US" altLang="zh-CN" sz="1800" dirty="0"/>
+                    <a:t>class</a:t>
+                  </a:r>
+                  <a:r>
+                    <a:rPr lang="en-US" altLang="zh-CN" sz="2400" baseline="-25000" dirty="0"/>
+                    <a:t>s</a:t>
+                  </a:r>
+                  <a:r>
+                    <a:rPr lang="en-US" altLang="zh-CN" sz="1800" dirty="0"/>
+                    <a:t> 0</a:t>
+                  </a:r>
+                  <a:endParaRPr lang="en-US" altLang="zh-CN" sz="1800" dirty="0"/>
+                </a:p>
+              </p:txBody>
+            </p:sp>
+            <p:sp>
+              <p:nvSpPr>
+                <p:cNvPr id="6" name="矩形 5"/>
+                <p:cNvSpPr/>
+                <p:nvPr/>
+              </p:nvSpPr>
+              <p:spPr>
+                <a:xfrm>
+                  <a:off x="3700" y="5073"/>
+                  <a:ext cx="2492" cy="1301"/>
+                </a:xfrm>
+                <a:prstGeom prst="rect">
+                  <a:avLst/>
+                </a:prstGeom>
+                <a:solidFill>
+                  <a:schemeClr val="accent6">
+                    <a:lumMod val="60000"/>
+                    <a:lumOff val="40000"/>
+                  </a:schemeClr>
+                </a:solidFill>
+                <a:ln w="25400">
+                  <a:solidFill>
+                    <a:schemeClr val="tx1"/>
+                  </a:solidFill>
+                </a:ln>
+              </p:spPr>
+              <p:style>
+                <a:lnRef idx="2">
+                  <a:schemeClr val="accent1">
+                    <a:shade val="50000"/>
+                  </a:schemeClr>
+                </a:lnRef>
+                <a:fillRef idx="1">
+                  <a:schemeClr val="accent1"/>
+                </a:fillRef>
+                <a:effectRef idx="0">
+                  <a:schemeClr val="accent1"/>
+                </a:effectRef>
+                <a:fontRef idx="minor">
+                  <a:schemeClr val="lt1"/>
+                </a:fontRef>
+              </p:style>
+              <p:txBody>
+                <a:bodyPr lIns="0" tIns="0" rIns="0" bIns="0" anchor="ctr"/>
+                <a:lstStyle/>
+                <a:p>
+                  <a:pPr algn="ctr"/>
+                  <a:r>
+                    <a:rPr lang="en-US" altLang="zh-CN" sz="1800" noProof="1"/>
+                    <a:t>Normal Log Area</a:t>
+                  </a:r>
+                  <a:endParaRPr lang="en-US" altLang="zh-CN" sz="1800" noProof="1"/>
+                </a:p>
+              </p:txBody>
+            </p:sp>
+          </p:grpSp>
+          <p:grpSp>
+            <p:nvGrpSpPr>
+              <p:cNvPr id="32" name="组合 31"/>
+              <p:cNvGrpSpPr/>
+              <p:nvPr/>
+            </p:nvGrpSpPr>
+            <p:grpSpPr>
+              <a:xfrm>
+                <a:off x="6462" y="5042"/>
+                <a:ext cx="2524" cy="1721"/>
+                <a:chOff x="1134" y="5078"/>
+                <a:chExt cx="2524" cy="1721"/>
+              </a:xfrm>
+            </p:grpSpPr>
+            <p:sp>
+              <p:nvSpPr>
+                <p:cNvPr id="2066" name="文本框 9"/>
+                <p:cNvSpPr txBox="1">
+                  <a:spLocks noChangeArrowheads="1"/>
+                </p:cNvSpPr>
+                <p:nvPr/>
+              </p:nvSpPr>
+              <p:spPr bwMode="auto">
+                <a:xfrm>
+                  <a:off x="1699" y="6363"/>
+                  <a:ext cx="1403" cy="436"/>
+                </a:xfrm>
+                <a:prstGeom prst="rect">
+                  <a:avLst/>
+                </a:prstGeom>
+                <a:noFill/>
+                <a:ln>
+                  <a:noFill/>
+                </a:ln>
+                <a:extLst>
+                  <a:ext uri="{909E8E84-426E-40DD-AFC4-6F175D3DCCD1}">
+                    <a14:hiddenFill xmlns:a14="http://schemas.microsoft.com/office/drawing/2010/main">
+                      <a:solidFill>
+                        <a:srgbClr val="FFFFFF"/>
+                      </a:solidFill>
+                    </a14:hiddenFill>
+                  </a:ext>
+                  <a:ext uri="{91240B29-F687-4F45-9708-019B960494DF}">
+                    <a14:hiddenLine xmlns:a14="http://schemas.microsoft.com/office/drawing/2010/main" w="9525">
+                      <a:solidFill>
+                        <a:srgbClr val="000000"/>
+                      </a:solidFill>
+                      <a:miter lim="800000"/>
+                      <a:headEnd/>
+                      <a:tailEnd/>
+                    </a14:hiddenLine>
+                  </a:ext>
+                </a:extLst>
+              </p:spPr>
+              <p:txBody>
+                <a:bodyPr wrap="square" lIns="0" tIns="0" rIns="0" bIns="0">
+                  <a:spAutoFit/>
+                </a:bodyPr>
+                <a:lstStyle/>
+                <a:p>
+                  <a:pPr algn="ctr"/>
+                  <a:r>
+                    <a:rPr lang="en-US" altLang="zh-CN" sz="1800" dirty="0"/>
+                    <a:t>class</a:t>
+                  </a:r>
+                  <a:r>
+                    <a:rPr lang="en-US" altLang="zh-CN" sz="2400" baseline="-25000" dirty="0"/>
+                    <a:t>s</a:t>
+                  </a:r>
+                  <a:r>
+                    <a:rPr lang="en-US" altLang="zh-CN" sz="1800" dirty="0"/>
+                    <a:t> 2</a:t>
+                  </a:r>
+                  <a:endParaRPr lang="en-US" altLang="zh-CN" sz="1800" dirty="0"/>
+                </a:p>
+              </p:txBody>
+            </p:sp>
+            <p:sp>
+              <p:nvSpPr>
+                <p:cNvPr id="34" name="矩形 33"/>
+                <p:cNvSpPr/>
+                <p:nvPr/>
+              </p:nvSpPr>
+              <p:spPr>
+                <a:xfrm>
+                  <a:off x="1134" y="5078"/>
+                  <a:ext cx="2524" cy="1299"/>
+                </a:xfrm>
+                <a:prstGeom prst="rect">
+                  <a:avLst/>
+                </a:prstGeom>
+                <a:solidFill>
+                  <a:srgbClr val="EE7228"/>
+                </a:solidFill>
+                <a:ln w="25400">
+                  <a:solidFill>
+                    <a:schemeClr val="tx1"/>
+                  </a:solidFill>
+                </a:ln>
+              </p:spPr>
+              <p:style>
+                <a:lnRef idx="2">
+                  <a:schemeClr val="accent1">
+                    <a:shade val="50000"/>
+                  </a:schemeClr>
+                </a:lnRef>
+                <a:fillRef idx="1">
+                  <a:schemeClr val="accent1"/>
+                </a:fillRef>
+                <a:effectRef idx="0">
+                  <a:schemeClr val="accent1"/>
+                </a:effectRef>
+                <a:fontRef idx="minor">
+                  <a:schemeClr val="lt1"/>
+                </a:fontRef>
+              </p:style>
+              <p:txBody>
+                <a:bodyPr lIns="0" tIns="0" rIns="0" bIns="0" anchor="ctr"/>
+                <a:lstStyle/>
+                <a:p>
+                  <a:pPr algn="ctr"/>
+                  <a:r>
+                    <a:rPr lang="en-US" altLang="zh-CN" sz="1800" noProof="1"/>
+                    <a:t>IGC Log Pool</a:t>
+                  </a:r>
+                  <a:endParaRPr lang="en-US" altLang="zh-CN" sz="1800" noProof="1"/>
+                </a:p>
+              </p:txBody>
+            </p:sp>
+          </p:grpSp>
+          <p:grpSp>
+            <p:nvGrpSpPr>
+              <p:cNvPr id="30" name="组合 29"/>
+              <p:cNvGrpSpPr/>
+              <p:nvPr/>
+            </p:nvGrpSpPr>
+            <p:grpSpPr>
+              <a:xfrm>
+                <a:off x="3968" y="5041"/>
+                <a:ext cx="2480" cy="1733"/>
+                <a:chOff x="6237" y="5073"/>
+                <a:chExt cx="2480" cy="1733"/>
+              </a:xfrm>
+            </p:grpSpPr>
+            <p:sp>
+              <p:nvSpPr>
+                <p:cNvPr id="5" name="矩形 4"/>
+                <p:cNvSpPr/>
+                <p:nvPr>
+                  <p:custDataLst>
+                    <p:tags r:id="rId1"/>
+                  </p:custDataLst>
+                </p:nvPr>
+              </p:nvSpPr>
+              <p:spPr>
+                <a:xfrm>
+                  <a:off x="6237" y="5073"/>
+                  <a:ext cx="2480" cy="1301"/>
+                </a:xfrm>
+                <a:prstGeom prst="rect">
+                  <a:avLst/>
+                </a:prstGeom>
+                <a:solidFill>
+                  <a:schemeClr val="accent6">
+                    <a:lumMod val="60000"/>
+                    <a:lumOff val="40000"/>
+                  </a:schemeClr>
+                </a:solidFill>
+                <a:ln w="25400">
+                  <a:solidFill>
+                    <a:schemeClr val="tx1"/>
+                  </a:solidFill>
+                </a:ln>
+              </p:spPr>
+              <p:style>
+                <a:lnRef idx="2">
+                  <a:schemeClr val="accent1">
+                    <a:shade val="50000"/>
+                  </a:schemeClr>
+                </a:lnRef>
+                <a:fillRef idx="1">
+                  <a:schemeClr val="accent1"/>
+                </a:fillRef>
+                <a:effectRef idx="0">
+                  <a:schemeClr val="accent1"/>
+                </a:effectRef>
+                <a:fontRef idx="minor">
+                  <a:schemeClr val="lt1"/>
+                </a:fontRef>
+              </p:style>
+              <p:txBody>
+                <a:bodyPr lIns="0" tIns="0" rIns="0" bIns="0" anchor="ctr"/>
+                <a:p>
+                  <a:pPr algn="ctr"/>
+                  <a:r>
+                    <a:rPr lang="en-US" altLang="zh-CN" sz="1800" noProof="1"/>
+                    <a:t>Normal Log Area</a:t>
+                  </a:r>
+                  <a:endParaRPr lang="en-US" altLang="zh-CN" sz="1800" noProof="1"/>
+                </a:p>
+              </p:txBody>
+            </p:sp>
+            <p:sp>
+              <p:nvSpPr>
+                <p:cNvPr id="17" name="文本框 9"/>
+                <p:cNvSpPr txBox="1">
+                  <a:spLocks noChangeArrowheads="1"/>
+                </p:cNvSpPr>
+                <p:nvPr>
+                  <p:custDataLst>
+                    <p:tags r:id="rId2"/>
+                  </p:custDataLst>
+                </p:nvPr>
+              </p:nvSpPr>
+              <p:spPr bwMode="auto">
+                <a:xfrm>
+                  <a:off x="6701" y="6370"/>
+                  <a:ext cx="1553" cy="436"/>
+                </a:xfrm>
+                <a:prstGeom prst="rect">
+                  <a:avLst/>
+                </a:prstGeom>
+                <a:noFill/>
+                <a:ln>
+                  <a:noFill/>
+                </a:ln>
+                <a:extLst>
+                  <a:ext uri="{909E8E84-426E-40DD-AFC4-6F175D3DCCD1}">
+                    <a14:hiddenFill xmlns:a14="http://schemas.microsoft.com/office/drawing/2010/main">
+                      <a:solidFill>
+                        <a:srgbClr val="FFFFFF"/>
+                      </a:solidFill>
+                    </a14:hiddenFill>
+                  </a:ext>
+                  <a:ext uri="{91240B29-F687-4F45-9708-019B960494DF}">
+                    <a14:hiddenLine xmlns:a14="http://schemas.microsoft.com/office/drawing/2010/main" w="9525">
+                      <a:solidFill>
+                        <a:srgbClr val="000000"/>
+                      </a:solidFill>
+                      <a:miter lim="800000"/>
+                      <a:headEnd/>
+                      <a:tailEnd/>
+                    </a14:hiddenLine>
+                  </a:ext>
+                </a:extLst>
+              </p:spPr>
+              <p:txBody>
+                <a:bodyPr lIns="0" tIns="0" rIns="0" bIns="0">
+                  <a:spAutoFit/>
+                </a:bodyPr>
+                <a:p>
+                  <a:pPr algn="ctr"/>
+                  <a:r>
+                    <a:rPr lang="en-US" altLang="zh-CN" sz="1800" dirty="0"/>
+                    <a:t>class</a:t>
+                  </a:r>
+                  <a:r>
+                    <a:rPr lang="en-US" altLang="zh-CN" sz="2400" baseline="-25000" dirty="0"/>
+                    <a:t>s</a:t>
+                  </a:r>
+                  <a:r>
+                    <a:rPr lang="en-US" altLang="zh-CN" sz="1800" dirty="0"/>
+                    <a:t> 1</a:t>
+                  </a:r>
+                  <a:endParaRPr lang="en-US" altLang="zh-CN" sz="1800" dirty="0"/>
+                </a:p>
+              </p:txBody>
+            </p:sp>
+          </p:grpSp>
+        </p:grpSp>
+        <p:cxnSp>
+          <p:nvCxnSpPr>
+            <p:cNvPr id="27" name="直接连接符 26"/>
+            <p:cNvCxnSpPr/>
+            <p:nvPr>
+              <p:custDataLst>
+                <p:tags r:id="rId3"/>
+              </p:custDataLst>
+            </p:nvPr>
+          </p:nvCxnSpPr>
+          <p:spPr>
+            <a:xfrm>
+              <a:off x="10419" y="456"/>
+              <a:ext cx="0" cy="4192"/>
+            </a:xfrm>
+            <a:prstGeom prst="line">
+              <a:avLst/>
+            </a:prstGeom>
+            <a:ln w="28575" cmpd="sng">
+              <a:solidFill>
+                <a:srgbClr val="0070C0"/>
+              </a:solidFill>
+              <a:prstDash val="solid"/>
+            </a:ln>
+          </p:spPr>
+          <p:style>
+            <a:lnRef idx="1">
+              <a:schemeClr val="accent1"/>
+            </a:lnRef>
+            <a:fillRef idx="0">
+              <a:schemeClr val="accent1"/>
+            </a:fillRef>
+            <a:effectRef idx="0">
+              <a:schemeClr val="accent1"/>
+            </a:effectRef>
+            <a:fontRef idx="minor">
               <a:schemeClr val="tx1"/>
-            </a:solidFill>
-          </a:ln>
-        </p:spPr>
-        <p:style>
-          <a:lnRef idx="1">
-            <a:schemeClr val="accent1"/>
-          </a:lnRef>
-          <a:fillRef idx="0">
-            <a:schemeClr val="accent1"/>
-          </a:fillRef>
-          <a:effectRef idx="0">
-            <a:schemeClr val="accent1"/>
-          </a:effectRef>
-          <a:fontRef idx="minor">
-            <a:schemeClr val="tx1"/>
-          </a:fontRef>
-        </p:style>
-      </p:cxnSp>
-      <p:cxnSp>
-        <p:nvCxnSpPr>
-          <p:cNvPr id="9" name="直接箭头连接符 8">
-            <a:extLst>
-              <a:ext uri="{FF2B5EF4-FFF2-40B4-BE49-F238E27FC236}">
-                <a16:creationId xmlns:a16="http://schemas.microsoft.com/office/drawing/2014/main" id="{3CF55EB5-1E16-9713-85BF-2D82E63ACC0A}"/>
-              </a:ext>
-            </a:extLst>
-          </p:cNvPr>
-          <p:cNvCxnSpPr>
-            <a:endCxn id="13" idx="5"/>
-          </p:cNvCxnSpPr>
-          <p:nvPr/>
-        </p:nvCxnSpPr>
-        <p:spPr>
-          <a:xfrm flipH="1">
-            <a:off x="4367213" y="2062163"/>
-            <a:ext cx="2662237" cy="4762"/>
-          </a:xfrm>
-          <a:prstGeom prst="straightConnector1">
-            <a:avLst/>
-          </a:prstGeom>
-          <a:ln w="38100">
-            <a:solidFill>
-              <a:srgbClr val="0070C0"/>
-            </a:solidFill>
-            <a:tailEnd type="arrow"/>
-          </a:ln>
-        </p:spPr>
-        <p:style>
-          <a:lnRef idx="1">
-            <a:schemeClr val="accent1"/>
-          </a:lnRef>
-          <a:fillRef idx="0">
-            <a:schemeClr val="accent1"/>
-          </a:fillRef>
-          <a:effectRef idx="0">
-            <a:schemeClr val="accent1"/>
-          </a:effectRef>
-          <a:fontRef idx="minor">
-            <a:schemeClr val="tx1"/>
-          </a:fontRef>
-        </p:style>
-      </p:cxnSp>
+            </a:fontRef>
+          </p:style>
+        </p:cxnSp>
+        <p:cxnSp>
+          <p:nvCxnSpPr>
+            <p:cNvPr id="36" name="肘形连接符 35"/>
+            <p:cNvCxnSpPr>
+              <a:endCxn id="34" idx="3"/>
+            </p:cNvCxnSpPr>
+            <p:nvPr/>
+          </p:nvCxnSpPr>
+          <p:spPr>
+            <a:xfrm rot="5400000">
+              <a:off x="7148" y="2171"/>
+              <a:ext cx="5255" cy="1786"/>
+            </a:xfrm>
+            <a:prstGeom prst="bentConnector2">
+              <a:avLst/>
+            </a:prstGeom>
+            <a:ln w="28575" cmpd="sng">
+              <a:solidFill>
+                <a:srgbClr val="C00000"/>
+              </a:solidFill>
+              <a:prstDash val="solid"/>
+              <a:tailEnd type="arrow"/>
+            </a:ln>
+          </p:spPr>
+          <p:style>
+            <a:lnRef idx="1">
+              <a:schemeClr val="accent1"/>
+            </a:lnRef>
+            <a:fillRef idx="0">
+              <a:schemeClr val="accent1"/>
+            </a:fillRef>
+            <a:effectRef idx="0">
+              <a:schemeClr val="accent1"/>
+            </a:effectRef>
+            <a:fontRef idx="minor">
+              <a:schemeClr val="tx1"/>
+            </a:fontRef>
+          </p:style>
+        </p:cxnSp>
+        <p:cxnSp>
+          <p:nvCxnSpPr>
+            <p:cNvPr id="37" name="肘形连接符 36"/>
+            <p:cNvCxnSpPr/>
+            <p:nvPr/>
+          </p:nvCxnSpPr>
+          <p:spPr>
+            <a:xfrm rot="10800000" flipV="1">
+              <a:off x="2605" y="4649"/>
+              <a:ext cx="7816" cy="391"/>
+            </a:xfrm>
+            <a:prstGeom prst="bentConnector2">
+              <a:avLst/>
+            </a:prstGeom>
+            <a:ln w="28575" cmpd="sng">
+              <a:solidFill>
+                <a:srgbClr val="0070C0"/>
+              </a:solidFill>
+              <a:prstDash val="solid"/>
+              <a:tailEnd type="arrow"/>
+            </a:ln>
+          </p:spPr>
+          <p:style>
+            <a:lnRef idx="1">
+              <a:schemeClr val="accent1"/>
+            </a:lnRef>
+            <a:fillRef idx="0">
+              <a:schemeClr val="accent1"/>
+            </a:fillRef>
+            <a:effectRef idx="0">
+              <a:schemeClr val="accent1"/>
+            </a:effectRef>
+            <a:fontRef idx="minor">
+              <a:schemeClr val="tx1"/>
+            </a:fontRef>
+          </p:style>
+        </p:cxnSp>
+        <p:cxnSp>
+          <p:nvCxnSpPr>
+            <p:cNvPr id="39" name="直接箭头连接符 38"/>
+            <p:cNvCxnSpPr/>
+            <p:nvPr/>
+          </p:nvCxnSpPr>
+          <p:spPr>
+            <a:xfrm>
+              <a:off x="5106" y="4645"/>
+              <a:ext cx="0" cy="392"/>
+            </a:xfrm>
+            <a:prstGeom prst="straightConnector1">
+              <a:avLst/>
+            </a:prstGeom>
+            <a:ln w="28575" cmpd="sng">
+              <a:solidFill>
+                <a:srgbClr val="0070C0"/>
+              </a:solidFill>
+              <a:prstDash val="solid"/>
+              <a:tailEnd type="arrow"/>
+            </a:ln>
+          </p:spPr>
+          <p:style>
+            <a:lnRef idx="1">
+              <a:schemeClr val="accent1"/>
+            </a:lnRef>
+            <a:fillRef idx="0">
+              <a:schemeClr val="accent1"/>
+            </a:fillRef>
+            <a:effectRef idx="0">
+              <a:schemeClr val="accent1"/>
+            </a:effectRef>
+            <a:fontRef idx="minor">
+              <a:schemeClr val="tx1"/>
+            </a:fontRef>
+          </p:style>
+        </p:cxnSp>
+        <p:cxnSp>
+          <p:nvCxnSpPr>
+            <p:cNvPr id="40" name="直接箭头连接符 39"/>
+            <p:cNvCxnSpPr/>
+            <p:nvPr/>
+          </p:nvCxnSpPr>
+          <p:spPr>
+            <a:xfrm>
+              <a:off x="1325" y="6938"/>
+              <a:ext cx="7536" cy="0"/>
+            </a:xfrm>
+            <a:prstGeom prst="straightConnector1">
+              <a:avLst/>
+            </a:prstGeom>
+            <a:ln w="22225" cmpd="sng">
+              <a:solidFill>
+                <a:schemeClr val="accent1">
+                  <a:shade val="50000"/>
+                </a:schemeClr>
+              </a:solidFill>
+              <a:prstDash val="sysDash"/>
+              <a:tailEnd type="arrow"/>
+            </a:ln>
+          </p:spPr>
+          <p:style>
+            <a:lnRef idx="1">
+              <a:schemeClr val="accent1"/>
+            </a:lnRef>
+            <a:fillRef idx="0">
+              <a:schemeClr val="accent1"/>
+            </a:fillRef>
+            <a:effectRef idx="0">
+              <a:schemeClr val="accent1"/>
+            </a:effectRef>
+            <a:fontRef idx="minor">
+              <a:schemeClr val="tx1"/>
+            </a:fontRef>
+          </p:style>
+        </p:cxnSp>
+        <p:sp>
+          <p:nvSpPr>
+            <p:cNvPr id="41" name="文本框 40"/>
+            <p:cNvSpPr txBox="1"/>
+            <p:nvPr/>
+          </p:nvSpPr>
+          <p:spPr>
+            <a:xfrm>
+              <a:off x="1019" y="6888"/>
+              <a:ext cx="3006" cy="580"/>
+            </a:xfrm>
+            <a:prstGeom prst="rect">
+              <a:avLst/>
+            </a:prstGeom>
+            <a:noFill/>
+          </p:spPr>
+          <p:txBody>
+            <a:bodyPr wrap="square" rtlCol="0">
+              <a:spAutoFit/>
+            </a:bodyPr>
+            <a:p>
+              <a:pPr algn="ctr"/>
+              <a:r>
+                <a:rPr lang="en-US" altLang="zh-CN" sz="1800"/>
+                <a:t>Remote stor</a:t>
+              </a:r>
+              <a:r>
+                <a:rPr lang="en-US" altLang="zh-CN" sz="1800"/>
+                <a:t>age</a:t>
+              </a:r>
+              <a:endParaRPr lang="en-US" altLang="zh-CN" sz="1800"/>
+            </a:p>
+          </p:txBody>
+        </p:sp>
+        <p:sp>
+          <p:nvSpPr>
+            <p:cNvPr id="42" name="文本框 41"/>
+            <p:cNvSpPr txBox="1"/>
+            <p:nvPr>
+              <p:custDataLst>
+                <p:tags r:id="rId4"/>
+              </p:custDataLst>
+            </p:nvPr>
+          </p:nvSpPr>
+          <p:spPr>
+            <a:xfrm>
+              <a:off x="6576" y="6888"/>
+              <a:ext cx="2374" cy="580"/>
+            </a:xfrm>
+            <a:prstGeom prst="rect">
+              <a:avLst/>
+            </a:prstGeom>
+            <a:noFill/>
+          </p:spPr>
+          <p:txBody>
+            <a:bodyPr wrap="square" rtlCol="0">
+              <a:spAutoFit/>
+            </a:bodyPr>
+            <a:p>
+              <a:pPr algn="ctr"/>
+              <a:r>
+                <a:rPr lang="en-US" altLang="zh-CN" sz="1800"/>
+                <a:t>Near storage</a:t>
+              </a:r>
+              <a:endParaRPr lang="en-US" altLang="zh-CN" sz="1800"/>
+            </a:p>
+          </p:txBody>
+        </p:sp>
+        <p:cxnSp>
+          <p:nvCxnSpPr>
+            <p:cNvPr id="43" name="直接箭头连接符 42"/>
+            <p:cNvCxnSpPr/>
+            <p:nvPr/>
+          </p:nvCxnSpPr>
+          <p:spPr>
+            <a:xfrm flipH="1">
+              <a:off x="6669" y="3146"/>
+              <a:ext cx="3739" cy="0"/>
+            </a:xfrm>
+            <a:prstGeom prst="straightConnector1">
+              <a:avLst/>
+            </a:prstGeom>
+            <a:ln w="28575" cmpd="sng">
+              <a:solidFill>
+                <a:srgbClr val="0070C0"/>
+              </a:solidFill>
+              <a:prstDash val="solid"/>
+              <a:tailEnd type="arrow"/>
+            </a:ln>
+          </p:spPr>
+          <p:style>
+            <a:lnRef idx="1">
+              <a:schemeClr val="accent1"/>
+            </a:lnRef>
+            <a:fillRef idx="0">
+              <a:schemeClr val="accent1"/>
+            </a:fillRef>
+            <a:effectRef idx="0">
+              <a:schemeClr val="accent1"/>
+            </a:effectRef>
+            <a:fontRef idx="minor">
+              <a:schemeClr val="tx1"/>
+            </a:fontRef>
+          </p:style>
+        </p:cxnSp>
+        <p:cxnSp>
+          <p:nvCxnSpPr>
+            <p:cNvPr id="44" name="直接箭头连接符 43"/>
+            <p:cNvCxnSpPr/>
+            <p:nvPr/>
+          </p:nvCxnSpPr>
+          <p:spPr>
+            <a:xfrm flipH="1">
+              <a:off x="7937" y="1176"/>
+              <a:ext cx="2719" cy="0"/>
+            </a:xfrm>
+            <a:prstGeom prst="straightConnector1">
+              <a:avLst/>
+            </a:prstGeom>
+            <a:ln w="28575" cmpd="sng">
+              <a:solidFill>
+                <a:srgbClr val="C00000"/>
+              </a:solidFill>
+              <a:prstDash val="solid"/>
+              <a:tailEnd type="arrow"/>
+            </a:ln>
+          </p:spPr>
+          <p:style>
+            <a:lnRef idx="1">
+              <a:schemeClr val="accent1"/>
+            </a:lnRef>
+            <a:fillRef idx="0">
+              <a:schemeClr val="accent1"/>
+            </a:fillRef>
+            <a:effectRef idx="0">
+              <a:schemeClr val="accent1"/>
+            </a:effectRef>
+            <a:fontRef idx="minor">
+              <a:schemeClr val="tx1"/>
+            </a:fontRef>
+          </p:style>
+        </p:cxnSp>
+      </p:grpSp>
     </p:spTree>
   </p:cSld>
   <p:clrMapOvr>
@@ -5053,7 +4606,31 @@
 </file>
 
 <file path=ppt/tags/tag1.xml><?xml version="1.0" encoding="utf-8"?>
-<p:tagLst xmlns:a="http://schemas.openxmlformats.org/drawingml/2006/main" xmlns:r="http://schemas.openxmlformats.org/officeDocument/2006/relationships" xmlns:p="http://schemas.openxmlformats.org/presentationml/2006/main">
+<p:tagLst xmlns:p="http://schemas.openxmlformats.org/presentationml/2006/main">
+  <p:tag name="KSO_WM_BEAUTIFY_FLAG" val=""/>
+</p:tagLst>
+</file>
+
+<file path=ppt/tags/tag2.xml><?xml version="1.0" encoding="utf-8"?>
+<p:tagLst xmlns:p="http://schemas.openxmlformats.org/presentationml/2006/main">
+  <p:tag name="KSO_WM_BEAUTIFY_FLAG" val=""/>
+</p:tagLst>
+</file>
+
+<file path=ppt/tags/tag3.xml><?xml version="1.0" encoding="utf-8"?>
+<p:tagLst xmlns:p="http://schemas.openxmlformats.org/presentationml/2006/main">
+  <p:tag name="KSO_WM_BEAUTIFY_FLAG" val=""/>
+</p:tagLst>
+</file>
+
+<file path=ppt/tags/tag4.xml><?xml version="1.0" encoding="utf-8"?>
+<p:tagLst xmlns:p="http://schemas.openxmlformats.org/presentationml/2006/main">
+  <p:tag name="KSO_WM_BEAUTIFY_FLAG" val=""/>
+</p:tagLst>
+</file>
+
+<file path=ppt/tags/tag5.xml><?xml version="1.0" encoding="utf-8"?>
+<p:tagLst xmlns:p="http://schemas.openxmlformats.org/presentationml/2006/main">
   <p:tag name="KSO_WPP_MARK_KEY" val="9493744d-b1cd-4a13-8d81-5dd629375973"/>
   <p:tag name="COMMONDATA" val="eyJoZGlkIjoiNWMyNzk1NjJkYjg5Yzk1OTQwMjA3ODhmZjc4ODZlMTgifQ=="/>
 </p:tagLst>
@@ -5250,7 +4827,6 @@
       </a:bgFillStyleLst>
     </a:fmtScheme>
   </a:themeElements>
-  <a:objectDefaults/>
   <a:extraClrSchemeLst>
     <a:extraClrScheme>
       <a:clrScheme name="默认设计模板 1">

--- a/PPT/DESIGN3.1 overview.pptx
+++ b/PPT/DESIGN3.1 overview.pptx
@@ -5,12 +5,12 @@
     <p:sldMasterId id="2147483648" r:id="rId1"/>
   </p:sldMasterIdLst>
   <p:sldIdLst>
-    <p:sldId id="256" r:id="rId3"/>
+    <p:sldId id="256" r:id="rId2"/>
   </p:sldIdLst>
-  <p:sldSz cx="7199630" cy="4679950"/>
+  <p:sldSz cx="7199313" cy="4679950"/>
   <p:notesSz cx="6858000" cy="9144000"/>
   <p:custDataLst>
-    <p:tags r:id="rId7"/>
+    <p:tags r:id="rId3"/>
   </p:custDataLst>
   <p:defaultTextStyle>
     <a:defPPr>
@@ -201,7 +201,6 @@
               <a:rPr lang="zh-CN" altLang="en-US" noProof="1"/>
               <a:t>单击此处编辑母版标题样式</a:t>
             </a:r>
-            <a:endParaRPr lang="zh-CN" altLang="en-US" noProof="1"/>
           </a:p>
         </p:txBody>
       </p:sp>
@@ -266,7 +265,6 @@
               <a:rPr lang="zh-CN" altLang="en-US" noProof="1"/>
               <a:t>单击此处编辑母版副标题样式</a:t>
             </a:r>
-            <a:endParaRPr lang="zh-CN" altLang="en-US" noProof="1"/>
           </a:p>
         </p:txBody>
       </p:sp>
@@ -337,6 +335,7 @@
           <a:p>
             <a:fld id="{5AEDE62F-DBF3-4610-A174-55122FE24BB4}" type="slidenum">
               <a:rPr lang="zh-CN" altLang="en-US"/>
+              <a:t>‹#›</a:t>
             </a:fld>
             <a:endParaRPr lang="zh-CN" altLang="en-US"/>
           </a:p>
@@ -386,7 +385,6 @@
               <a:rPr lang="zh-CN" altLang="en-US" noProof="1"/>
               <a:t>单击此处编辑母版标题样式</a:t>
             </a:r>
-            <a:endParaRPr lang="zh-CN" altLang="en-US" noProof="1"/>
           </a:p>
         </p:txBody>
       </p:sp>
@@ -410,7 +408,6 @@
               <a:rPr lang="zh-CN" altLang="en-US" noProof="1"/>
               <a:t>单击此处编辑母版文本样式</a:t>
             </a:r>
-            <a:endParaRPr lang="zh-CN" altLang="en-US" noProof="1"/>
           </a:p>
           <a:p>
             <a:pPr lvl="1"/>
@@ -418,7 +415,6 @@
               <a:rPr lang="zh-CN" altLang="en-US" noProof="1"/>
               <a:t>第二级</a:t>
             </a:r>
-            <a:endParaRPr lang="zh-CN" altLang="en-US" noProof="1"/>
           </a:p>
           <a:p>
             <a:pPr lvl="2"/>
@@ -426,7 +422,6 @@
               <a:rPr lang="zh-CN" altLang="en-US" noProof="1"/>
               <a:t>第三级</a:t>
             </a:r>
-            <a:endParaRPr lang="zh-CN" altLang="en-US" noProof="1"/>
           </a:p>
           <a:p>
             <a:pPr lvl="3"/>
@@ -434,7 +429,6 @@
               <a:rPr lang="zh-CN" altLang="en-US" noProof="1"/>
               <a:t>第四级</a:t>
             </a:r>
-            <a:endParaRPr lang="zh-CN" altLang="en-US" noProof="1"/>
           </a:p>
           <a:p>
             <a:pPr lvl="4"/>
@@ -442,7 +436,6 @@
               <a:rPr lang="zh-CN" altLang="en-US" noProof="1"/>
               <a:t>第五级</a:t>
             </a:r>
-            <a:endParaRPr lang="zh-CN" altLang="en-US" noProof="1"/>
           </a:p>
         </p:txBody>
       </p:sp>
@@ -513,6 +506,7 @@
           <a:p>
             <a:fld id="{19E5D6B6-D386-4923-AC10-C52152BE8E37}" type="slidenum">
               <a:rPr lang="zh-CN" altLang="en-US"/>
+              <a:t>‹#›</a:t>
             </a:fld>
             <a:endParaRPr lang="zh-CN" altLang="en-US"/>
           </a:p>
@@ -567,7 +561,6 @@
               <a:rPr lang="zh-CN" altLang="en-US" noProof="1"/>
               <a:t>单击此处编辑母版标题样式</a:t>
             </a:r>
-            <a:endParaRPr lang="zh-CN" altLang="en-US" noProof="1"/>
           </a:p>
         </p:txBody>
       </p:sp>
@@ -596,7 +589,6 @@
               <a:rPr lang="zh-CN" altLang="en-US" noProof="1"/>
               <a:t>单击此处编辑母版文本样式</a:t>
             </a:r>
-            <a:endParaRPr lang="zh-CN" altLang="en-US" noProof="1"/>
           </a:p>
           <a:p>
             <a:pPr lvl="1"/>
@@ -604,7 +596,6 @@
               <a:rPr lang="zh-CN" altLang="en-US" noProof="1"/>
               <a:t>第二级</a:t>
             </a:r>
-            <a:endParaRPr lang="zh-CN" altLang="en-US" noProof="1"/>
           </a:p>
           <a:p>
             <a:pPr lvl="2"/>
@@ -612,7 +603,6 @@
               <a:rPr lang="zh-CN" altLang="en-US" noProof="1"/>
               <a:t>第三级</a:t>
             </a:r>
-            <a:endParaRPr lang="zh-CN" altLang="en-US" noProof="1"/>
           </a:p>
           <a:p>
             <a:pPr lvl="3"/>
@@ -620,7 +610,6 @@
               <a:rPr lang="zh-CN" altLang="en-US" noProof="1"/>
               <a:t>第四级</a:t>
             </a:r>
-            <a:endParaRPr lang="zh-CN" altLang="en-US" noProof="1"/>
           </a:p>
           <a:p>
             <a:pPr lvl="4"/>
@@ -628,7 +617,6 @@
               <a:rPr lang="zh-CN" altLang="en-US" noProof="1"/>
               <a:t>第五级</a:t>
             </a:r>
-            <a:endParaRPr lang="zh-CN" altLang="en-US" noProof="1"/>
           </a:p>
         </p:txBody>
       </p:sp>
@@ -699,6 +687,7 @@
           <a:p>
             <a:fld id="{2B096F8B-81F2-4101-BDB6-6B3630C47861}" type="slidenum">
               <a:rPr lang="zh-CN" altLang="en-US"/>
+              <a:t>‹#›</a:t>
             </a:fld>
             <a:endParaRPr lang="zh-CN" altLang="en-US"/>
           </a:p>
@@ -748,7 +737,6 @@
               <a:rPr lang="zh-CN" altLang="en-US" noProof="1"/>
               <a:t>单击此处编辑母版标题样式</a:t>
             </a:r>
-            <a:endParaRPr lang="zh-CN" altLang="en-US" noProof="1"/>
           </a:p>
         </p:txBody>
       </p:sp>
@@ -772,7 +760,6 @@
               <a:rPr lang="zh-CN" altLang="en-US" noProof="1"/>
               <a:t>单击此处编辑母版文本样式</a:t>
             </a:r>
-            <a:endParaRPr lang="zh-CN" altLang="en-US" noProof="1"/>
           </a:p>
           <a:p>
             <a:pPr lvl="1"/>
@@ -780,7 +767,6 @@
               <a:rPr lang="zh-CN" altLang="en-US" noProof="1"/>
               <a:t>第二级</a:t>
             </a:r>
-            <a:endParaRPr lang="zh-CN" altLang="en-US" noProof="1"/>
           </a:p>
           <a:p>
             <a:pPr lvl="2"/>
@@ -788,7 +774,6 @@
               <a:rPr lang="zh-CN" altLang="en-US" noProof="1"/>
               <a:t>第三级</a:t>
             </a:r>
-            <a:endParaRPr lang="zh-CN" altLang="en-US" noProof="1"/>
           </a:p>
           <a:p>
             <a:pPr lvl="3"/>
@@ -796,7 +781,6 @@
               <a:rPr lang="zh-CN" altLang="en-US" noProof="1"/>
               <a:t>第四级</a:t>
             </a:r>
-            <a:endParaRPr lang="zh-CN" altLang="en-US" noProof="1"/>
           </a:p>
           <a:p>
             <a:pPr lvl="4"/>
@@ -804,7 +788,6 @@
               <a:rPr lang="zh-CN" altLang="en-US" noProof="1"/>
               <a:t>第五级</a:t>
             </a:r>
-            <a:endParaRPr lang="zh-CN" altLang="en-US" noProof="1"/>
           </a:p>
         </p:txBody>
       </p:sp>
@@ -875,6 +858,7 @@
           <a:p>
             <a:fld id="{28C10F11-17C7-44F2-A8B0-6841297A30E9}" type="slidenum">
               <a:rPr lang="zh-CN" altLang="en-US"/>
+              <a:t>‹#›</a:t>
             </a:fld>
             <a:endParaRPr lang="zh-CN" altLang="en-US"/>
           </a:p>
@@ -933,7 +917,6 @@
               <a:rPr lang="zh-CN" altLang="en-US" noProof="1"/>
               <a:t>单击此处编辑母版标题样式</a:t>
             </a:r>
-            <a:endParaRPr lang="zh-CN" altLang="en-US" noProof="1"/>
           </a:p>
         </p:txBody>
       </p:sp>
@@ -1053,7 +1036,6 @@
               <a:rPr lang="zh-CN" altLang="en-US" noProof="1"/>
               <a:t>单击此处编辑母版文本样式</a:t>
             </a:r>
-            <a:endParaRPr lang="zh-CN" altLang="en-US" noProof="1"/>
           </a:p>
         </p:txBody>
       </p:sp>
@@ -1124,6 +1106,7 @@
           <a:p>
             <a:fld id="{32DAB170-B5D6-4E2D-865E-1ED12E3B61B1}" type="slidenum">
               <a:rPr lang="zh-CN" altLang="en-US"/>
+              <a:t>‹#›</a:t>
             </a:fld>
             <a:endParaRPr lang="zh-CN" altLang="en-US"/>
           </a:p>
@@ -1173,7 +1156,6 @@
               <a:rPr lang="zh-CN" altLang="en-US" noProof="1"/>
               <a:t>单击此处编辑母版标题样式</a:t>
             </a:r>
-            <a:endParaRPr lang="zh-CN" altLang="en-US" noProof="1"/>
           </a:p>
         </p:txBody>
       </p:sp>
@@ -1202,7 +1184,6 @@
               <a:rPr lang="zh-CN" altLang="en-US" noProof="1"/>
               <a:t>单击此处编辑母版文本样式</a:t>
             </a:r>
-            <a:endParaRPr lang="zh-CN" altLang="en-US" noProof="1"/>
           </a:p>
           <a:p>
             <a:pPr lvl="1"/>
@@ -1210,7 +1191,6 @@
               <a:rPr lang="zh-CN" altLang="en-US" noProof="1"/>
               <a:t>第二级</a:t>
             </a:r>
-            <a:endParaRPr lang="zh-CN" altLang="en-US" noProof="1"/>
           </a:p>
           <a:p>
             <a:pPr lvl="2"/>
@@ -1218,7 +1198,6 @@
               <a:rPr lang="zh-CN" altLang="en-US" noProof="1"/>
               <a:t>第三级</a:t>
             </a:r>
-            <a:endParaRPr lang="zh-CN" altLang="en-US" noProof="1"/>
           </a:p>
           <a:p>
             <a:pPr lvl="3"/>
@@ -1226,7 +1205,6 @@
               <a:rPr lang="zh-CN" altLang="en-US" noProof="1"/>
               <a:t>第四级</a:t>
             </a:r>
-            <a:endParaRPr lang="zh-CN" altLang="en-US" noProof="1"/>
           </a:p>
           <a:p>
             <a:pPr lvl="4"/>
@@ -1234,7 +1212,6 @@
               <a:rPr lang="zh-CN" altLang="en-US" noProof="1"/>
               <a:t>第五级</a:t>
             </a:r>
-            <a:endParaRPr lang="zh-CN" altLang="en-US" noProof="1"/>
           </a:p>
         </p:txBody>
       </p:sp>
@@ -1263,7 +1240,6 @@
               <a:rPr lang="zh-CN" altLang="en-US" noProof="1"/>
               <a:t>单击此处编辑母版文本样式</a:t>
             </a:r>
-            <a:endParaRPr lang="zh-CN" altLang="en-US" noProof="1"/>
           </a:p>
           <a:p>
             <a:pPr lvl="1"/>
@@ -1271,7 +1247,6 @@
               <a:rPr lang="zh-CN" altLang="en-US" noProof="1"/>
               <a:t>第二级</a:t>
             </a:r>
-            <a:endParaRPr lang="zh-CN" altLang="en-US" noProof="1"/>
           </a:p>
           <a:p>
             <a:pPr lvl="2"/>
@@ -1279,7 +1254,6 @@
               <a:rPr lang="zh-CN" altLang="en-US" noProof="1"/>
               <a:t>第三级</a:t>
             </a:r>
-            <a:endParaRPr lang="zh-CN" altLang="en-US" noProof="1"/>
           </a:p>
           <a:p>
             <a:pPr lvl="3"/>
@@ -1287,7 +1261,6 @@
               <a:rPr lang="zh-CN" altLang="en-US" noProof="1"/>
               <a:t>第四级</a:t>
             </a:r>
-            <a:endParaRPr lang="zh-CN" altLang="en-US" noProof="1"/>
           </a:p>
           <a:p>
             <a:pPr lvl="4"/>
@@ -1295,7 +1268,6 @@
               <a:rPr lang="zh-CN" altLang="en-US" noProof="1"/>
               <a:t>第五级</a:t>
             </a:r>
-            <a:endParaRPr lang="zh-CN" altLang="en-US" noProof="1"/>
           </a:p>
         </p:txBody>
       </p:sp>
@@ -1366,6 +1338,7 @@
           <a:p>
             <a:fld id="{4DB30543-82A4-428B-915E-6896CC2A5CB2}" type="slidenum">
               <a:rPr lang="zh-CN" altLang="en-US"/>
+              <a:t>‹#›</a:t>
             </a:fld>
             <a:endParaRPr lang="zh-CN" altLang="en-US"/>
           </a:p>
@@ -1420,7 +1393,6 @@
               <a:rPr lang="zh-CN" altLang="en-US" noProof="1"/>
               <a:t>单击此处编辑母版标题样式</a:t>
             </a:r>
-            <a:endParaRPr lang="zh-CN" altLang="en-US" noProof="1"/>
           </a:p>
         </p:txBody>
       </p:sp>
@@ -1486,7 +1458,6 @@
               <a:rPr lang="zh-CN" altLang="en-US" noProof="1"/>
               <a:t>单击此处编辑母版文本样式</a:t>
             </a:r>
-            <a:endParaRPr lang="zh-CN" altLang="en-US" noProof="1"/>
           </a:p>
         </p:txBody>
       </p:sp>
@@ -1515,7 +1486,6 @@
               <a:rPr lang="zh-CN" altLang="en-US" noProof="1"/>
               <a:t>单击此处编辑母版文本样式</a:t>
             </a:r>
-            <a:endParaRPr lang="zh-CN" altLang="en-US" noProof="1"/>
           </a:p>
           <a:p>
             <a:pPr lvl="1"/>
@@ -1523,7 +1493,6 @@
               <a:rPr lang="zh-CN" altLang="en-US" noProof="1"/>
               <a:t>第二级</a:t>
             </a:r>
-            <a:endParaRPr lang="zh-CN" altLang="en-US" noProof="1"/>
           </a:p>
           <a:p>
             <a:pPr lvl="2"/>
@@ -1531,7 +1500,6 @@
               <a:rPr lang="zh-CN" altLang="en-US" noProof="1"/>
               <a:t>第三级</a:t>
             </a:r>
-            <a:endParaRPr lang="zh-CN" altLang="en-US" noProof="1"/>
           </a:p>
           <a:p>
             <a:pPr lvl="3"/>
@@ -1539,7 +1507,6 @@
               <a:rPr lang="zh-CN" altLang="en-US" noProof="1"/>
               <a:t>第四级</a:t>
             </a:r>
-            <a:endParaRPr lang="zh-CN" altLang="en-US" noProof="1"/>
           </a:p>
           <a:p>
             <a:pPr lvl="4"/>
@@ -1547,7 +1514,6 @@
               <a:rPr lang="zh-CN" altLang="en-US" noProof="1"/>
               <a:t>第五级</a:t>
             </a:r>
-            <a:endParaRPr lang="zh-CN" altLang="en-US" noProof="1"/>
           </a:p>
         </p:txBody>
       </p:sp>
@@ -1613,7 +1579,6 @@
               <a:rPr lang="zh-CN" altLang="en-US" noProof="1"/>
               <a:t>单击此处编辑母版文本样式</a:t>
             </a:r>
-            <a:endParaRPr lang="zh-CN" altLang="en-US" noProof="1"/>
           </a:p>
         </p:txBody>
       </p:sp>
@@ -1642,7 +1607,6 @@
               <a:rPr lang="zh-CN" altLang="en-US" noProof="1"/>
               <a:t>单击此处编辑母版文本样式</a:t>
             </a:r>
-            <a:endParaRPr lang="zh-CN" altLang="en-US" noProof="1"/>
           </a:p>
           <a:p>
             <a:pPr lvl="1"/>
@@ -1650,7 +1614,6 @@
               <a:rPr lang="zh-CN" altLang="en-US" noProof="1"/>
               <a:t>第二级</a:t>
             </a:r>
-            <a:endParaRPr lang="zh-CN" altLang="en-US" noProof="1"/>
           </a:p>
           <a:p>
             <a:pPr lvl="2"/>
@@ -1658,7 +1621,6 @@
               <a:rPr lang="zh-CN" altLang="en-US" noProof="1"/>
               <a:t>第三级</a:t>
             </a:r>
-            <a:endParaRPr lang="zh-CN" altLang="en-US" noProof="1"/>
           </a:p>
           <a:p>
             <a:pPr lvl="3"/>
@@ -1666,7 +1628,6 @@
               <a:rPr lang="zh-CN" altLang="en-US" noProof="1"/>
               <a:t>第四级</a:t>
             </a:r>
-            <a:endParaRPr lang="zh-CN" altLang="en-US" noProof="1"/>
           </a:p>
           <a:p>
             <a:pPr lvl="4"/>
@@ -1674,7 +1635,6 @@
               <a:rPr lang="zh-CN" altLang="en-US" noProof="1"/>
               <a:t>第五级</a:t>
             </a:r>
-            <a:endParaRPr lang="zh-CN" altLang="en-US" noProof="1"/>
           </a:p>
         </p:txBody>
       </p:sp>
@@ -1745,6 +1705,7 @@
           <a:p>
             <a:fld id="{6A6C0F8A-7BB8-456F-BBDB-53FFB32B4074}" type="slidenum">
               <a:rPr lang="zh-CN" altLang="en-US"/>
+              <a:t>‹#›</a:t>
             </a:fld>
             <a:endParaRPr lang="zh-CN" altLang="en-US"/>
           </a:p>
@@ -1794,7 +1755,6 @@
               <a:rPr lang="zh-CN" altLang="en-US" noProof="1"/>
               <a:t>单击此处编辑母版标题样式</a:t>
             </a:r>
-            <a:endParaRPr lang="zh-CN" altLang="en-US" noProof="1"/>
           </a:p>
         </p:txBody>
       </p:sp>
@@ -1865,6 +1825,7 @@
           <a:p>
             <a:fld id="{75BB2AB0-EB5B-4FDC-9789-E56BCD2A0DB3}" type="slidenum">
               <a:rPr lang="zh-CN" altLang="en-US"/>
+              <a:t>‹#›</a:t>
             </a:fld>
             <a:endParaRPr lang="zh-CN" altLang="en-US"/>
           </a:p>
@@ -1962,6 +1923,7 @@
           <a:p>
             <a:fld id="{C9F1D168-6B63-46AB-B8AC-581CF39808A9}" type="slidenum">
               <a:rPr lang="zh-CN" altLang="en-US"/>
+              <a:t>‹#›</a:t>
             </a:fld>
             <a:endParaRPr lang="zh-CN" altLang="en-US"/>
           </a:p>
@@ -2020,7 +1982,6 @@
               <a:rPr lang="zh-CN" altLang="en-US" noProof="1"/>
               <a:t>单击此处编辑母版标题样式</a:t>
             </a:r>
-            <a:endParaRPr lang="zh-CN" altLang="en-US" noProof="1"/>
           </a:p>
         </p:txBody>
       </p:sp>
@@ -2077,7 +2038,6 @@
               <a:rPr lang="zh-CN" altLang="en-US" noProof="1"/>
               <a:t>单击此处编辑母版文本样式</a:t>
             </a:r>
-            <a:endParaRPr lang="zh-CN" altLang="en-US" noProof="1"/>
           </a:p>
           <a:p>
             <a:pPr lvl="1"/>
@@ -2085,7 +2045,6 @@
               <a:rPr lang="zh-CN" altLang="en-US" noProof="1"/>
               <a:t>第二级</a:t>
             </a:r>
-            <a:endParaRPr lang="zh-CN" altLang="en-US" noProof="1"/>
           </a:p>
           <a:p>
             <a:pPr lvl="2"/>
@@ -2093,7 +2052,6 @@
               <a:rPr lang="zh-CN" altLang="en-US" noProof="1"/>
               <a:t>第三级</a:t>
             </a:r>
-            <a:endParaRPr lang="zh-CN" altLang="en-US" noProof="1"/>
           </a:p>
           <a:p>
             <a:pPr lvl="3"/>
@@ -2101,7 +2059,6 @@
               <a:rPr lang="zh-CN" altLang="en-US" noProof="1"/>
               <a:t>第四级</a:t>
             </a:r>
-            <a:endParaRPr lang="zh-CN" altLang="en-US" noProof="1"/>
           </a:p>
           <a:p>
             <a:pPr lvl="4"/>
@@ -2109,7 +2066,6 @@
               <a:rPr lang="zh-CN" altLang="en-US" noProof="1"/>
               <a:t>第五级</a:t>
             </a:r>
-            <a:endParaRPr lang="zh-CN" altLang="en-US" noProof="1"/>
           </a:p>
         </p:txBody>
       </p:sp>
@@ -2175,7 +2131,6 @@
               <a:rPr lang="zh-CN" altLang="en-US" noProof="1"/>
               <a:t>单击此处编辑母版文本样式</a:t>
             </a:r>
-            <a:endParaRPr lang="zh-CN" altLang="en-US" noProof="1"/>
           </a:p>
         </p:txBody>
       </p:sp>
@@ -2246,6 +2201,7 @@
           <a:p>
             <a:fld id="{A16736A6-CE1C-4489-B1E7-9A106FDEAAF0}" type="slidenum">
               <a:rPr lang="zh-CN" altLang="en-US"/>
+              <a:t>‹#›</a:t>
             </a:fld>
             <a:endParaRPr lang="zh-CN" altLang="en-US"/>
           </a:p>
@@ -2304,7 +2260,6 @@
               <a:rPr lang="zh-CN" altLang="en-US" noProof="1"/>
               <a:t>单击此处编辑母版标题样式</a:t>
             </a:r>
-            <a:endParaRPr lang="zh-CN" altLang="en-US" noProof="1"/>
           </a:p>
         </p:txBody>
       </p:sp>
@@ -2431,7 +2386,6 @@
               <a:rPr lang="zh-CN" altLang="en-US" noProof="1"/>
               <a:t>单击此处编辑母版文本样式</a:t>
             </a:r>
-            <a:endParaRPr lang="zh-CN" altLang="en-US" noProof="1"/>
           </a:p>
         </p:txBody>
       </p:sp>
@@ -2502,6 +2456,7 @@
           <a:p>
             <a:fld id="{A5B36176-60CD-4797-9FBC-16380A0F0653}" type="slidenum">
               <a:rPr lang="zh-CN" altLang="en-US"/>
+              <a:t>‹#›</a:t>
             </a:fld>
             <a:endParaRPr lang="zh-CN" altLang="en-US"/>
           </a:p>
@@ -2572,7 +2527,6 @@
               <a:rPr lang="zh-CN" altLang="en-US" noProof="1"/>
               <a:t>单击此处编辑母版标题样式</a:t>
             </a:r>
-            <a:endParaRPr lang="zh-CN" altLang="en-US" noProof="1"/>
           </a:p>
         </p:txBody>
       </p:sp>
@@ -2608,7 +2562,6 @@
               <a:rPr lang="zh-CN" altLang="en-US" noProof="1"/>
               <a:t>单击此处编辑母版文本样式</a:t>
             </a:r>
-            <a:endParaRPr lang="zh-CN" altLang="en-US" noProof="1"/>
           </a:p>
           <a:p>
             <a:pPr lvl="1"/>
@@ -2616,7 +2569,6 @@
               <a:rPr lang="zh-CN" altLang="en-US" noProof="1"/>
               <a:t>第二级</a:t>
             </a:r>
-            <a:endParaRPr lang="zh-CN" altLang="en-US" noProof="1"/>
           </a:p>
           <a:p>
             <a:pPr lvl="2"/>
@@ -2624,7 +2576,6 @@
               <a:rPr lang="zh-CN" altLang="en-US" noProof="1"/>
               <a:t>第三级</a:t>
             </a:r>
-            <a:endParaRPr lang="zh-CN" altLang="en-US" noProof="1"/>
           </a:p>
           <a:p>
             <a:pPr lvl="3"/>
@@ -2632,7 +2583,6 @@
               <a:rPr lang="zh-CN" altLang="en-US" noProof="1"/>
               <a:t>第四级</a:t>
             </a:r>
-            <a:endParaRPr lang="zh-CN" altLang="en-US" noProof="1"/>
           </a:p>
           <a:p>
             <a:pPr lvl="4"/>
@@ -2640,7 +2590,6 @@
               <a:rPr lang="zh-CN" altLang="en-US" noProof="1"/>
               <a:t>第五级</a:t>
             </a:r>
-            <a:endParaRPr lang="zh-CN" altLang="en-US" noProof="1"/>
           </a:p>
         </p:txBody>
       </p:sp>
@@ -2747,6 +2696,7 @@
           <a:p>
             <a:fld id="{A9510276-27A0-48EF-A4BF-04DD8F98E8B9}" type="slidenum">
               <a:rPr lang="zh-CN" altLang="en-US"/>
+              <a:t>‹#›</a:t>
             </a:fld>
             <a:endParaRPr lang="zh-CN" altLang="en-US"/>
           </a:p>
@@ -3277,1326 +3227,1303 @@
           <a:chExt cx="0" cy="0"/>
         </a:xfrm>
       </p:grpSpPr>
-      <p:grpSp>
-        <p:nvGrpSpPr>
-          <p:cNvPr id="45" name="组合 44"/>
-          <p:cNvGrpSpPr/>
+      <p:cxnSp>
+        <p:nvCxnSpPr>
+          <p:cNvPr id="2" name="直接连接符 1"/>
+          <p:cNvCxnSpPr/>
           <p:nvPr/>
-        </p:nvGrpSpPr>
-        <p:grpSpPr>
+        </p:nvCxnSpPr>
+        <p:spPr>
+          <a:xfrm>
+            <a:off x="43489" y="36195"/>
+            <a:ext cx="6347235" cy="0"/>
+          </a:xfrm>
+          <a:prstGeom prst="line">
+            <a:avLst/>
+          </a:prstGeom>
+          <a:ln w="25400" cmpd="sng">
+            <a:solidFill>
+              <a:schemeClr val="tx1">
+                <a:lumMod val="50000"/>
+                <a:lumOff val="50000"/>
+              </a:schemeClr>
+            </a:solidFill>
+            <a:prstDash val="dash"/>
+          </a:ln>
+        </p:spPr>
+        <p:style>
+          <a:lnRef idx="1">
+            <a:schemeClr val="accent1"/>
+          </a:lnRef>
+          <a:fillRef idx="0">
+            <a:schemeClr val="accent1"/>
+          </a:fillRef>
+          <a:effectRef idx="0">
+            <a:schemeClr val="accent1"/>
+          </a:effectRef>
+          <a:fontRef idx="minor">
+            <a:schemeClr val="tx1"/>
+          </a:fontRef>
+        </p:style>
+      </p:cxnSp>
+      <p:cxnSp>
+        <p:nvCxnSpPr>
+          <p:cNvPr id="3" name="直接连接符 2"/>
+          <p:cNvCxnSpPr/>
+          <p:nvPr/>
+        </p:nvCxnSpPr>
+        <p:spPr>
+          <a:xfrm>
+            <a:off x="54942" y="1277790"/>
+            <a:ext cx="6347909" cy="0"/>
+          </a:xfrm>
+          <a:prstGeom prst="line">
+            <a:avLst/>
+          </a:prstGeom>
+          <a:ln w="25400" cmpd="sng">
+            <a:solidFill>
+              <a:schemeClr val="tx1">
+                <a:lumMod val="50000"/>
+                <a:lumOff val="50000"/>
+              </a:schemeClr>
+            </a:solidFill>
+            <a:prstDash val="dash"/>
+          </a:ln>
+        </p:spPr>
+        <p:style>
+          <a:lnRef idx="1">
+            <a:schemeClr val="accent1"/>
+          </a:lnRef>
+          <a:fillRef idx="0">
+            <a:schemeClr val="accent1"/>
+          </a:fillRef>
+          <a:effectRef idx="0">
+            <a:schemeClr val="accent1"/>
+          </a:effectRef>
+          <a:fontRef idx="minor">
+            <a:schemeClr val="tx1"/>
+          </a:fontRef>
+        </p:style>
+      </p:cxnSp>
+      <p:cxnSp>
+        <p:nvCxnSpPr>
+          <p:cNvPr id="4" name="直接连接符 3"/>
+          <p:cNvCxnSpPr/>
+          <p:nvPr/>
+        </p:nvCxnSpPr>
+        <p:spPr>
+          <a:xfrm>
+            <a:off x="38100" y="2719438"/>
+            <a:ext cx="6369466" cy="0"/>
+          </a:xfrm>
+          <a:prstGeom prst="line">
+            <a:avLst/>
+          </a:prstGeom>
+          <a:ln w="25400" cmpd="sng">
+            <a:solidFill>
+              <a:schemeClr val="tx1">
+                <a:lumMod val="50000"/>
+                <a:lumOff val="50000"/>
+              </a:schemeClr>
+            </a:solidFill>
+            <a:prstDash val="dash"/>
+          </a:ln>
+        </p:spPr>
+        <p:style>
+          <a:lnRef idx="1">
+            <a:schemeClr val="accent1"/>
+          </a:lnRef>
+          <a:fillRef idx="0">
+            <a:schemeClr val="accent1"/>
+          </a:fillRef>
+          <a:effectRef idx="0">
+            <a:schemeClr val="accent1"/>
+          </a:effectRef>
+          <a:fontRef idx="minor">
+            <a:schemeClr val="tx1"/>
+          </a:fontRef>
+        </p:style>
+      </p:cxnSp>
+      <p:sp>
+        <p:nvSpPr>
+          <p:cNvPr id="12" name="矩形 11"/>
+          <p:cNvSpPr/>
+          <p:nvPr/>
+        </p:nvSpPr>
+        <p:spPr>
+          <a:xfrm>
+            <a:off x="1252037" y="273718"/>
+            <a:ext cx="4004915" cy="767185"/>
+          </a:xfrm>
+          <a:prstGeom prst="rect">
+            <a:avLst/>
+          </a:prstGeom>
+          <a:solidFill>
+            <a:srgbClr val="74B230"/>
+          </a:solidFill>
+          <a:ln w="25400">
+            <a:solidFill>
+              <a:schemeClr val="tx1"/>
+            </a:solidFill>
+          </a:ln>
+        </p:spPr>
+        <p:style>
+          <a:lnRef idx="2">
+            <a:schemeClr val="accent1">
+              <a:shade val="50000"/>
+            </a:schemeClr>
+          </a:lnRef>
+          <a:fillRef idx="1">
+            <a:schemeClr val="accent1"/>
+          </a:fillRef>
+          <a:effectRef idx="0">
+            <a:schemeClr val="accent1"/>
+          </a:effectRef>
+          <a:fontRef idx="minor">
+            <a:schemeClr val="lt1"/>
+          </a:fontRef>
+        </p:style>
+        <p:txBody>
+          <a:bodyPr anchor="ctr"/>
+          <a:lstStyle/>
+          <a:p>
+            <a:pPr algn="ctr"/>
+            <a:r>
+              <a:rPr lang="en-US" altLang="zh-CN" sz="2000" noProof="1"/>
+              <a:t>Hotness-Aware Map</a:t>
+            </a:r>
+          </a:p>
+        </p:txBody>
+      </p:sp>
+      <p:sp>
+        <p:nvSpPr>
+          <p:cNvPr id="13" name="等腰三角形 12"/>
+          <p:cNvSpPr/>
+          <p:nvPr/>
+        </p:nvSpPr>
+        <p:spPr>
+          <a:xfrm>
+            <a:off x="580397" y="1397187"/>
+            <a:ext cx="5283524" cy="1189518"/>
+          </a:xfrm>
+          <a:prstGeom prst="triangle">
+            <a:avLst/>
+          </a:prstGeom>
+          <a:solidFill>
+            <a:srgbClr val="6B6BCE"/>
+          </a:solidFill>
+          <a:ln w="25400">
+            <a:solidFill>
+              <a:schemeClr val="tx1"/>
+            </a:solidFill>
+          </a:ln>
+        </p:spPr>
+        <p:style>
+          <a:lnRef idx="2">
+            <a:schemeClr val="accent1">
+              <a:shade val="50000"/>
+            </a:schemeClr>
+          </a:lnRef>
+          <a:fillRef idx="1">
+            <a:schemeClr val="accent1"/>
+          </a:fillRef>
+          <a:effectRef idx="0">
+            <a:schemeClr val="accent1"/>
+          </a:effectRef>
+          <a:fontRef idx="minor">
+            <a:schemeClr val="lt1"/>
+          </a:fontRef>
+        </p:style>
+        <p:txBody>
+          <a:bodyPr lIns="0" tIns="0" rIns="0" bIns="360000" anchor="ctr"/>
+          <a:lstStyle/>
+          <a:p>
+            <a:pPr algn="ctr"/>
+            <a:r>
+              <a:rPr lang="en-US" altLang="zh-CN" sz="2000" noProof="1"/>
+              <a:t>Index</a:t>
+            </a:r>
+          </a:p>
+          <a:p>
+            <a:pPr algn="ctr"/>
+            <a:r>
+              <a:rPr lang="en-US" altLang="zh-CN" sz="2000" noProof="1"/>
+              <a:t>(e.g., CCEH, Fast&amp;Fair)</a:t>
+            </a:r>
+          </a:p>
+        </p:txBody>
+      </p:sp>
+      <p:sp>
+        <p:nvSpPr>
+          <p:cNvPr id="2054" name="文本框 39"/>
+          <p:cNvSpPr txBox="1">
+            <a:spLocks noChangeArrowheads="1"/>
+          </p:cNvSpPr>
+          <p:nvPr/>
+        </p:nvSpPr>
+        <p:spPr bwMode="auto">
           <a:xfrm>
             <a:off x="38100" y="36195"/>
-            <a:ext cx="7059295" cy="4634865"/>
-            <a:chOff x="190" y="170"/>
-            <a:chExt cx="10479" cy="7298"/>
+            <a:ext cx="953230" cy="276898"/>
           </a:xfrm>
-        </p:grpSpPr>
-        <p:cxnSp>
-          <p:nvCxnSpPr>
-            <p:cNvPr id="2" name="直接连接符 1"/>
-            <p:cNvCxnSpPr/>
-            <p:nvPr/>
-          </p:nvCxnSpPr>
-          <p:spPr>
-            <a:xfrm>
-              <a:off x="198" y="170"/>
-              <a:ext cx="9422" cy="0"/>
-            </a:xfrm>
-            <a:prstGeom prst="line">
-              <a:avLst/>
-            </a:prstGeom>
-            <a:ln w="25400" cmpd="sng">
-              <a:solidFill>
-                <a:schemeClr val="tx1">
-                  <a:lumMod val="50000"/>
-                  <a:lumOff val="50000"/>
-                </a:schemeClr>
-              </a:solidFill>
-              <a:prstDash val="dash"/>
-            </a:ln>
-          </p:spPr>
-          <p:style>
-            <a:lnRef idx="1">
-              <a:schemeClr val="accent1"/>
-            </a:lnRef>
-            <a:fillRef idx="0">
-              <a:schemeClr val="accent1"/>
-            </a:fillRef>
-            <a:effectRef idx="0">
-              <a:schemeClr val="accent1"/>
-            </a:effectRef>
-            <a:fontRef idx="minor">
-              <a:schemeClr val="tx1"/>
-            </a:fontRef>
-          </p:style>
-        </p:cxnSp>
-        <p:cxnSp>
-          <p:nvCxnSpPr>
-            <p:cNvPr id="3" name="直接连接符 2"/>
-            <p:cNvCxnSpPr/>
-            <p:nvPr/>
-          </p:nvCxnSpPr>
-          <p:spPr>
-            <a:xfrm>
-              <a:off x="215" y="2125"/>
-              <a:ext cx="9423" cy="0"/>
-            </a:xfrm>
-            <a:prstGeom prst="line">
-              <a:avLst/>
-            </a:prstGeom>
-            <a:ln w="25400" cmpd="sng">
-              <a:solidFill>
-                <a:schemeClr val="tx1">
-                  <a:lumMod val="50000"/>
-                  <a:lumOff val="50000"/>
-                </a:schemeClr>
-              </a:solidFill>
-              <a:prstDash val="dash"/>
-            </a:ln>
-          </p:spPr>
-          <p:style>
-            <a:lnRef idx="1">
-              <a:schemeClr val="accent1"/>
-            </a:lnRef>
-            <a:fillRef idx="0">
-              <a:schemeClr val="accent1"/>
-            </a:fillRef>
-            <a:effectRef idx="0">
-              <a:schemeClr val="accent1"/>
-            </a:effectRef>
-            <a:fontRef idx="minor">
-              <a:schemeClr val="tx1"/>
-            </a:fontRef>
-          </p:style>
-        </p:cxnSp>
-        <p:cxnSp>
-          <p:nvCxnSpPr>
-            <p:cNvPr id="4" name="直接连接符 3"/>
-            <p:cNvCxnSpPr/>
-            <p:nvPr/>
-          </p:nvCxnSpPr>
-          <p:spPr>
-            <a:xfrm>
-              <a:off x="190" y="4395"/>
-              <a:ext cx="9455" cy="0"/>
-            </a:xfrm>
-            <a:prstGeom prst="line">
-              <a:avLst/>
-            </a:prstGeom>
-            <a:ln w="25400" cmpd="sng">
-              <a:solidFill>
-                <a:schemeClr val="tx1">
-                  <a:lumMod val="50000"/>
-                  <a:lumOff val="50000"/>
-                </a:schemeClr>
-              </a:solidFill>
-              <a:prstDash val="dash"/>
-            </a:ln>
-          </p:spPr>
-          <p:style>
-            <a:lnRef idx="1">
-              <a:schemeClr val="accent1"/>
-            </a:lnRef>
-            <a:fillRef idx="0">
-              <a:schemeClr val="accent1"/>
-            </a:fillRef>
-            <a:effectRef idx="0">
-              <a:schemeClr val="accent1"/>
-            </a:effectRef>
-            <a:fontRef idx="minor">
-              <a:schemeClr val="tx1"/>
-            </a:fontRef>
-          </p:style>
-        </p:cxnSp>
-        <p:sp>
-          <p:nvSpPr>
-            <p:cNvPr id="12" name="矩形 11"/>
-            <p:cNvSpPr/>
-            <p:nvPr/>
-          </p:nvSpPr>
-          <p:spPr>
-            <a:xfrm>
-              <a:off x="1992" y="544"/>
-              <a:ext cx="5945" cy="1208"/>
-            </a:xfrm>
-            <a:prstGeom prst="rect">
-              <a:avLst/>
-            </a:prstGeom>
-            <a:solidFill>
-              <a:srgbClr val="74B230"/>
-            </a:solidFill>
-            <a:ln w="25400">
-              <a:solidFill>
-                <a:schemeClr val="tx1"/>
-              </a:solidFill>
-            </a:ln>
-          </p:spPr>
-          <p:style>
-            <a:lnRef idx="2">
-              <a:schemeClr val="accent1">
-                <a:shade val="50000"/>
-              </a:schemeClr>
-            </a:lnRef>
-            <a:fillRef idx="1">
-              <a:schemeClr val="accent1"/>
-            </a:fillRef>
-            <a:effectRef idx="0">
-              <a:schemeClr val="accent1"/>
-            </a:effectRef>
-            <a:fontRef idx="minor">
-              <a:schemeClr val="lt1"/>
-            </a:fontRef>
-          </p:style>
-          <p:txBody>
-            <a:bodyPr anchor="ctr"/>
-            <a:lstStyle/>
-            <a:p>
-              <a:pPr algn="ctr"/>
-              <a:r>
-                <a:rPr lang="en-US" altLang="zh-CN" sz="1800" noProof="1"/>
-                <a:t>Hotness-Aware Map</a:t>
-              </a:r>
-              <a:endParaRPr lang="en-US" altLang="zh-CN" sz="1800" noProof="1"/>
-            </a:p>
-          </p:txBody>
-        </p:sp>
-        <p:sp>
-          <p:nvSpPr>
-            <p:cNvPr id="13" name="等腰三角形 12"/>
-            <p:cNvSpPr/>
-            <p:nvPr/>
-          </p:nvSpPr>
-          <p:spPr>
-            <a:xfrm>
-              <a:off x="995" y="2313"/>
-              <a:ext cx="7843" cy="1873"/>
-            </a:xfrm>
-            <a:prstGeom prst="triangle">
-              <a:avLst/>
-            </a:prstGeom>
-            <a:solidFill>
-              <a:srgbClr val="48A7AE"/>
-            </a:solidFill>
-            <a:ln w="25400">
-              <a:solidFill>
-                <a:schemeClr val="tx1"/>
-              </a:solidFill>
-            </a:ln>
-          </p:spPr>
-          <p:style>
-            <a:lnRef idx="2">
-              <a:schemeClr val="accent1">
-                <a:shade val="50000"/>
-              </a:schemeClr>
-            </a:lnRef>
-            <a:fillRef idx="1">
-              <a:schemeClr val="accent1"/>
-            </a:fillRef>
-            <a:effectRef idx="0">
-              <a:schemeClr val="accent1"/>
-            </a:effectRef>
-            <a:fontRef idx="minor">
-              <a:schemeClr val="lt1"/>
-            </a:fontRef>
-          </p:style>
-          <p:txBody>
-            <a:bodyPr anchor="ctr"/>
-            <a:lstStyle/>
-            <a:p>
-              <a:pPr algn="ctr"/>
-              <a:r>
-                <a:rPr lang="en-US" altLang="zh-CN" sz="1800" noProof="1"/>
-                <a:t>Index</a:t>
-              </a:r>
-              <a:endParaRPr lang="en-US" altLang="zh-CN" sz="1800" noProof="1"/>
-            </a:p>
-            <a:p>
-              <a:pPr algn="ctr"/>
-              <a:r>
-                <a:rPr lang="en-US" altLang="zh-CN" sz="1800" noProof="1"/>
-                <a:t>(e.g., CCEH, Fast&amp;Fair)</a:t>
-              </a:r>
-              <a:endParaRPr lang="en-US" altLang="zh-CN" sz="1800" noProof="1"/>
-            </a:p>
-          </p:txBody>
-        </p:sp>
-        <p:sp>
-          <p:nvSpPr>
-            <p:cNvPr id="2054" name="文本框 39"/>
-            <p:cNvSpPr txBox="1">
-              <a:spLocks noChangeArrowheads="1"/>
-            </p:cNvSpPr>
-            <p:nvPr/>
-          </p:nvSpPr>
-          <p:spPr bwMode="auto">
-            <a:xfrm>
-              <a:off x="190" y="170"/>
-              <a:ext cx="1415" cy="436"/>
-            </a:xfrm>
-            <a:prstGeom prst="rect">
-              <a:avLst/>
-            </a:prstGeom>
+          <a:prstGeom prst="rect">
+            <a:avLst/>
+          </a:prstGeom>
+          <a:noFill/>
+          <a:ln>
             <a:noFill/>
-            <a:ln>
-              <a:noFill/>
-            </a:ln>
-            <a:extLst>
-              <a:ext uri="{909E8E84-426E-40DD-AFC4-6F175D3DCCD1}">
-                <a14:hiddenFill xmlns:a14="http://schemas.microsoft.com/office/drawing/2010/main">
-                  <a:solidFill>
-                    <a:srgbClr val="FFFFFF"/>
-                  </a:solidFill>
-                </a14:hiddenFill>
-              </a:ext>
-              <a:ext uri="{91240B29-F687-4F45-9708-019B960494DF}">
-                <a14:hiddenLine xmlns:a14="http://schemas.microsoft.com/office/drawing/2010/main" w="9525">
-                  <a:solidFill>
-                    <a:srgbClr val="000000"/>
-                  </a:solidFill>
-                  <a:miter lim="800000"/>
-                  <a:headEnd/>
-                  <a:tailEnd/>
-                </a14:hiddenLine>
-              </a:ext>
-            </a:extLst>
-          </p:spPr>
-          <p:txBody>
-            <a:bodyPr lIns="0" tIns="0" rIns="0" bIns="0">
-              <a:spAutoFit/>
-            </a:bodyPr>
-            <a:lstStyle/>
-            <a:p>
-              <a:r>
-                <a:rPr lang="en-US" altLang="zh-CN" sz="1800" dirty="0"/>
-                <a:t>DRAM</a:t>
-              </a:r>
-              <a:endParaRPr lang="en-US" altLang="zh-CN" sz="1800" dirty="0"/>
-            </a:p>
-          </p:txBody>
-        </p:sp>
-        <p:sp>
-          <p:nvSpPr>
-            <p:cNvPr id="2055" name="文本框 41"/>
-            <p:cNvSpPr txBox="1">
-              <a:spLocks noChangeArrowheads="1"/>
-            </p:cNvSpPr>
-            <p:nvPr/>
-          </p:nvSpPr>
-          <p:spPr bwMode="auto">
-            <a:xfrm>
-              <a:off x="190" y="2125"/>
-              <a:ext cx="1833" cy="436"/>
-            </a:xfrm>
-            <a:prstGeom prst="rect">
-              <a:avLst/>
-            </a:prstGeom>
+          </a:ln>
+          <a:extLst>
+            <a:ext uri="{909E8E84-426E-40DD-AFC4-6F175D3DCCD1}">
+              <a14:hiddenFill xmlns:a14="http://schemas.microsoft.com/office/drawing/2010/main">
+                <a:solidFill>
+                  <a:srgbClr val="FFFFFF"/>
+                </a:solidFill>
+              </a14:hiddenFill>
+            </a:ext>
+            <a:ext uri="{91240B29-F687-4F45-9708-019B960494DF}">
+              <a14:hiddenLine xmlns:a14="http://schemas.microsoft.com/office/drawing/2010/main" w="9525">
+                <a:solidFill>
+                  <a:srgbClr val="000000"/>
+                </a:solidFill>
+                <a:miter lim="800000"/>
+                <a:headEnd/>
+                <a:tailEnd/>
+              </a14:hiddenLine>
+            </a:ext>
+          </a:extLst>
+        </p:spPr>
+        <p:txBody>
+          <a:bodyPr lIns="0" tIns="0" rIns="0" bIns="0">
+            <a:spAutoFit/>
+          </a:bodyPr>
+          <a:lstStyle/>
+          <a:p>
+            <a:r>
+              <a:rPr lang="en-US" altLang="zh-CN" sz="1800" dirty="0"/>
+              <a:t>DRAM</a:t>
+            </a:r>
+          </a:p>
+        </p:txBody>
+      </p:sp>
+      <p:sp>
+        <p:nvSpPr>
+          <p:cNvPr id="2055" name="文本框 41"/>
+          <p:cNvSpPr txBox="1">
+            <a:spLocks noChangeArrowheads="1"/>
+          </p:cNvSpPr>
+          <p:nvPr/>
+        </p:nvSpPr>
+        <p:spPr bwMode="auto">
+          <a:xfrm>
+            <a:off x="38100" y="1277790"/>
+            <a:ext cx="1234821" cy="276898"/>
+          </a:xfrm>
+          <a:prstGeom prst="rect">
+            <a:avLst/>
+          </a:prstGeom>
+          <a:noFill/>
+          <a:ln>
             <a:noFill/>
-            <a:ln>
-              <a:noFill/>
-            </a:ln>
-            <a:extLst>
-              <a:ext uri="{909E8E84-426E-40DD-AFC4-6F175D3DCCD1}">
-                <a14:hiddenFill xmlns:a14="http://schemas.microsoft.com/office/drawing/2010/main">
-                  <a:solidFill>
-                    <a:srgbClr val="FFFFFF"/>
-                  </a:solidFill>
-                </a14:hiddenFill>
-              </a:ext>
-              <a:ext uri="{91240B29-F687-4F45-9708-019B960494DF}">
-                <a14:hiddenLine xmlns:a14="http://schemas.microsoft.com/office/drawing/2010/main" w="9525">
-                  <a:solidFill>
-                    <a:srgbClr val="000000"/>
-                  </a:solidFill>
-                  <a:miter lim="800000"/>
-                  <a:headEnd/>
-                  <a:tailEnd/>
-                </a14:hiddenLine>
-              </a:ext>
-            </a:extLst>
-          </p:spPr>
-          <p:txBody>
-            <a:bodyPr lIns="0" tIns="0" rIns="0" bIns="0">
-              <a:spAutoFit/>
-            </a:bodyPr>
-            <a:lstStyle/>
-            <a:p>
-              <a:r>
-                <a:rPr lang="en-US" altLang="zh-CN" sz="1800" dirty="0"/>
-                <a:t>DRAM/PM</a:t>
-              </a:r>
-              <a:endParaRPr lang="en-US" altLang="zh-CN" sz="1800" dirty="0"/>
-            </a:p>
-          </p:txBody>
-        </p:sp>
-        <p:sp>
-          <p:nvSpPr>
-            <p:cNvPr id="2056" name="文本框 51"/>
-            <p:cNvSpPr txBox="1">
-              <a:spLocks noChangeArrowheads="1"/>
-            </p:cNvSpPr>
-            <p:nvPr/>
-          </p:nvSpPr>
-          <p:spPr bwMode="auto">
-            <a:xfrm>
-              <a:off x="190" y="4393"/>
-              <a:ext cx="1700" cy="436"/>
-            </a:xfrm>
-            <a:prstGeom prst="rect">
-              <a:avLst/>
-            </a:prstGeom>
+          </a:ln>
+          <a:extLst>
+            <a:ext uri="{909E8E84-426E-40DD-AFC4-6F175D3DCCD1}">
+              <a14:hiddenFill xmlns:a14="http://schemas.microsoft.com/office/drawing/2010/main">
+                <a:solidFill>
+                  <a:srgbClr val="FFFFFF"/>
+                </a:solidFill>
+              </a14:hiddenFill>
+            </a:ext>
+            <a:ext uri="{91240B29-F687-4F45-9708-019B960494DF}">
+              <a14:hiddenLine xmlns:a14="http://schemas.microsoft.com/office/drawing/2010/main" w="9525">
+                <a:solidFill>
+                  <a:srgbClr val="000000"/>
+                </a:solidFill>
+                <a:miter lim="800000"/>
+                <a:headEnd/>
+                <a:tailEnd/>
+              </a14:hiddenLine>
+            </a:ext>
+          </a:extLst>
+        </p:spPr>
+        <p:txBody>
+          <a:bodyPr lIns="0" tIns="0" rIns="0" bIns="0">
+            <a:spAutoFit/>
+          </a:bodyPr>
+          <a:lstStyle/>
+          <a:p>
+            <a:r>
+              <a:rPr lang="en-US" altLang="zh-CN" sz="1800" dirty="0"/>
+              <a:t>DRAM/PM</a:t>
+            </a:r>
+          </a:p>
+        </p:txBody>
+      </p:sp>
+      <p:sp>
+        <p:nvSpPr>
+          <p:cNvPr id="2056" name="文本框 51"/>
+          <p:cNvSpPr txBox="1">
+            <a:spLocks noChangeArrowheads="1"/>
+          </p:cNvSpPr>
+          <p:nvPr/>
+        </p:nvSpPr>
+        <p:spPr bwMode="auto">
+          <a:xfrm>
+            <a:off x="38100" y="2718168"/>
+            <a:ext cx="1145224" cy="276898"/>
+          </a:xfrm>
+          <a:prstGeom prst="rect">
+            <a:avLst/>
+          </a:prstGeom>
+          <a:noFill/>
+          <a:ln>
             <a:noFill/>
-            <a:ln>
-              <a:noFill/>
-            </a:ln>
-            <a:extLst>
-              <a:ext uri="{909E8E84-426E-40DD-AFC4-6F175D3DCCD1}">
-                <a14:hiddenFill xmlns:a14="http://schemas.microsoft.com/office/drawing/2010/main">
-                  <a:solidFill>
-                    <a:srgbClr val="FFFFFF"/>
-                  </a:solidFill>
-                </a14:hiddenFill>
-              </a:ext>
-              <a:ext uri="{91240B29-F687-4F45-9708-019B960494DF}">
-                <a14:hiddenLine xmlns:a14="http://schemas.microsoft.com/office/drawing/2010/main" w="9525">
-                  <a:solidFill>
-                    <a:srgbClr val="000000"/>
-                  </a:solidFill>
-                  <a:miter lim="800000"/>
-                  <a:headEnd/>
-                  <a:tailEnd/>
-                </a14:hiddenLine>
-              </a:ext>
-            </a:extLst>
-          </p:spPr>
-          <p:txBody>
-            <a:bodyPr lIns="0" tIns="0" rIns="0" bIns="0">
-              <a:spAutoFit/>
-            </a:bodyPr>
-            <a:lstStyle/>
-            <a:p>
-              <a:r>
-                <a:rPr lang="en-US" altLang="zh-CN" sz="1800" dirty="0"/>
-                <a:t>PM (log)</a:t>
-              </a:r>
-              <a:endParaRPr lang="en-US" altLang="zh-CN" sz="1800" dirty="0"/>
-            </a:p>
-          </p:txBody>
-        </p:sp>
-        <p:sp>
-          <p:nvSpPr>
-            <p:cNvPr id="2071" name="文本框 23"/>
-            <p:cNvSpPr txBox="1">
-              <a:spLocks noChangeArrowheads="1"/>
-            </p:cNvSpPr>
-            <p:nvPr/>
-          </p:nvSpPr>
-          <p:spPr bwMode="auto">
-            <a:xfrm>
-              <a:off x="8274" y="669"/>
-              <a:ext cx="2259" cy="580"/>
-            </a:xfrm>
-            <a:prstGeom prst="rect">
-              <a:avLst/>
-            </a:prstGeom>
+          </a:ln>
+          <a:extLst>
+            <a:ext uri="{909E8E84-426E-40DD-AFC4-6F175D3DCCD1}">
+              <a14:hiddenFill xmlns:a14="http://schemas.microsoft.com/office/drawing/2010/main">
+                <a:solidFill>
+                  <a:srgbClr val="FFFFFF"/>
+                </a:solidFill>
+              </a14:hiddenFill>
+            </a:ext>
+            <a:ext uri="{91240B29-F687-4F45-9708-019B960494DF}">
+              <a14:hiddenLine xmlns:a14="http://schemas.microsoft.com/office/drawing/2010/main" w="9525">
+                <a:solidFill>
+                  <a:srgbClr val="000000"/>
+                </a:solidFill>
+                <a:miter lim="800000"/>
+                <a:headEnd/>
+                <a:tailEnd/>
+              </a14:hiddenLine>
+            </a:ext>
+          </a:extLst>
+        </p:spPr>
+        <p:txBody>
+          <a:bodyPr lIns="0" tIns="0" rIns="0" bIns="0">
+            <a:spAutoFit/>
+          </a:bodyPr>
+          <a:lstStyle/>
+          <a:p>
+            <a:r>
+              <a:rPr lang="en-US" altLang="zh-CN" sz="1800" dirty="0"/>
+              <a:t>PM (log)</a:t>
+            </a:r>
+          </a:p>
+        </p:txBody>
+      </p:sp>
+      <p:sp>
+        <p:nvSpPr>
+          <p:cNvPr id="2071" name="文本框 23"/>
+          <p:cNvSpPr txBox="1">
+            <a:spLocks noChangeArrowheads="1"/>
+          </p:cNvSpPr>
+          <p:nvPr/>
+        </p:nvSpPr>
+        <p:spPr bwMode="auto">
+          <a:xfrm>
+            <a:off x="5183524" y="353103"/>
+            <a:ext cx="1521800" cy="276898"/>
+          </a:xfrm>
+          <a:prstGeom prst="rect">
+            <a:avLst/>
+          </a:prstGeom>
+          <a:noFill/>
+          <a:ln>
             <a:noFill/>
-            <a:ln>
-              <a:noFill/>
-            </a:ln>
-            <a:extLst>
-              <a:ext uri="{909E8E84-426E-40DD-AFC4-6F175D3DCCD1}">
-                <a14:hiddenFill xmlns:a14="http://schemas.microsoft.com/office/drawing/2010/main">
-                  <a:solidFill>
-                    <a:srgbClr val="FFFFFF"/>
-                  </a:solidFill>
-                </a14:hiddenFill>
-              </a:ext>
-              <a:ext uri="{91240B29-F687-4F45-9708-019B960494DF}">
-                <a14:hiddenLine xmlns:a14="http://schemas.microsoft.com/office/drawing/2010/main" w="9525">
-                  <a:solidFill>
-                    <a:srgbClr val="000000"/>
-                  </a:solidFill>
-                  <a:miter lim="800000"/>
-                  <a:headEnd/>
-                  <a:tailEnd/>
-                </a14:hiddenLine>
-              </a:ext>
-            </a:extLst>
-          </p:spPr>
-          <p:txBody>
-            <a:bodyPr wrap="square">
-              <a:spAutoFit/>
-            </a:bodyPr>
-            <a:lstStyle/>
-            <a:p>
-              <a:pPr algn="ctr"/>
-              <a:r>
-                <a:rPr lang="en-US" altLang="zh-CN" sz="1800" dirty="0">
-                  <a:solidFill>
-                    <a:srgbClr val="C00000"/>
-                  </a:solidFill>
-                </a:rPr>
-                <a:t>Hot access</a:t>
-              </a:r>
-              <a:endParaRPr lang="en-US" altLang="zh-CN" sz="1800" dirty="0">
+          </a:ln>
+          <a:extLst>
+            <a:ext uri="{909E8E84-426E-40DD-AFC4-6F175D3DCCD1}">
+              <a14:hiddenFill xmlns:a14="http://schemas.microsoft.com/office/drawing/2010/main">
+                <a:solidFill>
+                  <a:srgbClr val="FFFFFF"/>
+                </a:solidFill>
+              </a14:hiddenFill>
+            </a:ext>
+            <a:ext uri="{91240B29-F687-4F45-9708-019B960494DF}">
+              <a14:hiddenLine xmlns:a14="http://schemas.microsoft.com/office/drawing/2010/main" w="9525">
+                <a:solidFill>
+                  <a:srgbClr val="000000"/>
+                </a:solidFill>
+                <a:miter lim="800000"/>
+                <a:headEnd/>
+                <a:tailEnd/>
+              </a14:hiddenLine>
+            </a:ext>
+          </a:extLst>
+        </p:spPr>
+        <p:txBody>
+          <a:bodyPr wrap="square" lIns="0" tIns="0" rIns="0" bIns="0">
+            <a:spAutoFit/>
+          </a:bodyPr>
+          <a:lstStyle/>
+          <a:p>
+            <a:pPr algn="r"/>
+            <a:r>
+              <a:rPr lang="en-US" altLang="zh-CN" sz="1800" dirty="0">
                 <a:solidFill>
                   <a:srgbClr val="C00000"/>
                 </a:solidFill>
-              </a:endParaRPr>
-            </a:p>
-          </p:txBody>
-        </p:sp>
-        <p:sp>
-          <p:nvSpPr>
-            <p:cNvPr id="2072" name="文本框 24"/>
-            <p:cNvSpPr txBox="1">
-              <a:spLocks noChangeArrowheads="1"/>
-            </p:cNvSpPr>
-            <p:nvPr/>
-          </p:nvSpPr>
-          <p:spPr bwMode="auto">
-            <a:xfrm>
-              <a:off x="8149" y="2623"/>
-              <a:ext cx="2203" cy="580"/>
-            </a:xfrm>
-            <a:prstGeom prst="rect">
-              <a:avLst/>
-            </a:prstGeom>
+              </a:rPr>
+              <a:t>Hot access</a:t>
+            </a:r>
+          </a:p>
+        </p:txBody>
+      </p:sp>
+      <p:sp>
+        <p:nvSpPr>
+          <p:cNvPr id="2072" name="文本框 24"/>
+          <p:cNvSpPr txBox="1">
+            <a:spLocks noChangeArrowheads="1"/>
+          </p:cNvSpPr>
+          <p:nvPr/>
+        </p:nvSpPr>
+        <p:spPr bwMode="auto">
+          <a:xfrm>
+            <a:off x="5221249" y="1594064"/>
+            <a:ext cx="1484075" cy="276898"/>
+          </a:xfrm>
+          <a:prstGeom prst="rect">
+            <a:avLst/>
+          </a:prstGeom>
+          <a:noFill/>
+          <a:ln>
             <a:noFill/>
-            <a:ln>
-              <a:noFill/>
-            </a:ln>
-            <a:extLst>
-              <a:ext uri="{909E8E84-426E-40DD-AFC4-6F175D3DCCD1}">
-                <a14:hiddenFill xmlns:a14="http://schemas.microsoft.com/office/drawing/2010/main">
-                  <a:solidFill>
-                    <a:srgbClr val="FFFFFF"/>
-                  </a:solidFill>
-                </a14:hiddenFill>
-              </a:ext>
-              <a:ext uri="{91240B29-F687-4F45-9708-019B960494DF}">
-                <a14:hiddenLine xmlns:a14="http://schemas.microsoft.com/office/drawing/2010/main" w="9525">
-                  <a:solidFill>
-                    <a:srgbClr val="000000"/>
-                  </a:solidFill>
-                  <a:miter lim="800000"/>
-                  <a:headEnd/>
-                  <a:tailEnd/>
-                </a14:hiddenLine>
-              </a:ext>
-            </a:extLst>
-          </p:spPr>
-          <p:txBody>
-            <a:bodyPr>
-              <a:spAutoFit/>
-            </a:bodyPr>
-            <a:lstStyle/>
-            <a:p>
-              <a:pPr algn="ctr"/>
-              <a:r>
-                <a:rPr lang="en-US" altLang="zh-CN" sz="1800" dirty="0">
-                  <a:solidFill>
-                    <a:srgbClr val="0070C0"/>
-                  </a:solidFill>
-                </a:rPr>
-                <a:t>Cold access</a:t>
-              </a:r>
-              <a:endParaRPr lang="en-US" altLang="zh-CN" sz="1800" dirty="0">
+          </a:ln>
+          <a:extLst>
+            <a:ext uri="{909E8E84-426E-40DD-AFC4-6F175D3DCCD1}">
+              <a14:hiddenFill xmlns:a14="http://schemas.microsoft.com/office/drawing/2010/main">
+                <a:solidFill>
+                  <a:srgbClr val="FFFFFF"/>
+                </a:solidFill>
+              </a14:hiddenFill>
+            </a:ext>
+            <a:ext uri="{91240B29-F687-4F45-9708-019B960494DF}">
+              <a14:hiddenLine xmlns:a14="http://schemas.microsoft.com/office/drawing/2010/main" w="9525">
+                <a:solidFill>
+                  <a:srgbClr val="000000"/>
+                </a:solidFill>
+                <a:miter lim="800000"/>
+                <a:headEnd/>
+                <a:tailEnd/>
+              </a14:hiddenLine>
+            </a:ext>
+          </a:extLst>
+        </p:spPr>
+        <p:txBody>
+          <a:bodyPr lIns="0" tIns="0" rIns="0" bIns="0">
+            <a:spAutoFit/>
+          </a:bodyPr>
+          <a:lstStyle/>
+          <a:p>
+            <a:pPr algn="r"/>
+            <a:r>
+              <a:rPr lang="en-US" altLang="zh-CN" sz="1800" dirty="0">
                 <a:solidFill>
                   <a:srgbClr val="0070C0"/>
                 </a:solidFill>
-              </a:endParaRPr>
-            </a:p>
-          </p:txBody>
-        </p:sp>
-        <p:cxnSp>
-          <p:nvCxnSpPr>
-            <p:cNvPr id="35" name="直接连接符 34"/>
-            <p:cNvCxnSpPr>
-              <a:endCxn id="6" idx="3"/>
-            </p:cNvCxnSpPr>
-            <p:nvPr/>
-          </p:nvCxnSpPr>
-          <p:spPr>
-            <a:xfrm>
-              <a:off x="3851" y="5157"/>
-              <a:ext cx="0" cy="535"/>
-            </a:xfrm>
-            <a:prstGeom prst="line">
-              <a:avLst/>
-            </a:prstGeom>
-            <a:ln w="19050">
-              <a:solidFill>
-                <a:schemeClr val="tx1"/>
-              </a:solidFill>
-            </a:ln>
-          </p:spPr>
-          <p:style>
-            <a:lnRef idx="1">
-              <a:schemeClr val="accent1"/>
-            </a:lnRef>
-            <a:fillRef idx="0">
-              <a:schemeClr val="accent1"/>
-            </a:fillRef>
-            <a:effectRef idx="0">
-              <a:schemeClr val="accent1"/>
-            </a:effectRef>
-            <a:fontRef idx="minor">
+              </a:rPr>
+              <a:t>Cold access</a:t>
+            </a:r>
+          </a:p>
+        </p:txBody>
+      </p:sp>
+      <p:cxnSp>
+        <p:nvCxnSpPr>
+          <p:cNvPr id="35" name="直接连接符 34"/>
+          <p:cNvCxnSpPr>
+            <a:endCxn id="6" idx="3"/>
+          </p:cNvCxnSpPr>
+          <p:nvPr/>
+        </p:nvCxnSpPr>
+        <p:spPr>
+          <a:xfrm>
+            <a:off x="5853817" y="3204644"/>
+            <a:ext cx="0" cy="339137"/>
+          </a:xfrm>
+          <a:prstGeom prst="line">
+            <a:avLst/>
+          </a:prstGeom>
+          <a:ln w="19050">
+            <a:solidFill>
               <a:schemeClr val="tx1"/>
-            </a:fontRef>
-          </p:style>
-        </p:cxnSp>
-        <p:grpSp>
-          <p:nvGrpSpPr>
-            <p:cNvPr id="33" name="组合 32"/>
-            <p:cNvGrpSpPr/>
-            <p:nvPr/>
-          </p:nvGrpSpPr>
-          <p:grpSpPr>
-            <a:xfrm>
-              <a:off x="1359" y="5041"/>
-              <a:ext cx="7524" cy="1735"/>
-              <a:chOff x="1462" y="5041"/>
-              <a:chExt cx="7524" cy="1735"/>
-            </a:xfrm>
-          </p:grpSpPr>
-          <p:grpSp>
-            <p:nvGrpSpPr>
-              <p:cNvPr id="31" name="组合 30"/>
-              <p:cNvGrpSpPr/>
-              <p:nvPr/>
-            </p:nvGrpSpPr>
-            <p:grpSpPr>
-              <a:xfrm>
-                <a:off x="1462" y="5041"/>
-                <a:ext cx="2492" cy="1735"/>
-                <a:chOff x="3700" y="5073"/>
-                <a:chExt cx="2492" cy="1735"/>
-              </a:xfrm>
-            </p:grpSpPr>
-            <p:sp>
-              <p:nvSpPr>
-                <p:cNvPr id="2060" name="文本框 9"/>
-                <p:cNvSpPr txBox="1">
-                  <a:spLocks noChangeArrowheads="1"/>
-                </p:cNvSpPr>
-                <p:nvPr/>
-              </p:nvSpPr>
-              <p:spPr bwMode="auto">
-                <a:xfrm>
-                  <a:off x="4194" y="6372"/>
-                  <a:ext cx="1553" cy="436"/>
-                </a:xfrm>
-                <a:prstGeom prst="rect">
-                  <a:avLst/>
-                </a:prstGeom>
-                <a:noFill/>
-                <a:ln>
-                  <a:noFill/>
-                </a:ln>
-                <a:extLst>
-                  <a:ext uri="{909E8E84-426E-40DD-AFC4-6F175D3DCCD1}">
-                    <a14:hiddenFill xmlns:a14="http://schemas.microsoft.com/office/drawing/2010/main">
-                      <a:solidFill>
-                        <a:srgbClr val="FFFFFF"/>
-                      </a:solidFill>
-                    </a14:hiddenFill>
-                  </a:ext>
-                  <a:ext uri="{91240B29-F687-4F45-9708-019B960494DF}">
-                    <a14:hiddenLine xmlns:a14="http://schemas.microsoft.com/office/drawing/2010/main" w="9525">
-                      <a:solidFill>
-                        <a:srgbClr val="000000"/>
-                      </a:solidFill>
-                      <a:miter lim="800000"/>
-                      <a:headEnd/>
-                      <a:tailEnd/>
-                    </a14:hiddenLine>
-                  </a:ext>
-                </a:extLst>
-              </p:spPr>
-              <p:txBody>
-                <a:bodyPr lIns="0" tIns="0" rIns="0" bIns="0">
-                  <a:spAutoFit/>
-                </a:bodyPr>
-                <a:lstStyle/>
-                <a:p>
-                  <a:pPr algn="ctr"/>
-                  <a:r>
-                    <a:rPr lang="en-US" altLang="zh-CN" sz="1800" dirty="0"/>
-                    <a:t>class</a:t>
-                  </a:r>
-                  <a:r>
-                    <a:rPr lang="en-US" altLang="zh-CN" sz="2400" baseline="-25000" dirty="0"/>
-                    <a:t>s</a:t>
-                  </a:r>
-                  <a:r>
-                    <a:rPr lang="en-US" altLang="zh-CN" sz="1800" dirty="0"/>
-                    <a:t> 0</a:t>
-                  </a:r>
-                  <a:endParaRPr lang="en-US" altLang="zh-CN" sz="1800" dirty="0"/>
-                </a:p>
-              </p:txBody>
-            </p:sp>
-            <p:sp>
-              <p:nvSpPr>
-                <p:cNvPr id="6" name="矩形 5"/>
-                <p:cNvSpPr/>
-                <p:nvPr/>
-              </p:nvSpPr>
-              <p:spPr>
-                <a:xfrm>
-                  <a:off x="3700" y="5073"/>
-                  <a:ext cx="2492" cy="1301"/>
-                </a:xfrm>
-                <a:prstGeom prst="rect">
-                  <a:avLst/>
-                </a:prstGeom>
+            </a:solidFill>
+          </a:ln>
+        </p:spPr>
+        <p:style>
+          <a:lnRef idx="1">
+            <a:schemeClr val="accent1"/>
+          </a:lnRef>
+          <a:fillRef idx="0">
+            <a:schemeClr val="accent1"/>
+          </a:fillRef>
+          <a:effectRef idx="0">
+            <a:schemeClr val="accent1"/>
+          </a:effectRef>
+          <a:fontRef idx="minor">
+            <a:schemeClr val="tx1"/>
+          </a:fontRef>
+        </p:style>
+      </p:cxnSp>
+      <p:sp>
+        <p:nvSpPr>
+          <p:cNvPr id="2060" name="文本框 9"/>
+          <p:cNvSpPr txBox="1">
+            <a:spLocks noChangeArrowheads="1"/>
+          </p:cNvSpPr>
+          <p:nvPr/>
+        </p:nvSpPr>
+        <p:spPr bwMode="auto">
+          <a:xfrm>
+            <a:off x="1142230" y="3946426"/>
+            <a:ext cx="1046196" cy="276898"/>
+          </a:xfrm>
+          <a:prstGeom prst="rect">
+            <a:avLst/>
+          </a:prstGeom>
+          <a:noFill/>
+          <a:ln>
+            <a:noFill/>
+          </a:ln>
+          <a:extLst>
+            <a:ext uri="{909E8E84-426E-40DD-AFC4-6F175D3DCCD1}">
+              <a14:hiddenFill xmlns:a14="http://schemas.microsoft.com/office/drawing/2010/main">
                 <a:solidFill>
-                  <a:schemeClr val="accent6">
-                    <a:lumMod val="60000"/>
-                    <a:lumOff val="40000"/>
-                  </a:schemeClr>
+                  <a:srgbClr val="FFFFFF"/>
                 </a:solidFill>
-                <a:ln w="25400">
-                  <a:solidFill>
-                    <a:schemeClr val="tx1"/>
-                  </a:solidFill>
-                </a:ln>
-              </p:spPr>
-              <p:style>
-                <a:lnRef idx="2">
-                  <a:schemeClr val="accent1">
-                    <a:shade val="50000"/>
-                  </a:schemeClr>
-                </a:lnRef>
-                <a:fillRef idx="1">
-                  <a:schemeClr val="accent1"/>
-                </a:fillRef>
-                <a:effectRef idx="0">
-                  <a:schemeClr val="accent1"/>
-                </a:effectRef>
-                <a:fontRef idx="minor">
-                  <a:schemeClr val="lt1"/>
-                </a:fontRef>
-              </p:style>
-              <p:txBody>
-                <a:bodyPr lIns="0" tIns="0" rIns="0" bIns="0" anchor="ctr"/>
-                <a:lstStyle/>
-                <a:p>
-                  <a:pPr algn="ctr"/>
-                  <a:r>
-                    <a:rPr lang="en-US" altLang="zh-CN" sz="1800" noProof="1"/>
-                    <a:t>Normal Log Area</a:t>
-                  </a:r>
-                  <a:endParaRPr lang="en-US" altLang="zh-CN" sz="1800" noProof="1"/>
-                </a:p>
-              </p:txBody>
-            </p:sp>
-          </p:grpSp>
-          <p:grpSp>
-            <p:nvGrpSpPr>
-              <p:cNvPr id="32" name="组合 31"/>
-              <p:cNvGrpSpPr/>
-              <p:nvPr/>
-            </p:nvGrpSpPr>
-            <p:grpSpPr>
-              <a:xfrm>
-                <a:off x="6462" y="5042"/>
-                <a:ext cx="2524" cy="1721"/>
-                <a:chOff x="1134" y="5078"/>
-                <a:chExt cx="2524" cy="1721"/>
-              </a:xfrm>
-            </p:grpSpPr>
-            <p:sp>
-              <p:nvSpPr>
-                <p:cNvPr id="2066" name="文本框 9"/>
-                <p:cNvSpPr txBox="1">
-                  <a:spLocks noChangeArrowheads="1"/>
-                </p:cNvSpPr>
-                <p:nvPr/>
-              </p:nvSpPr>
-              <p:spPr bwMode="auto">
-                <a:xfrm>
-                  <a:off x="1699" y="6363"/>
-                  <a:ext cx="1403" cy="436"/>
-                </a:xfrm>
-                <a:prstGeom prst="rect">
-                  <a:avLst/>
-                </a:prstGeom>
-                <a:noFill/>
-                <a:ln>
-                  <a:noFill/>
-                </a:ln>
-                <a:extLst>
-                  <a:ext uri="{909E8E84-426E-40DD-AFC4-6F175D3DCCD1}">
-                    <a14:hiddenFill xmlns:a14="http://schemas.microsoft.com/office/drawing/2010/main">
-                      <a:solidFill>
-                        <a:srgbClr val="FFFFFF"/>
-                      </a:solidFill>
-                    </a14:hiddenFill>
-                  </a:ext>
-                  <a:ext uri="{91240B29-F687-4F45-9708-019B960494DF}">
-                    <a14:hiddenLine xmlns:a14="http://schemas.microsoft.com/office/drawing/2010/main" w="9525">
-                      <a:solidFill>
-                        <a:srgbClr val="000000"/>
-                      </a:solidFill>
-                      <a:miter lim="800000"/>
-                      <a:headEnd/>
-                      <a:tailEnd/>
-                    </a14:hiddenLine>
-                  </a:ext>
-                </a:extLst>
-              </p:spPr>
-              <p:txBody>
-                <a:bodyPr wrap="square" lIns="0" tIns="0" rIns="0" bIns="0">
-                  <a:spAutoFit/>
-                </a:bodyPr>
-                <a:lstStyle/>
-                <a:p>
-                  <a:pPr algn="ctr"/>
-                  <a:r>
-                    <a:rPr lang="en-US" altLang="zh-CN" sz="1800" dirty="0"/>
-                    <a:t>class</a:t>
-                  </a:r>
-                  <a:r>
-                    <a:rPr lang="en-US" altLang="zh-CN" sz="2400" baseline="-25000" dirty="0"/>
-                    <a:t>s</a:t>
-                  </a:r>
-                  <a:r>
-                    <a:rPr lang="en-US" altLang="zh-CN" sz="1800" dirty="0"/>
-                    <a:t> 2</a:t>
-                  </a:r>
-                  <a:endParaRPr lang="en-US" altLang="zh-CN" sz="1800" dirty="0"/>
-                </a:p>
-              </p:txBody>
-            </p:sp>
-            <p:sp>
-              <p:nvSpPr>
-                <p:cNvPr id="34" name="矩形 33"/>
-                <p:cNvSpPr/>
-                <p:nvPr/>
-              </p:nvSpPr>
-              <p:spPr>
-                <a:xfrm>
-                  <a:off x="1134" y="5078"/>
-                  <a:ext cx="2524" cy="1299"/>
-                </a:xfrm>
-                <a:prstGeom prst="rect">
-                  <a:avLst/>
-                </a:prstGeom>
+              </a14:hiddenFill>
+            </a:ext>
+            <a:ext uri="{91240B29-F687-4F45-9708-019B960494DF}">
+              <a14:hiddenLine xmlns:a14="http://schemas.microsoft.com/office/drawing/2010/main" w="9525">
                 <a:solidFill>
-                  <a:srgbClr val="EE7228"/>
+                  <a:srgbClr val="000000"/>
                 </a:solidFill>
-                <a:ln w="25400">
-                  <a:solidFill>
-                    <a:schemeClr val="tx1"/>
-                  </a:solidFill>
-                </a:ln>
-              </p:spPr>
-              <p:style>
-                <a:lnRef idx="2">
-                  <a:schemeClr val="accent1">
-                    <a:shade val="50000"/>
-                  </a:schemeClr>
-                </a:lnRef>
-                <a:fillRef idx="1">
-                  <a:schemeClr val="accent1"/>
-                </a:fillRef>
-                <a:effectRef idx="0">
-                  <a:schemeClr val="accent1"/>
-                </a:effectRef>
-                <a:fontRef idx="minor">
-                  <a:schemeClr val="lt1"/>
-                </a:fontRef>
-              </p:style>
-              <p:txBody>
-                <a:bodyPr lIns="0" tIns="0" rIns="0" bIns="0" anchor="ctr"/>
-                <a:lstStyle/>
-                <a:p>
-                  <a:pPr algn="ctr"/>
-                  <a:r>
-                    <a:rPr lang="en-US" altLang="zh-CN" sz="1800" noProof="1"/>
-                    <a:t>IGC Log Pool</a:t>
-                  </a:r>
-                  <a:endParaRPr lang="en-US" altLang="zh-CN" sz="1800" noProof="1"/>
-                </a:p>
-              </p:txBody>
-            </p:sp>
-          </p:grpSp>
-          <p:grpSp>
-            <p:nvGrpSpPr>
-              <p:cNvPr id="30" name="组合 29"/>
-              <p:cNvGrpSpPr/>
-              <p:nvPr/>
-            </p:nvGrpSpPr>
-            <p:grpSpPr>
-              <a:xfrm>
-                <a:off x="3968" y="5041"/>
-                <a:ext cx="2480" cy="1733"/>
-                <a:chOff x="6237" y="5073"/>
-                <a:chExt cx="2480" cy="1733"/>
-              </a:xfrm>
-            </p:grpSpPr>
-            <p:sp>
-              <p:nvSpPr>
-                <p:cNvPr id="5" name="矩形 4"/>
-                <p:cNvSpPr/>
-                <p:nvPr>
-                  <p:custDataLst>
-                    <p:tags r:id="rId1"/>
-                  </p:custDataLst>
-                </p:nvPr>
-              </p:nvSpPr>
-              <p:spPr>
-                <a:xfrm>
-                  <a:off x="6237" y="5073"/>
-                  <a:ext cx="2480" cy="1301"/>
-                </a:xfrm>
-                <a:prstGeom prst="rect">
-                  <a:avLst/>
-                </a:prstGeom>
+                <a:miter lim="800000"/>
+                <a:headEnd/>
+                <a:tailEnd/>
+              </a14:hiddenLine>
+            </a:ext>
+          </a:extLst>
+        </p:spPr>
+        <p:txBody>
+          <a:bodyPr lIns="0" tIns="0" rIns="0" bIns="0">
+            <a:spAutoFit/>
+          </a:bodyPr>
+          <a:lstStyle/>
+          <a:p>
+            <a:pPr algn="ctr"/>
+            <a:r>
+              <a:rPr lang="en-US" altLang="zh-CN" sz="1800" dirty="0"/>
+              <a:t>class 2</a:t>
+            </a:r>
+          </a:p>
+        </p:txBody>
+      </p:sp>
+      <p:sp>
+        <p:nvSpPr>
+          <p:cNvPr id="6" name="矩形 5"/>
+          <p:cNvSpPr/>
+          <p:nvPr/>
+        </p:nvSpPr>
+        <p:spPr>
+          <a:xfrm>
+            <a:off x="4175726" y="3130974"/>
+            <a:ext cx="1678764" cy="826248"/>
+          </a:xfrm>
+          <a:prstGeom prst="rect">
+            <a:avLst/>
+          </a:prstGeom>
+          <a:solidFill>
+            <a:srgbClr val="8AC8CB"/>
+          </a:solidFill>
+          <a:ln w="25400">
+            <a:solidFill>
+              <a:schemeClr val="tx1"/>
+            </a:solidFill>
+          </a:ln>
+        </p:spPr>
+        <p:style>
+          <a:lnRef idx="2">
+            <a:schemeClr val="accent1">
+              <a:shade val="50000"/>
+            </a:schemeClr>
+          </a:lnRef>
+          <a:fillRef idx="1">
+            <a:schemeClr val="accent1"/>
+          </a:fillRef>
+          <a:effectRef idx="0">
+            <a:schemeClr val="accent1"/>
+          </a:effectRef>
+          <a:fontRef idx="minor">
+            <a:schemeClr val="lt1"/>
+          </a:fontRef>
+        </p:style>
+        <p:txBody>
+          <a:bodyPr lIns="0" tIns="0" rIns="0" bIns="0" anchor="ctr"/>
+          <a:lstStyle/>
+          <a:p>
+            <a:pPr algn="ctr"/>
+            <a:r>
+              <a:rPr lang="en-US" altLang="zh-CN" sz="2000" noProof="1"/>
+              <a:t>Normal Log Area</a:t>
+            </a:r>
+          </a:p>
+        </p:txBody>
+      </p:sp>
+      <p:sp>
+        <p:nvSpPr>
+          <p:cNvPr id="2066" name="文本框 9"/>
+          <p:cNvSpPr txBox="1">
+            <a:spLocks noChangeArrowheads="1"/>
+          </p:cNvSpPr>
+          <p:nvPr/>
+        </p:nvSpPr>
+        <p:spPr bwMode="auto">
+          <a:xfrm>
+            <a:off x="4571165" y="3946426"/>
+            <a:ext cx="945147" cy="276898"/>
+          </a:xfrm>
+          <a:prstGeom prst="rect">
+            <a:avLst/>
+          </a:prstGeom>
+          <a:noFill/>
+          <a:ln>
+            <a:noFill/>
+          </a:ln>
+          <a:extLst>
+            <a:ext uri="{909E8E84-426E-40DD-AFC4-6F175D3DCCD1}">
+              <a14:hiddenFill xmlns:a14="http://schemas.microsoft.com/office/drawing/2010/main">
                 <a:solidFill>
-                  <a:schemeClr val="accent6">
-                    <a:lumMod val="60000"/>
-                    <a:lumOff val="40000"/>
-                  </a:schemeClr>
+                  <a:srgbClr val="FFFFFF"/>
                 </a:solidFill>
-                <a:ln w="25400">
-                  <a:solidFill>
-                    <a:schemeClr val="tx1"/>
-                  </a:solidFill>
-                </a:ln>
-              </p:spPr>
-              <p:style>
-                <a:lnRef idx="2">
-                  <a:schemeClr val="accent1">
-                    <a:shade val="50000"/>
-                  </a:schemeClr>
-                </a:lnRef>
-                <a:fillRef idx="1">
-                  <a:schemeClr val="accent1"/>
-                </a:fillRef>
-                <a:effectRef idx="0">
-                  <a:schemeClr val="accent1"/>
-                </a:effectRef>
-                <a:fontRef idx="minor">
-                  <a:schemeClr val="lt1"/>
-                </a:fontRef>
-              </p:style>
-              <p:txBody>
-                <a:bodyPr lIns="0" tIns="0" rIns="0" bIns="0" anchor="ctr"/>
-                <a:p>
-                  <a:pPr algn="ctr"/>
-                  <a:r>
-                    <a:rPr lang="en-US" altLang="zh-CN" sz="1800" noProof="1"/>
-                    <a:t>Normal Log Area</a:t>
-                  </a:r>
-                  <a:endParaRPr lang="en-US" altLang="zh-CN" sz="1800" noProof="1"/>
-                </a:p>
-              </p:txBody>
-            </p:sp>
-            <p:sp>
-              <p:nvSpPr>
-                <p:cNvPr id="17" name="文本框 9"/>
-                <p:cNvSpPr txBox="1">
-                  <a:spLocks noChangeArrowheads="1"/>
-                </p:cNvSpPr>
-                <p:nvPr>
-                  <p:custDataLst>
-                    <p:tags r:id="rId2"/>
-                  </p:custDataLst>
-                </p:nvPr>
-              </p:nvSpPr>
-              <p:spPr bwMode="auto">
-                <a:xfrm>
-                  <a:off x="6701" y="6370"/>
-                  <a:ext cx="1553" cy="436"/>
-                </a:xfrm>
-                <a:prstGeom prst="rect">
-                  <a:avLst/>
-                </a:prstGeom>
-                <a:noFill/>
-                <a:ln>
-                  <a:noFill/>
-                </a:ln>
-                <a:extLst>
-                  <a:ext uri="{909E8E84-426E-40DD-AFC4-6F175D3DCCD1}">
-                    <a14:hiddenFill xmlns:a14="http://schemas.microsoft.com/office/drawing/2010/main">
-                      <a:solidFill>
-                        <a:srgbClr val="FFFFFF"/>
-                      </a:solidFill>
-                    </a14:hiddenFill>
-                  </a:ext>
-                  <a:ext uri="{91240B29-F687-4F45-9708-019B960494DF}">
-                    <a14:hiddenLine xmlns:a14="http://schemas.microsoft.com/office/drawing/2010/main" w="9525">
-                      <a:solidFill>
-                        <a:srgbClr val="000000"/>
-                      </a:solidFill>
-                      <a:miter lim="800000"/>
-                      <a:headEnd/>
-                      <a:tailEnd/>
-                    </a14:hiddenLine>
-                  </a:ext>
-                </a:extLst>
-              </p:spPr>
-              <p:txBody>
-                <a:bodyPr lIns="0" tIns="0" rIns="0" bIns="0">
-                  <a:spAutoFit/>
-                </a:bodyPr>
-                <a:p>
-                  <a:pPr algn="ctr"/>
-                  <a:r>
-                    <a:rPr lang="en-US" altLang="zh-CN" sz="1800" dirty="0"/>
-                    <a:t>class</a:t>
-                  </a:r>
-                  <a:r>
-                    <a:rPr lang="en-US" altLang="zh-CN" sz="2400" baseline="-25000" dirty="0"/>
-                    <a:t>s</a:t>
-                  </a:r>
-                  <a:r>
-                    <a:rPr lang="en-US" altLang="zh-CN" sz="1800" dirty="0"/>
-                    <a:t> 1</a:t>
-                  </a:r>
-                  <a:endParaRPr lang="en-US" altLang="zh-CN" sz="1800" dirty="0"/>
-                </a:p>
-              </p:txBody>
-            </p:sp>
-          </p:grpSp>
-        </p:grpSp>
-        <p:cxnSp>
-          <p:nvCxnSpPr>
-            <p:cNvPr id="27" name="直接连接符 26"/>
-            <p:cNvCxnSpPr/>
-            <p:nvPr>
-              <p:custDataLst>
-                <p:tags r:id="rId3"/>
-              </p:custDataLst>
-            </p:nvPr>
-          </p:nvCxnSpPr>
-          <p:spPr>
-            <a:xfrm>
-              <a:off x="10419" y="456"/>
-              <a:ext cx="0" cy="4192"/>
-            </a:xfrm>
-            <a:prstGeom prst="line">
-              <a:avLst/>
-            </a:prstGeom>
-            <a:ln w="28575" cmpd="sng">
-              <a:solidFill>
-                <a:srgbClr val="0070C0"/>
-              </a:solidFill>
-              <a:prstDash val="solid"/>
-            </a:ln>
-          </p:spPr>
-          <p:style>
-            <a:lnRef idx="1">
-              <a:schemeClr val="accent1"/>
-            </a:lnRef>
-            <a:fillRef idx="0">
-              <a:schemeClr val="accent1"/>
-            </a:fillRef>
-            <a:effectRef idx="0">
-              <a:schemeClr val="accent1"/>
-            </a:effectRef>
-            <a:fontRef idx="minor">
+              </a14:hiddenFill>
+            </a:ext>
+            <a:ext uri="{91240B29-F687-4F45-9708-019B960494DF}">
+              <a14:hiddenLine xmlns:a14="http://schemas.microsoft.com/office/drawing/2010/main" w="9525">
+                <a:solidFill>
+                  <a:srgbClr val="000000"/>
+                </a:solidFill>
+                <a:miter lim="800000"/>
+                <a:headEnd/>
+                <a:tailEnd/>
+              </a14:hiddenLine>
+            </a:ext>
+          </a:extLst>
+        </p:spPr>
+        <p:txBody>
+          <a:bodyPr wrap="square" lIns="0" tIns="0" rIns="0" bIns="0">
+            <a:spAutoFit/>
+          </a:bodyPr>
+          <a:lstStyle/>
+          <a:p>
+            <a:pPr algn="ctr"/>
+            <a:r>
+              <a:rPr lang="en-US" altLang="zh-CN" sz="1800" dirty="0"/>
+              <a:t>class 0</a:t>
+            </a:r>
+          </a:p>
+        </p:txBody>
+      </p:sp>
+      <p:sp>
+        <p:nvSpPr>
+          <p:cNvPr id="34" name="矩形 33"/>
+          <p:cNvSpPr/>
+          <p:nvPr/>
+        </p:nvSpPr>
+        <p:spPr>
+          <a:xfrm>
+            <a:off x="806747" y="3130974"/>
+            <a:ext cx="1700321" cy="824978"/>
+          </a:xfrm>
+          <a:prstGeom prst="rect">
+            <a:avLst/>
+          </a:prstGeom>
+          <a:solidFill>
+            <a:srgbClr val="C00000"/>
+          </a:solidFill>
+          <a:ln w="25400">
+            <a:solidFill>
               <a:schemeClr val="tx1"/>
-            </a:fontRef>
-          </p:style>
-        </p:cxnSp>
-        <p:cxnSp>
-          <p:nvCxnSpPr>
-            <p:cNvPr id="36" name="肘形连接符 35"/>
-            <p:cNvCxnSpPr>
-              <a:endCxn id="34" idx="3"/>
-            </p:cNvCxnSpPr>
-            <p:nvPr/>
-          </p:nvCxnSpPr>
-          <p:spPr>
-            <a:xfrm rot="5400000">
-              <a:off x="7148" y="2171"/>
-              <a:ext cx="5255" cy="1786"/>
-            </a:xfrm>
-            <a:prstGeom prst="bentConnector2">
-              <a:avLst/>
-            </a:prstGeom>
-            <a:ln w="28575" cmpd="sng">
-              <a:solidFill>
-                <a:srgbClr val="C00000"/>
-              </a:solidFill>
-              <a:prstDash val="solid"/>
-              <a:tailEnd type="arrow"/>
-            </a:ln>
-          </p:spPr>
-          <p:style>
-            <a:lnRef idx="1">
-              <a:schemeClr val="accent1"/>
-            </a:lnRef>
-            <a:fillRef idx="0">
-              <a:schemeClr val="accent1"/>
-            </a:fillRef>
-            <a:effectRef idx="0">
-              <a:schemeClr val="accent1"/>
-            </a:effectRef>
-            <a:fontRef idx="minor">
+            </a:solidFill>
+          </a:ln>
+        </p:spPr>
+        <p:style>
+          <a:lnRef idx="2">
+            <a:schemeClr val="accent1">
+              <a:shade val="50000"/>
+            </a:schemeClr>
+          </a:lnRef>
+          <a:fillRef idx="1">
+            <a:schemeClr val="accent1"/>
+          </a:fillRef>
+          <a:effectRef idx="0">
+            <a:schemeClr val="accent1"/>
+          </a:effectRef>
+          <a:fontRef idx="minor">
+            <a:schemeClr val="lt1"/>
+          </a:fontRef>
+        </p:style>
+        <p:txBody>
+          <a:bodyPr lIns="0" tIns="0" rIns="0" bIns="0" anchor="ctr"/>
+          <a:lstStyle/>
+          <a:p>
+            <a:pPr algn="ctr"/>
+            <a:r>
+              <a:rPr lang="en-US" altLang="zh-CN" sz="2000" noProof="1"/>
+              <a:t>IGC Log Pool</a:t>
+            </a:r>
+          </a:p>
+        </p:txBody>
+      </p:sp>
+      <p:sp>
+        <p:nvSpPr>
+          <p:cNvPr id="5" name="矩形 4"/>
+          <p:cNvSpPr/>
+          <p:nvPr>
+            <p:custDataLst>
+              <p:tags r:id="rId1"/>
+            </p:custDataLst>
+          </p:nvPr>
+        </p:nvSpPr>
+        <p:spPr>
+          <a:xfrm>
+            <a:off x="2506394" y="3129704"/>
+            <a:ext cx="1670680" cy="826248"/>
+          </a:xfrm>
+          <a:prstGeom prst="rect">
+            <a:avLst/>
+          </a:prstGeom>
+          <a:solidFill>
+            <a:srgbClr val="EE7228"/>
+          </a:solidFill>
+          <a:ln w="25400">
+            <a:solidFill>
               <a:schemeClr val="tx1"/>
-            </a:fontRef>
-          </p:style>
-        </p:cxnSp>
-        <p:cxnSp>
-          <p:nvCxnSpPr>
-            <p:cNvPr id="37" name="肘形连接符 36"/>
-            <p:cNvCxnSpPr/>
-            <p:nvPr/>
-          </p:nvCxnSpPr>
-          <p:spPr>
-            <a:xfrm rot="10800000" flipV="1">
-              <a:off x="2605" y="4649"/>
-              <a:ext cx="7816" cy="391"/>
-            </a:xfrm>
-            <a:prstGeom prst="bentConnector2">
-              <a:avLst/>
-            </a:prstGeom>
-            <a:ln w="28575" cmpd="sng">
-              <a:solidFill>
-                <a:srgbClr val="0070C0"/>
-              </a:solidFill>
-              <a:prstDash val="solid"/>
-              <a:tailEnd type="arrow"/>
-            </a:ln>
-          </p:spPr>
-          <p:style>
-            <a:lnRef idx="1">
-              <a:schemeClr val="accent1"/>
-            </a:lnRef>
-            <a:fillRef idx="0">
-              <a:schemeClr val="accent1"/>
-            </a:fillRef>
-            <a:effectRef idx="0">
-              <a:schemeClr val="accent1"/>
-            </a:effectRef>
-            <a:fontRef idx="minor">
-              <a:schemeClr val="tx1"/>
-            </a:fontRef>
-          </p:style>
-        </p:cxnSp>
-        <p:cxnSp>
-          <p:nvCxnSpPr>
-            <p:cNvPr id="39" name="直接箭头连接符 38"/>
-            <p:cNvCxnSpPr/>
-            <p:nvPr/>
-          </p:nvCxnSpPr>
-          <p:spPr>
-            <a:xfrm>
-              <a:off x="5106" y="4645"/>
-              <a:ext cx="0" cy="392"/>
-            </a:xfrm>
-            <a:prstGeom prst="straightConnector1">
-              <a:avLst/>
-            </a:prstGeom>
-            <a:ln w="28575" cmpd="sng">
-              <a:solidFill>
-                <a:srgbClr val="0070C0"/>
-              </a:solidFill>
-              <a:prstDash val="solid"/>
-              <a:tailEnd type="arrow"/>
-            </a:ln>
-          </p:spPr>
-          <p:style>
-            <a:lnRef idx="1">
-              <a:schemeClr val="accent1"/>
-            </a:lnRef>
-            <a:fillRef idx="0">
-              <a:schemeClr val="accent1"/>
-            </a:fillRef>
-            <a:effectRef idx="0">
-              <a:schemeClr val="accent1"/>
-            </a:effectRef>
-            <a:fontRef idx="minor">
-              <a:schemeClr val="tx1"/>
-            </a:fontRef>
-          </p:style>
-        </p:cxnSp>
-        <p:cxnSp>
-          <p:nvCxnSpPr>
-            <p:cNvPr id="40" name="直接箭头连接符 39"/>
-            <p:cNvCxnSpPr/>
-            <p:nvPr/>
-          </p:nvCxnSpPr>
-          <p:spPr>
-            <a:xfrm>
-              <a:off x="1325" y="6938"/>
-              <a:ext cx="7536" cy="0"/>
-            </a:xfrm>
-            <a:prstGeom prst="straightConnector1">
-              <a:avLst/>
-            </a:prstGeom>
-            <a:ln w="22225" cmpd="sng">
-              <a:solidFill>
-                <a:schemeClr val="accent1">
-                  <a:shade val="50000"/>
-                </a:schemeClr>
-              </a:solidFill>
-              <a:prstDash val="sysDash"/>
-              <a:tailEnd type="arrow"/>
-            </a:ln>
-          </p:spPr>
-          <p:style>
-            <a:lnRef idx="1">
-              <a:schemeClr val="accent1"/>
-            </a:lnRef>
-            <a:fillRef idx="0">
-              <a:schemeClr val="accent1"/>
-            </a:fillRef>
-            <a:effectRef idx="0">
-              <a:schemeClr val="accent1"/>
-            </a:effectRef>
-            <a:fontRef idx="minor">
-              <a:schemeClr val="tx1"/>
-            </a:fontRef>
-          </p:style>
-        </p:cxnSp>
-        <p:sp>
-          <p:nvSpPr>
-            <p:cNvPr id="41" name="文本框 40"/>
-            <p:cNvSpPr txBox="1"/>
-            <p:nvPr/>
-          </p:nvSpPr>
-          <p:spPr>
-            <a:xfrm>
-              <a:off x="1019" y="6888"/>
-              <a:ext cx="3006" cy="580"/>
-            </a:xfrm>
-            <a:prstGeom prst="rect">
-              <a:avLst/>
-            </a:prstGeom>
+            </a:solidFill>
+          </a:ln>
+        </p:spPr>
+        <p:style>
+          <a:lnRef idx="2">
+            <a:schemeClr val="accent1">
+              <a:shade val="50000"/>
+            </a:schemeClr>
+          </a:lnRef>
+          <a:fillRef idx="1">
+            <a:schemeClr val="accent1"/>
+          </a:fillRef>
+          <a:effectRef idx="0">
+            <a:schemeClr val="accent1"/>
+          </a:effectRef>
+          <a:fontRef idx="minor">
+            <a:schemeClr val="lt1"/>
+          </a:fontRef>
+        </p:style>
+        <p:txBody>
+          <a:bodyPr lIns="0" tIns="0" rIns="0" bIns="0" anchor="ctr"/>
+          <a:lstStyle/>
+          <a:p>
+            <a:pPr algn="ctr"/>
+            <a:r>
+              <a:rPr lang="en-US" altLang="zh-CN" sz="2000" noProof="1"/>
+              <a:t>IGC Log Pool</a:t>
+            </a:r>
+          </a:p>
+        </p:txBody>
+      </p:sp>
+      <p:sp>
+        <p:nvSpPr>
+          <p:cNvPr id="17" name="文本框 9"/>
+          <p:cNvSpPr txBox="1">
+            <a:spLocks noChangeArrowheads="1"/>
+          </p:cNvSpPr>
+          <p:nvPr>
+            <p:custDataLst>
+              <p:tags r:id="rId2"/>
+            </p:custDataLst>
+          </p:nvPr>
+        </p:nvSpPr>
+        <p:spPr bwMode="auto">
+          <a:xfrm>
+            <a:off x="2826383" y="3946426"/>
+            <a:ext cx="1046196" cy="276898"/>
+          </a:xfrm>
+          <a:prstGeom prst="rect">
+            <a:avLst/>
+          </a:prstGeom>
+          <a:noFill/>
+          <a:ln>
             <a:noFill/>
-          </p:spPr>
-          <p:txBody>
-            <a:bodyPr wrap="square" rtlCol="0">
-              <a:spAutoFit/>
-            </a:bodyPr>
-            <a:p>
-              <a:pPr algn="ctr"/>
-              <a:r>
-                <a:rPr lang="en-US" altLang="zh-CN" sz="1800"/>
-                <a:t>Remote stor</a:t>
-              </a:r>
-              <a:r>
-                <a:rPr lang="en-US" altLang="zh-CN" sz="1800"/>
-                <a:t>age</a:t>
-              </a:r>
-              <a:endParaRPr lang="en-US" altLang="zh-CN" sz="1800"/>
-            </a:p>
-          </p:txBody>
-        </p:sp>
-        <p:sp>
-          <p:nvSpPr>
-            <p:cNvPr id="42" name="文本框 41"/>
-            <p:cNvSpPr txBox="1"/>
-            <p:nvPr>
-              <p:custDataLst>
-                <p:tags r:id="rId4"/>
-              </p:custDataLst>
-            </p:nvPr>
-          </p:nvSpPr>
-          <p:spPr>
-            <a:xfrm>
-              <a:off x="6576" y="6888"/>
-              <a:ext cx="2374" cy="580"/>
-            </a:xfrm>
-            <a:prstGeom prst="rect">
-              <a:avLst/>
-            </a:prstGeom>
-            <a:noFill/>
-          </p:spPr>
-          <p:txBody>
-            <a:bodyPr wrap="square" rtlCol="0">
-              <a:spAutoFit/>
-            </a:bodyPr>
-            <a:p>
-              <a:pPr algn="ctr"/>
-              <a:r>
-                <a:rPr lang="en-US" altLang="zh-CN" sz="1800"/>
-                <a:t>Near storage</a:t>
-              </a:r>
-              <a:endParaRPr lang="en-US" altLang="zh-CN" sz="1800"/>
-            </a:p>
-          </p:txBody>
-        </p:sp>
-        <p:cxnSp>
-          <p:nvCxnSpPr>
-            <p:cNvPr id="43" name="直接箭头连接符 42"/>
-            <p:cNvCxnSpPr/>
-            <p:nvPr/>
-          </p:nvCxnSpPr>
-          <p:spPr>
-            <a:xfrm flipH="1">
-              <a:off x="6669" y="3146"/>
-              <a:ext cx="3739" cy="0"/>
-            </a:xfrm>
-            <a:prstGeom prst="straightConnector1">
-              <a:avLst/>
-            </a:prstGeom>
-            <a:ln w="28575" cmpd="sng">
-              <a:solidFill>
-                <a:srgbClr val="0070C0"/>
-              </a:solidFill>
-              <a:prstDash val="solid"/>
-              <a:tailEnd type="arrow"/>
-            </a:ln>
-          </p:spPr>
-          <p:style>
-            <a:lnRef idx="1">
-              <a:schemeClr val="accent1"/>
-            </a:lnRef>
-            <a:fillRef idx="0">
-              <a:schemeClr val="accent1"/>
-            </a:fillRef>
-            <a:effectRef idx="0">
-              <a:schemeClr val="accent1"/>
-            </a:effectRef>
-            <a:fontRef idx="minor">
-              <a:schemeClr val="tx1"/>
-            </a:fontRef>
-          </p:style>
-        </p:cxnSp>
-        <p:cxnSp>
-          <p:nvCxnSpPr>
-            <p:cNvPr id="44" name="直接箭头连接符 43"/>
-            <p:cNvCxnSpPr/>
-            <p:nvPr/>
-          </p:nvCxnSpPr>
-          <p:spPr>
-            <a:xfrm flipH="1">
-              <a:off x="7937" y="1176"/>
-              <a:ext cx="2719" cy="0"/>
-            </a:xfrm>
-            <a:prstGeom prst="straightConnector1">
-              <a:avLst/>
-            </a:prstGeom>
-            <a:ln w="28575" cmpd="sng">
-              <a:solidFill>
-                <a:srgbClr val="C00000"/>
-              </a:solidFill>
-              <a:prstDash val="solid"/>
-              <a:tailEnd type="arrow"/>
-            </a:ln>
-          </p:spPr>
-          <p:style>
-            <a:lnRef idx="1">
-              <a:schemeClr val="accent1"/>
-            </a:lnRef>
-            <a:fillRef idx="0">
-              <a:schemeClr val="accent1"/>
-            </a:fillRef>
-            <a:effectRef idx="0">
-              <a:schemeClr val="accent1"/>
-            </a:effectRef>
-            <a:fontRef idx="minor">
-              <a:schemeClr val="tx1"/>
-            </a:fontRef>
-          </p:style>
-        </p:cxnSp>
-      </p:grpSp>
+          </a:ln>
+          <a:extLst>
+            <a:ext uri="{909E8E84-426E-40DD-AFC4-6F175D3DCCD1}">
+              <a14:hiddenFill xmlns:a14="http://schemas.microsoft.com/office/drawing/2010/main">
+                <a:solidFill>
+                  <a:srgbClr val="FFFFFF"/>
+                </a:solidFill>
+              </a14:hiddenFill>
+            </a:ext>
+            <a:ext uri="{91240B29-F687-4F45-9708-019B960494DF}">
+              <a14:hiddenLine xmlns:a14="http://schemas.microsoft.com/office/drawing/2010/main" w="9525">
+                <a:solidFill>
+                  <a:srgbClr val="000000"/>
+                </a:solidFill>
+                <a:miter lim="800000"/>
+                <a:headEnd/>
+                <a:tailEnd/>
+              </a14:hiddenLine>
+            </a:ext>
+          </a:extLst>
+        </p:spPr>
+        <p:txBody>
+          <a:bodyPr lIns="0" tIns="0" rIns="0" bIns="0">
+            <a:spAutoFit/>
+          </a:bodyPr>
+          <a:lstStyle/>
+          <a:p>
+            <a:pPr algn="ctr"/>
+            <a:r>
+              <a:rPr lang="en-US" altLang="zh-CN" sz="1800" dirty="0"/>
+              <a:t>class 1</a:t>
+            </a:r>
+          </a:p>
+        </p:txBody>
+      </p:sp>
+      <p:cxnSp>
+        <p:nvCxnSpPr>
+          <p:cNvPr id="27" name="直接连接符 26"/>
+          <p:cNvCxnSpPr>
+            <a:cxnSpLocks/>
+          </p:cNvCxnSpPr>
+          <p:nvPr>
+            <p:custDataLst>
+              <p:tags r:id="rId3"/>
+            </p:custDataLst>
+          </p:nvPr>
+        </p:nvCxnSpPr>
+        <p:spPr>
+          <a:xfrm>
+            <a:off x="6928980" y="217830"/>
+            <a:ext cx="1347" cy="3325951"/>
+          </a:xfrm>
+          <a:prstGeom prst="line">
+            <a:avLst/>
+          </a:prstGeom>
+          <a:ln w="28575" cmpd="sng">
+            <a:solidFill>
+              <a:srgbClr val="0070C0"/>
+            </a:solidFill>
+            <a:prstDash val="solid"/>
+          </a:ln>
+        </p:spPr>
+        <p:style>
+          <a:lnRef idx="1">
+            <a:schemeClr val="accent1"/>
+          </a:lnRef>
+          <a:fillRef idx="0">
+            <a:schemeClr val="accent1"/>
+          </a:fillRef>
+          <a:effectRef idx="0">
+            <a:schemeClr val="accent1"/>
+          </a:effectRef>
+          <a:fontRef idx="minor">
+            <a:schemeClr val="tx1"/>
+          </a:fontRef>
+        </p:style>
+      </p:cxnSp>
+      <p:cxnSp>
+        <p:nvCxnSpPr>
+          <p:cNvPr id="36" name="肘形连接符 35"/>
+          <p:cNvCxnSpPr>
+            <a:cxnSpLocks/>
+          </p:cNvCxnSpPr>
+          <p:nvPr/>
+        </p:nvCxnSpPr>
+        <p:spPr>
+          <a:xfrm flipH="1">
+            <a:off x="6747765" y="217830"/>
+            <a:ext cx="7410" cy="2698485"/>
+          </a:xfrm>
+          <a:prstGeom prst="straightConnector1">
+            <a:avLst/>
+          </a:prstGeom>
+          <a:ln w="28575" cmpd="sng">
+            <a:solidFill>
+              <a:srgbClr val="C00000"/>
+            </a:solidFill>
+            <a:prstDash val="solid"/>
+            <a:tailEnd type="none"/>
+          </a:ln>
+        </p:spPr>
+        <p:style>
+          <a:lnRef idx="1">
+            <a:schemeClr val="accent1"/>
+          </a:lnRef>
+          <a:fillRef idx="0">
+            <a:schemeClr val="accent1"/>
+          </a:fillRef>
+          <a:effectRef idx="0">
+            <a:schemeClr val="accent1"/>
+          </a:effectRef>
+          <a:fontRef idx="minor">
+            <a:schemeClr val="tx1"/>
+          </a:fontRef>
+        </p:style>
+      </p:cxnSp>
+      <p:cxnSp>
+        <p:nvCxnSpPr>
+          <p:cNvPr id="37" name="肘形连接符 36"/>
+          <p:cNvCxnSpPr>
+            <a:cxnSpLocks/>
+          </p:cNvCxnSpPr>
+          <p:nvPr/>
+        </p:nvCxnSpPr>
+        <p:spPr>
+          <a:xfrm flipH="1" flipV="1">
+            <a:off x="5854490" y="3534890"/>
+            <a:ext cx="1074489" cy="635"/>
+          </a:xfrm>
+          <a:prstGeom prst="straightConnector1">
+            <a:avLst/>
+          </a:prstGeom>
+          <a:ln w="28575" cmpd="sng">
+            <a:solidFill>
+              <a:srgbClr val="0070C0"/>
+            </a:solidFill>
+            <a:prstDash val="solid"/>
+            <a:tailEnd type="arrow"/>
+          </a:ln>
+        </p:spPr>
+        <p:style>
+          <a:lnRef idx="1">
+            <a:schemeClr val="accent1"/>
+          </a:lnRef>
+          <a:fillRef idx="0">
+            <a:schemeClr val="accent1"/>
+          </a:fillRef>
+          <a:effectRef idx="0">
+            <a:schemeClr val="accent1"/>
+          </a:effectRef>
+          <a:fontRef idx="minor">
+            <a:schemeClr val="tx1"/>
+          </a:fontRef>
+        </p:style>
+      </p:cxnSp>
+      <p:cxnSp>
+        <p:nvCxnSpPr>
+          <p:cNvPr id="40" name="直接箭头连接符 39"/>
+          <p:cNvCxnSpPr/>
+          <p:nvPr/>
+        </p:nvCxnSpPr>
+        <p:spPr>
+          <a:xfrm>
+            <a:off x="802705" y="4334464"/>
+            <a:ext cx="5076710" cy="0"/>
+          </a:xfrm>
+          <a:prstGeom prst="straightConnector1">
+            <a:avLst/>
+          </a:prstGeom>
+          <a:ln w="25400" cmpd="sng">
+            <a:solidFill>
+              <a:srgbClr val="7F7F7F"/>
+            </a:solidFill>
+            <a:prstDash val="solid"/>
+            <a:tailEnd type="arrow"/>
+          </a:ln>
+        </p:spPr>
+        <p:style>
+          <a:lnRef idx="1">
+            <a:schemeClr val="accent1"/>
+          </a:lnRef>
+          <a:fillRef idx="0">
+            <a:schemeClr val="accent1"/>
+          </a:fillRef>
+          <a:effectRef idx="0">
+            <a:schemeClr val="accent1"/>
+          </a:effectRef>
+          <a:fontRef idx="minor">
+            <a:schemeClr val="tx1"/>
+          </a:fontRef>
+        </p:style>
+      </p:cxnSp>
+      <p:sp>
+        <p:nvSpPr>
+          <p:cNvPr id="41" name="文本框 40"/>
+          <p:cNvSpPr txBox="1"/>
+          <p:nvPr/>
+        </p:nvSpPr>
+        <p:spPr>
+          <a:xfrm>
+            <a:off x="4031225" y="4324938"/>
+            <a:ext cx="2025025" cy="276898"/>
+          </a:xfrm>
+          <a:prstGeom prst="rect">
+            <a:avLst/>
+          </a:prstGeom>
+          <a:noFill/>
+        </p:spPr>
+        <p:txBody>
+          <a:bodyPr wrap="square" lIns="0" tIns="0" rIns="0" bIns="0" rtlCol="0">
+            <a:spAutoFit/>
+          </a:bodyPr>
+          <a:lstStyle/>
+          <a:p>
+            <a:pPr algn="ctr"/>
+            <a:r>
+              <a:rPr lang="en-US" altLang="zh-CN" sz="1800" dirty="0"/>
+              <a:t>Remote storage</a:t>
+            </a:r>
+          </a:p>
+        </p:txBody>
+      </p:sp>
+      <p:sp>
+        <p:nvSpPr>
+          <p:cNvPr id="42" name="文本框 41"/>
+          <p:cNvSpPr txBox="1"/>
+          <p:nvPr>
+            <p:custDataLst>
+              <p:tags r:id="rId4"/>
+            </p:custDataLst>
+          </p:nvPr>
+        </p:nvSpPr>
+        <p:spPr>
+          <a:xfrm>
+            <a:off x="655510" y="4324938"/>
+            <a:ext cx="1599272" cy="276898"/>
+          </a:xfrm>
+          <a:prstGeom prst="rect">
+            <a:avLst/>
+          </a:prstGeom>
+          <a:noFill/>
+        </p:spPr>
+        <p:txBody>
+          <a:bodyPr wrap="square" lIns="0" tIns="0" rIns="0" bIns="0" rtlCol="0">
+            <a:spAutoFit/>
+          </a:bodyPr>
+          <a:lstStyle/>
+          <a:p>
+            <a:pPr algn="ctr"/>
+            <a:r>
+              <a:rPr lang="en-US" altLang="zh-CN" sz="1800" dirty="0"/>
+              <a:t>Near storage</a:t>
+            </a:r>
+          </a:p>
+        </p:txBody>
+      </p:sp>
+      <p:cxnSp>
+        <p:nvCxnSpPr>
+          <p:cNvPr id="43" name="直接箭头连接符 42"/>
+          <p:cNvCxnSpPr>
+            <a:cxnSpLocks/>
+          </p:cNvCxnSpPr>
+          <p:nvPr/>
+        </p:nvCxnSpPr>
+        <p:spPr>
+          <a:xfrm flipH="1">
+            <a:off x="4402750" y="1926214"/>
+            <a:ext cx="2518819" cy="0"/>
+          </a:xfrm>
+          <a:prstGeom prst="straightConnector1">
+            <a:avLst/>
+          </a:prstGeom>
+          <a:ln w="28575" cmpd="sng">
+            <a:solidFill>
+              <a:srgbClr val="0070C0"/>
+            </a:solidFill>
+            <a:prstDash val="solid"/>
+            <a:tailEnd type="arrow"/>
+          </a:ln>
+        </p:spPr>
+        <p:style>
+          <a:lnRef idx="1">
+            <a:schemeClr val="accent1"/>
+          </a:lnRef>
+          <a:fillRef idx="0">
+            <a:schemeClr val="accent1"/>
+          </a:fillRef>
+          <a:effectRef idx="0">
+            <a:schemeClr val="accent1"/>
+          </a:effectRef>
+          <a:fontRef idx="minor">
+            <a:schemeClr val="tx1"/>
+          </a:fontRef>
+        </p:style>
+      </p:cxnSp>
+      <p:cxnSp>
+        <p:nvCxnSpPr>
+          <p:cNvPr id="44" name="直接箭头连接符 43"/>
+          <p:cNvCxnSpPr>
+            <a:cxnSpLocks/>
+          </p:cNvCxnSpPr>
+          <p:nvPr/>
+        </p:nvCxnSpPr>
+        <p:spPr>
+          <a:xfrm flipH="1">
+            <a:off x="5256953" y="675093"/>
+            <a:ext cx="1490812" cy="0"/>
+          </a:xfrm>
+          <a:prstGeom prst="straightConnector1">
+            <a:avLst/>
+          </a:prstGeom>
+          <a:ln w="28575" cmpd="sng">
+            <a:solidFill>
+              <a:srgbClr val="C00000"/>
+            </a:solidFill>
+            <a:prstDash val="solid"/>
+            <a:tailEnd type="arrow"/>
+          </a:ln>
+        </p:spPr>
+        <p:style>
+          <a:lnRef idx="1">
+            <a:schemeClr val="accent1"/>
+          </a:lnRef>
+          <a:fillRef idx="0">
+            <a:schemeClr val="accent1"/>
+          </a:fillRef>
+          <a:effectRef idx="0">
+            <a:schemeClr val="accent1"/>
+          </a:effectRef>
+          <a:fontRef idx="minor">
+            <a:schemeClr val="tx1"/>
+          </a:fontRef>
+        </p:style>
+      </p:cxnSp>
+      <p:cxnSp>
+        <p:nvCxnSpPr>
+          <p:cNvPr id="18" name="直接箭头连接符 17">
+            <a:extLst>
+              <a:ext uri="{FF2B5EF4-FFF2-40B4-BE49-F238E27FC236}">
+                <a16:creationId xmlns:a16="http://schemas.microsoft.com/office/drawing/2014/main" id="{90D1C444-C223-DCAB-BF8F-E25ECA1925BB}"/>
+              </a:ext>
+            </a:extLst>
+          </p:cNvPr>
+          <p:cNvCxnSpPr>
+            <a:cxnSpLocks/>
+          </p:cNvCxnSpPr>
+          <p:nvPr/>
+        </p:nvCxnSpPr>
+        <p:spPr>
+          <a:xfrm flipH="1">
+            <a:off x="1650524" y="2916315"/>
+            <a:ext cx="5111989" cy="7484"/>
+          </a:xfrm>
+          <a:prstGeom prst="straightConnector1">
+            <a:avLst/>
+          </a:prstGeom>
+          <a:ln w="28575" cmpd="sng">
+            <a:solidFill>
+              <a:srgbClr val="C00000"/>
+            </a:solidFill>
+            <a:prstDash val="solid"/>
+            <a:tailEnd type="none"/>
+          </a:ln>
+        </p:spPr>
+        <p:style>
+          <a:lnRef idx="1">
+            <a:schemeClr val="accent1"/>
+          </a:lnRef>
+          <a:fillRef idx="0">
+            <a:schemeClr val="accent1"/>
+          </a:fillRef>
+          <a:effectRef idx="0">
+            <a:schemeClr val="accent1"/>
+          </a:effectRef>
+          <a:fontRef idx="minor">
+            <a:schemeClr val="tx1"/>
+          </a:fontRef>
+        </p:style>
+      </p:cxnSp>
+      <p:cxnSp>
+        <p:nvCxnSpPr>
+          <p:cNvPr id="22" name="直接箭头连接符 21">
+            <a:extLst>
+              <a:ext uri="{FF2B5EF4-FFF2-40B4-BE49-F238E27FC236}">
+                <a16:creationId xmlns:a16="http://schemas.microsoft.com/office/drawing/2014/main" id="{A6EFD91C-34F9-CB01-4301-CC8DB99B3D5B}"/>
+              </a:ext>
+            </a:extLst>
+          </p:cNvPr>
+          <p:cNvCxnSpPr>
+            <a:cxnSpLocks/>
+            <a:endCxn id="34" idx="0"/>
+          </p:cNvCxnSpPr>
+          <p:nvPr/>
+        </p:nvCxnSpPr>
+        <p:spPr>
+          <a:xfrm>
+            <a:off x="1656908" y="2916315"/>
+            <a:ext cx="0" cy="214659"/>
+          </a:xfrm>
+          <a:prstGeom prst="straightConnector1">
+            <a:avLst/>
+          </a:prstGeom>
+          <a:ln w="28575" cmpd="sng">
+            <a:solidFill>
+              <a:srgbClr val="C00000"/>
+            </a:solidFill>
+            <a:prstDash val="solid"/>
+            <a:tailEnd type="arrow"/>
+          </a:ln>
+        </p:spPr>
+        <p:style>
+          <a:lnRef idx="1">
+            <a:schemeClr val="accent1"/>
+          </a:lnRef>
+          <a:fillRef idx="0">
+            <a:schemeClr val="accent1"/>
+          </a:fillRef>
+          <a:effectRef idx="0">
+            <a:schemeClr val="accent1"/>
+          </a:effectRef>
+          <a:fontRef idx="minor">
+            <a:schemeClr val="tx1"/>
+          </a:fontRef>
+        </p:style>
+      </p:cxnSp>
+      <p:cxnSp>
+        <p:nvCxnSpPr>
+          <p:cNvPr id="26" name="直接箭头连接符 25">
+            <a:extLst>
+              <a:ext uri="{FF2B5EF4-FFF2-40B4-BE49-F238E27FC236}">
+                <a16:creationId xmlns:a16="http://schemas.microsoft.com/office/drawing/2014/main" id="{119BDD22-B5B1-5C30-1946-AA895AFBD68E}"/>
+              </a:ext>
+            </a:extLst>
+          </p:cNvPr>
+          <p:cNvCxnSpPr>
+            <a:cxnSpLocks/>
+            <a:endCxn id="5" idx="0"/>
+          </p:cNvCxnSpPr>
+          <p:nvPr/>
+        </p:nvCxnSpPr>
+        <p:spPr>
+          <a:xfrm>
+            <a:off x="3341734" y="2923799"/>
+            <a:ext cx="0" cy="205905"/>
+          </a:xfrm>
+          <a:prstGeom prst="straightConnector1">
+            <a:avLst/>
+          </a:prstGeom>
+          <a:ln w="28575" cmpd="sng">
+            <a:solidFill>
+              <a:srgbClr val="C00000"/>
+            </a:solidFill>
+            <a:prstDash val="solid"/>
+            <a:tailEnd type="arrow"/>
+          </a:ln>
+        </p:spPr>
+        <p:style>
+          <a:lnRef idx="1">
+            <a:schemeClr val="accent1"/>
+          </a:lnRef>
+          <a:fillRef idx="0">
+            <a:schemeClr val="accent1"/>
+          </a:fillRef>
+          <a:effectRef idx="0">
+            <a:schemeClr val="accent1"/>
+          </a:effectRef>
+          <a:fontRef idx="minor">
+            <a:schemeClr val="tx1"/>
+          </a:fontRef>
+        </p:style>
+      </p:cxnSp>
     </p:spTree>
   </p:cSld>
   <p:clrMapOvr>
@@ -4606,33 +4533,33 @@
 </file>
 
 <file path=ppt/tags/tag1.xml><?xml version="1.0" encoding="utf-8"?>
-<p:tagLst xmlns:p="http://schemas.openxmlformats.org/presentationml/2006/main">
-  <p:tag name="KSO_WM_BEAUTIFY_FLAG" val=""/>
+<p:tagLst xmlns:a="http://schemas.openxmlformats.org/drawingml/2006/main" xmlns:r="http://schemas.openxmlformats.org/officeDocument/2006/relationships" xmlns:p="http://schemas.openxmlformats.org/presentationml/2006/main">
+  <p:tag name="KSO_WPP_MARK_KEY" val="9493744d-b1cd-4a13-8d81-5dd629375973"/>
+  <p:tag name="COMMONDATA" val="eyJoZGlkIjoiNWMyNzk1NjJkYjg5Yzk1OTQwMjA3ODhmZjc4ODZlMTgifQ=="/>
 </p:tagLst>
 </file>
 
 <file path=ppt/tags/tag2.xml><?xml version="1.0" encoding="utf-8"?>
-<p:tagLst xmlns:p="http://schemas.openxmlformats.org/presentationml/2006/main">
+<p:tagLst xmlns:a="http://schemas.openxmlformats.org/drawingml/2006/main" xmlns:r="http://schemas.openxmlformats.org/officeDocument/2006/relationships" xmlns:p="http://schemas.openxmlformats.org/presentationml/2006/main">
   <p:tag name="KSO_WM_BEAUTIFY_FLAG" val=""/>
 </p:tagLst>
 </file>
 
 <file path=ppt/tags/tag3.xml><?xml version="1.0" encoding="utf-8"?>
-<p:tagLst xmlns:p="http://schemas.openxmlformats.org/presentationml/2006/main">
+<p:tagLst xmlns:a="http://schemas.openxmlformats.org/drawingml/2006/main" xmlns:r="http://schemas.openxmlformats.org/officeDocument/2006/relationships" xmlns:p="http://schemas.openxmlformats.org/presentationml/2006/main">
   <p:tag name="KSO_WM_BEAUTIFY_FLAG" val=""/>
 </p:tagLst>
 </file>
 
 <file path=ppt/tags/tag4.xml><?xml version="1.0" encoding="utf-8"?>
-<p:tagLst xmlns:p="http://schemas.openxmlformats.org/presentationml/2006/main">
+<p:tagLst xmlns:a="http://schemas.openxmlformats.org/drawingml/2006/main" xmlns:r="http://schemas.openxmlformats.org/officeDocument/2006/relationships" xmlns:p="http://schemas.openxmlformats.org/presentationml/2006/main">
   <p:tag name="KSO_WM_BEAUTIFY_FLAG" val=""/>
 </p:tagLst>
 </file>
 
 <file path=ppt/tags/tag5.xml><?xml version="1.0" encoding="utf-8"?>
-<p:tagLst xmlns:p="http://schemas.openxmlformats.org/presentationml/2006/main">
-  <p:tag name="KSO_WPP_MARK_KEY" val="9493744d-b1cd-4a13-8d81-5dd629375973"/>
-  <p:tag name="COMMONDATA" val="eyJoZGlkIjoiNWMyNzk1NjJkYjg5Yzk1OTQwMjA3ODhmZjc4ODZlMTgifQ=="/>
+<p:tagLst xmlns:a="http://schemas.openxmlformats.org/drawingml/2006/main" xmlns:r="http://schemas.openxmlformats.org/officeDocument/2006/relationships" xmlns:p="http://schemas.openxmlformats.org/presentationml/2006/main">
+  <p:tag name="KSO_WM_BEAUTIFY_FLAG" val=""/>
 </p:tagLst>
 </file>
 
@@ -4827,6 +4754,7 @@
       </a:bgFillStyleLst>
     </a:fmtScheme>
   </a:themeElements>
+  <a:objectDefaults/>
   <a:extraClrSchemeLst>
     <a:extraClrScheme>
       <a:clrScheme name="默认设计模板 1">
